--- a/obras/static/ppt/ppt-generados/hiper_por_sector_1.pptx
+++ b/obras/static/ppt/ppt-generados/hiper_por_sector_1.pptx
@@ -18835,7 +18835,7 @@
               <a:defRPr sz="1400"/>
             </a:pPr>
             <a:r>
-              <a:t>136</a:t>
+              <a:t>135</a:t>
             </a:r>
             <a:endParaRPr lang="es-MX" dirty="0">
               <a:latin typeface="Arial Narrow" panose="020B0606020202030204" pitchFamily="34" charset="0"/>
@@ -18869,7 +18869,7 @@
               <a:defRPr sz="1400"/>
             </a:pPr>
             <a:r>
-              <a:t>$ 33,665.46</a:t>
+              <a:t>$ 33,564.46</a:t>
             </a:r>
             <a:endParaRPr lang="es-MX" dirty="0">
               <a:latin typeface="Arial Narrow" panose="020B0606020202030204" pitchFamily="34" charset="0"/>
@@ -18971,7 +18971,7 @@
               <a:defRPr sz="1400"/>
             </a:pPr>
             <a:r>
-              <a:t>2</a:t>
+              <a:t>1</a:t>
             </a:r>
             <a:endParaRPr lang="es-MX" dirty="0">
               <a:latin typeface="Arial Narrow" panose="020B0606020202030204" pitchFamily="34" charset="0"/>
@@ -19005,7 +19005,7 @@
               <a:defRPr sz="1400"/>
             </a:pPr>
             <a:r>
-              <a:t>$ 108.60</a:t>
+              <a:t>$ 7.60</a:t>
             </a:r>
             <a:endParaRPr lang="es-MX" dirty="0">
               <a:latin typeface="Arial Narrow" panose="020B0606020202030204" pitchFamily="34" charset="0"/>

--- a/obras/static/ppt/ppt-generados/hiper_por_sector_1.pptx
+++ b/obras/static/ppt/ppt-generados/hiper_por_sector_1.pptx
@@ -5,10 +5,10 @@
     <p:sldMasterId id="2147483648" r:id="rId1"/>
   </p:sldMasterIdLst>
   <p:notesMasterIdLst>
-    <p:notesMasterId r:id="rId32"/>
+    <p:notesMasterId r:id="rId34"/>
   </p:notesMasterIdLst>
   <p:handoutMasterIdLst>
-    <p:handoutMasterId r:id="rId33"/>
+    <p:handoutMasterId r:id="rId35"/>
   </p:handoutMasterIdLst>
   <p:sldIdLst>
     <p:sldId id="256" r:id="rId2"/>
@@ -27,20 +27,22 @@
     <p:sldId id="275" r:id="rId15"/>
     <p:sldId id="277" r:id="rId16"/>
     <p:sldId id="278" r:id="rId17"/>
-    <p:sldId id="279" r:id="rId18"/>
-    <p:sldId id="280" r:id="rId19"/>
-    <p:sldId id="282" r:id="rId20"/>
-    <p:sldId id="283" r:id="rId21"/>
-    <p:sldId id="290" r:id="rId22"/>
-    <p:sldId id="291" r:id="rId23"/>
-    <p:sldId id="292" r:id="rId24"/>
-    <p:sldId id="293" r:id="rId25"/>
-    <p:sldId id="294" r:id="rId26"/>
-    <p:sldId id="295" r:id="rId27"/>
-    <p:sldId id="297" r:id="rId28"/>
-    <p:sldId id="298" r:id="rId29"/>
-    <p:sldId id="300" r:id="rId30"/>
-    <p:sldId id="301" r:id="rId31"/>
+    <p:sldId id="304" r:id="rId18"/>
+    <p:sldId id="305" r:id="rId19"/>
+    <p:sldId id="279" r:id="rId20"/>
+    <p:sldId id="280" r:id="rId21"/>
+    <p:sldId id="282" r:id="rId22"/>
+    <p:sldId id="283" r:id="rId23"/>
+    <p:sldId id="290" r:id="rId24"/>
+    <p:sldId id="291" r:id="rId25"/>
+    <p:sldId id="292" r:id="rId26"/>
+    <p:sldId id="293" r:id="rId27"/>
+    <p:sldId id="294" r:id="rId28"/>
+    <p:sldId id="295" r:id="rId29"/>
+    <p:sldId id="297" r:id="rId30"/>
+    <p:sldId id="298" r:id="rId31"/>
+    <p:sldId id="300" r:id="rId32"/>
+    <p:sldId id="301" r:id="rId33"/>
   </p:sldIdLst>
   <p:sldSz cx="9144000" cy="6858000" type="screen4x3"/>
   <p:notesSz cx="7010400" cy="9296400"/>
@@ -139,6 +141,36 @@
       </a:defRPr>
     </a:lvl9pPr>
   </p:defaultTextStyle>
+  <p:extLst>
+    <p:ext uri="{EFAFB233-063F-42B5-8137-9DF3F51BA10A}">
+      <p15:sldGuideLst xmlns:p15="http://schemas.microsoft.com/office/powerpoint/2012/main">
+        <p15:guide id="1" orient="horz" pos="2160">
+          <p15:clr>
+            <a:srgbClr val="A4A3A4"/>
+          </p15:clr>
+        </p15:guide>
+        <p15:guide id="2" pos="2880">
+          <p15:clr>
+            <a:srgbClr val="A4A3A4"/>
+          </p15:clr>
+        </p15:guide>
+      </p15:sldGuideLst>
+    </p:ext>
+    <p:ext uri="{2D200454-40CA-4A62-9FC3-DE9A4176ACB9}">
+      <p15:notesGuideLst xmlns:p15="http://schemas.microsoft.com/office/powerpoint/2012/main">
+        <p15:guide id="1" orient="horz" pos="2928">
+          <p15:clr>
+            <a:srgbClr val="A4A3A4"/>
+          </p15:clr>
+        </p15:guide>
+        <p15:guide id="2" pos="2208">
+          <p15:clr>
+            <a:srgbClr val="A4A3A4"/>
+          </p15:clr>
+        </p15:guide>
+      </p15:notesGuideLst>
+    </p:ext>
+  </p:extLst>
 </p:presentation>
 </file>
 
@@ -224,7 +256,7 @@
           <a:p>
             <a:fld id="{5A01FD12-FCAF-46CC-93B5-870B0BF31F6F}" type="datetimeFigureOut">
               <a:rPr lang="es-MX" smtClean="0"/>
-              <a:t>22/07/2015</a:t>
+              <a:t>26/05/2016</a:t>
             </a:fld>
             <a:endParaRPr lang="es-MX"/>
           </a:p>
@@ -389,7 +421,7 @@
           <a:p>
             <a:fld id="{56612B8C-D436-442C-AF8F-F0830C8620CD}" type="datetimeFigureOut">
               <a:rPr lang="es-MX" smtClean="0"/>
-              <a:t>22/07/2015</a:t>
+              <a:t>26/05/2016</a:t>
             </a:fld>
             <a:endParaRPr lang="es-MX" dirty="0"/>
           </a:p>
@@ -869,7 +901,7 @@
           <a:bodyPr/>
           <a:lstStyle/>
           <a:p>
-            <a:endParaRPr lang="es-MX"/>
+            <a:endParaRPr lang="es-MX" dirty="0"/>
           </a:p>
         </p:txBody>
       </p:sp>
@@ -890,16 +922,16 @@
           <a:p>
             <a:fld id="{A5E2E5E9-F22E-4DBC-A2B7-BC078CAAEBBA}" type="slidenum">
               <a:rPr lang="es-MX" smtClean="0"/>
-              <a:t>23</a:t>
+              <a:t>18</a:t>
             </a:fld>
-            <a:endParaRPr lang="es-MX"/>
+            <a:endParaRPr lang="es-MX" dirty="0"/>
           </a:p>
         </p:txBody>
       </p:sp>
     </p:spTree>
     <p:extLst>
       <p:ext uri="{BB962C8B-B14F-4D97-AF65-F5344CB8AC3E}">
-        <p14:creationId xmlns:p14="http://schemas.microsoft.com/office/powerpoint/2010/main" val="4012069024"/>
+        <p14:creationId xmlns:p14="http://schemas.microsoft.com/office/powerpoint/2010/main" val="529895053"/>
       </p:ext>
     </p:extLst>
   </p:cSld>
@@ -974,7 +1006,91 @@
           <a:p>
             <a:fld id="{A5E2E5E9-F22E-4DBC-A2B7-BC078CAAEBBA}" type="slidenum">
               <a:rPr lang="es-MX" smtClean="0"/>
-              <a:t>24</a:t>
+              <a:t>25</a:t>
+            </a:fld>
+            <a:endParaRPr lang="es-MX"/>
+          </a:p>
+        </p:txBody>
+      </p:sp>
+    </p:spTree>
+    <p:extLst>
+      <p:ext uri="{BB962C8B-B14F-4D97-AF65-F5344CB8AC3E}">
+        <p14:creationId xmlns:p14="http://schemas.microsoft.com/office/powerpoint/2010/main" val="4012069024"/>
+      </p:ext>
+    </p:extLst>
+  </p:cSld>
+  <p:clrMapOvr>
+    <a:masterClrMapping/>
+  </p:clrMapOvr>
+</p:notes>
+</file>
+
+<file path=ppt/notesSlides/notesSlide5.xml><?xml version="1.0" encoding="utf-8"?>
+<p:notes xmlns:a="http://schemas.openxmlformats.org/drawingml/2006/main" xmlns:r="http://schemas.openxmlformats.org/officeDocument/2006/relationships" xmlns:p="http://schemas.openxmlformats.org/presentationml/2006/main">
+  <p:cSld>
+    <p:spTree>
+      <p:nvGrpSpPr>
+        <p:cNvPr id="1" name=""/>
+        <p:cNvGrpSpPr/>
+        <p:nvPr/>
+      </p:nvGrpSpPr>
+      <p:grpSpPr>
+        <a:xfrm>
+          <a:off x="0" y="0"/>
+          <a:ext cx="0" cy="0"/>
+          <a:chOff x="0" y="0"/>
+          <a:chExt cx="0" cy="0"/>
+        </a:xfrm>
+      </p:grpSpPr>
+      <p:sp>
+        <p:nvSpPr>
+          <p:cNvPr id="2" name="1 Marcador de imagen de diapositiva"/>
+          <p:cNvSpPr>
+            <a:spLocks noGrp="1" noRot="1" noChangeAspect="1"/>
+          </p:cNvSpPr>
+          <p:nvPr>
+            <p:ph type="sldImg"/>
+          </p:nvPr>
+        </p:nvSpPr>
+        <p:spPr/>
+      </p:sp>
+      <p:sp>
+        <p:nvSpPr>
+          <p:cNvPr id="3" name="2 Marcador de notas"/>
+          <p:cNvSpPr>
+            <a:spLocks noGrp="1"/>
+          </p:cNvSpPr>
+          <p:nvPr>
+            <p:ph type="body" idx="1"/>
+          </p:nvPr>
+        </p:nvSpPr>
+        <p:spPr/>
+        <p:txBody>
+          <a:bodyPr/>
+          <a:lstStyle/>
+          <a:p>
+            <a:endParaRPr lang="es-MX"/>
+          </a:p>
+        </p:txBody>
+      </p:sp>
+      <p:sp>
+        <p:nvSpPr>
+          <p:cNvPr id="4" name="3 Marcador de número de diapositiva"/>
+          <p:cNvSpPr>
+            <a:spLocks noGrp="1"/>
+          </p:cNvSpPr>
+          <p:nvPr>
+            <p:ph type="sldNum" sz="quarter" idx="10"/>
+          </p:nvPr>
+        </p:nvSpPr>
+        <p:spPr/>
+        <p:txBody>
+          <a:bodyPr/>
+          <a:lstStyle/>
+          <a:p>
+            <a:fld id="{A5E2E5E9-F22E-4DBC-A2B7-BC078CAAEBBA}" type="slidenum">
+              <a:rPr lang="es-MX" smtClean="0"/>
+              <a:t>26</a:t>
             </a:fld>
             <a:endParaRPr lang="es-MX"/>
           </a:p>
@@ -1174,7 +1290,7 @@
           <a:p>
             <a:fld id="{46C625CF-D8F4-6941-B2C3-3F15474FDD83}" type="datetimeFigureOut">
               <a:rPr lang="es-ES" smtClean="0"/>
-              <a:t>22/07/2015</a:t>
+              <a:t>26/05/2016</a:t>
             </a:fld>
             <a:endParaRPr lang="es-ES" dirty="0"/>
           </a:p>
@@ -1344,7 +1460,7 @@
           <a:p>
             <a:fld id="{46C625CF-D8F4-6941-B2C3-3F15474FDD83}" type="datetimeFigureOut">
               <a:rPr lang="es-ES" smtClean="0"/>
-              <a:t>22/07/2015</a:t>
+              <a:t>26/05/2016</a:t>
             </a:fld>
             <a:endParaRPr lang="es-ES" dirty="0"/>
           </a:p>
@@ -1524,7 +1640,7 @@
           <a:p>
             <a:fld id="{46C625CF-D8F4-6941-B2C3-3F15474FDD83}" type="datetimeFigureOut">
               <a:rPr lang="es-ES" smtClean="0"/>
-              <a:t>22/07/2015</a:t>
+              <a:t>26/05/2016</a:t>
             </a:fld>
             <a:endParaRPr lang="es-ES" dirty="0"/>
           </a:p>
@@ -1694,7 +1810,7 @@
           <a:p>
             <a:fld id="{46C625CF-D8F4-6941-B2C3-3F15474FDD83}" type="datetimeFigureOut">
               <a:rPr lang="es-ES" smtClean="0"/>
-              <a:t>22/07/2015</a:t>
+              <a:t>26/05/2016</a:t>
             </a:fld>
             <a:endParaRPr lang="es-ES" dirty="0"/>
           </a:p>
@@ -1940,7 +2056,7 @@
           <a:p>
             <a:fld id="{46C625CF-D8F4-6941-B2C3-3F15474FDD83}" type="datetimeFigureOut">
               <a:rPr lang="es-ES" smtClean="0"/>
-              <a:t>22/07/2015</a:t>
+              <a:t>26/05/2016</a:t>
             </a:fld>
             <a:endParaRPr lang="es-ES" dirty="0"/>
           </a:p>
@@ -2228,7 +2344,7 @@
           <a:p>
             <a:fld id="{46C625CF-D8F4-6941-B2C3-3F15474FDD83}" type="datetimeFigureOut">
               <a:rPr lang="es-ES" smtClean="0"/>
-              <a:t>22/07/2015</a:t>
+              <a:t>26/05/2016</a:t>
             </a:fld>
             <a:endParaRPr lang="es-ES" dirty="0"/>
           </a:p>
@@ -2650,7 +2766,7 @@
           <a:p>
             <a:fld id="{46C625CF-D8F4-6941-B2C3-3F15474FDD83}" type="datetimeFigureOut">
               <a:rPr lang="es-ES" smtClean="0"/>
-              <a:t>22/07/2015</a:t>
+              <a:t>26/05/2016</a:t>
             </a:fld>
             <a:endParaRPr lang="es-ES" dirty="0"/>
           </a:p>
@@ -2768,7 +2884,7 @@
           <a:p>
             <a:fld id="{46C625CF-D8F4-6941-B2C3-3F15474FDD83}" type="datetimeFigureOut">
               <a:rPr lang="es-ES" smtClean="0"/>
-              <a:t>22/07/2015</a:t>
+              <a:t>26/05/2016</a:t>
             </a:fld>
             <a:endParaRPr lang="es-ES" dirty="0"/>
           </a:p>
@@ -2863,7 +2979,7 @@
           <a:p>
             <a:fld id="{46C625CF-D8F4-6941-B2C3-3F15474FDD83}" type="datetimeFigureOut">
               <a:rPr lang="es-ES" smtClean="0"/>
-              <a:t>22/07/2015</a:t>
+              <a:t>26/05/2016</a:t>
             </a:fld>
             <a:endParaRPr lang="es-ES" dirty="0"/>
           </a:p>
@@ -3140,7 +3256,7 @@
           <a:p>
             <a:fld id="{46C625CF-D8F4-6941-B2C3-3F15474FDD83}" type="datetimeFigureOut">
               <a:rPr lang="es-ES" smtClean="0"/>
-              <a:t>22/07/2015</a:t>
+              <a:t>26/05/2016</a:t>
             </a:fld>
             <a:endParaRPr lang="es-ES" dirty="0"/>
           </a:p>
@@ -3393,7 +3509,7 @@
           <a:p>
             <a:fld id="{46C625CF-D8F4-6941-B2C3-3F15474FDD83}" type="datetimeFigureOut">
               <a:rPr lang="es-ES" smtClean="0"/>
-              <a:t>22/07/2015</a:t>
+              <a:t>26/05/2016</a:t>
             </a:fld>
             <a:endParaRPr lang="es-ES" dirty="0"/>
           </a:p>
@@ -3612,7 +3728,7 @@
           <a:p>
             <a:fld id="{46C625CF-D8F4-6941-B2C3-3F15474FDD83}" type="datetimeFigureOut">
               <a:rPr lang="es-ES" smtClean="0"/>
-              <a:t>22/07/2015</a:t>
+              <a:t>26/05/2016</a:t>
             </a:fld>
             <a:endParaRPr lang="es-ES" dirty="0"/>
           </a:p>
@@ -5275,7 +5391,7 @@
               <a:defRPr sz="1400"/>
             </a:pPr>
             <a:r>
-              <a:t>4</a:t>
+              <a:t>1</a:t>
             </a:r>
             <a:endParaRPr lang="es-MX" sz="1600" dirty="0">
               <a:latin typeface="Arial Narrow" panose="020B0606020202030204" pitchFamily="34" charset="0"/>
@@ -5309,7 +5425,7 @@
               <a:defRPr sz="1400"/>
             </a:pPr>
             <a:r>
-              <a:t>$ 135.60</a:t>
+              <a:t>$ 3.00</a:t>
             </a:r>
             <a:endParaRPr lang="es-MX" sz="1600" dirty="0">
               <a:latin typeface="Arial Narrow" panose="020B0606020202030204" pitchFamily="34" charset="0"/>
@@ -5343,7 +5459,7 @@
               <a:defRPr sz="1400"/>
             </a:pPr>
             <a:r>
-              <a:t>41</a:t>
+              <a:t>30</a:t>
             </a:r>
             <a:endParaRPr lang="es-MX" sz="1600" dirty="0">
               <a:latin typeface="Arial Narrow" panose="020B0606020202030204" pitchFamily="34" charset="0"/>
@@ -5377,7 +5493,7 @@
               <a:defRPr sz="1400"/>
             </a:pPr>
             <a:r>
-              <a:t>$ 18,672.44</a:t>
+              <a:t>$ 6,241.59</a:t>
             </a:r>
             <a:endParaRPr lang="es-MX" sz="1600" dirty="0">
               <a:latin typeface="Arial Narrow" panose="020B0606020202030204" pitchFamily="34" charset="0"/>
@@ -5411,7 +5527,7 @@
               <a:defRPr sz="1400"/>
             </a:pPr>
             <a:r>
-              <a:t>18</a:t>
+              <a:t>20</a:t>
             </a:r>
             <a:endParaRPr lang="es-MX" sz="1600" b="1" dirty="0">
               <a:latin typeface="Arial Narrow" panose="020B0606020202030204" pitchFamily="34" charset="0"/>
@@ -5445,7 +5561,7 @@
               <a:defRPr sz="1400"/>
             </a:pPr>
             <a:r>
-              <a:t>$ 17,732.14</a:t>
+              <a:t>$ 5,902.99</a:t>
             </a:r>
           </a:p>
         </p:txBody>
@@ -5476,7 +5592,7 @@
               <a:defRPr sz="1400"/>
             </a:pPr>
             <a:r>
-              <a:t>19</a:t>
+              <a:t>9</a:t>
             </a:r>
             <a:endParaRPr lang="es-MX" sz="1600" dirty="0">
               <a:latin typeface="Arial Narrow" panose="020B0606020202030204" pitchFamily="34" charset="0"/>
@@ -5510,7 +5626,7 @@
               <a:defRPr sz="1400"/>
             </a:pPr>
             <a:r>
-              <a:t>$ 804.70</a:t>
+              <a:t>$ 335.60</a:t>
             </a:r>
             <a:endParaRPr lang="es-MX" sz="1600" dirty="0">
               <a:latin typeface="Arial Narrow" panose="020B0606020202030204" pitchFamily="34" charset="0"/>
@@ -7413,7 +7529,7 @@
               <a:defRPr sz="1400"/>
             </a:pPr>
             <a:r>
-              <a:t>278</a:t>
+              <a:t>5</a:t>
             </a:r>
             <a:endParaRPr lang="es-MX" dirty="0">
               <a:latin typeface="Arial Narrow" panose="020B0606020202030204" pitchFamily="34" charset="0"/>
@@ -7447,7 +7563,7 @@
               <a:defRPr sz="1400"/>
             </a:pPr>
             <a:r>
-              <a:t>$ 1,777.36</a:t>
+              <a:t>$ 69.89</a:t>
             </a:r>
             <a:endParaRPr lang="es-MX" dirty="0">
               <a:latin typeface="Arial Narrow" panose="020B0606020202030204" pitchFamily="34" charset="0"/>
@@ -7481,7 +7597,7 @@
               <a:defRPr sz="1400"/>
             </a:pPr>
             <a:r>
-              <a:t>857</a:t>
+              <a:t>588</a:t>
             </a:r>
             <a:endParaRPr lang="es-MX" dirty="0">
               <a:latin typeface="Arial Narrow" panose="020B0606020202030204" pitchFamily="34" charset="0"/>
@@ -7515,7 +7631,7 @@
               <a:defRPr sz="1400"/>
             </a:pPr>
             <a:r>
-              <a:t>$ 7,576.76</a:t>
+              <a:t>$ 5,024.14</a:t>
             </a:r>
             <a:endParaRPr lang="es-MX" dirty="0">
               <a:latin typeface="Arial Narrow" panose="020B0606020202030204" pitchFamily="34" charset="0"/>
@@ -7549,7 +7665,7 @@
               <a:defRPr sz="1400"/>
             </a:pPr>
             <a:r>
-              <a:t>501</a:t>
+              <a:t>406</a:t>
             </a:r>
             <a:endParaRPr lang="es-MX" b="1" dirty="0">
               <a:latin typeface="Arial Narrow" panose="020B0606020202030204" pitchFamily="34" charset="0"/>
@@ -7583,7 +7699,7 @@
               <a:defRPr sz="1400"/>
             </a:pPr>
             <a:r>
-              <a:t>$ 5,149.07</a:t>
+              <a:t>$ 4,408.98</a:t>
             </a:r>
             <a:endParaRPr lang="es-MX" b="1" dirty="0">
               <a:latin typeface="Arial Narrow" panose="020B0606020202030204" pitchFamily="34" charset="0"/>
@@ -7617,7 +7733,7 @@
               <a:defRPr sz="1400"/>
             </a:pPr>
             <a:r>
-              <a:t>78</a:t>
+              <a:t>177</a:t>
             </a:r>
             <a:endParaRPr lang="es-MX" dirty="0">
               <a:latin typeface="Arial Narrow" panose="020B0606020202030204" pitchFamily="34" charset="0"/>
@@ -7651,7 +7767,7 @@
               <a:defRPr sz="1400"/>
             </a:pPr>
             <a:r>
-              <a:t>$ 650.33</a:t>
+              <a:t>$ 545.27</a:t>
             </a:r>
             <a:endParaRPr lang="es-MX" dirty="0">
               <a:latin typeface="Arial Narrow" panose="020B0606020202030204" pitchFamily="34" charset="0"/>
@@ -9585,7 +9701,7 @@
               <a:defRPr sz="1400"/>
             </a:pPr>
             <a:r>
-              <a:t>54</a:t>
+              <a:t>21</a:t>
             </a:r>
             <a:endParaRPr lang="es-MX" dirty="0">
               <a:latin typeface="Arial Narrow" panose="020B0606020202030204" pitchFamily="34" charset="0"/>
@@ -9619,7 +9735,7 @@
               <a:defRPr sz="1400"/>
             </a:pPr>
             <a:r>
-              <a:t>$ 3,437.28</a:t>
+              <a:t>$ 1,471.44</a:t>
             </a:r>
             <a:endParaRPr lang="es-MX" dirty="0">
               <a:latin typeface="Arial Narrow" panose="020B0606020202030204" pitchFamily="34" charset="0"/>
@@ -9653,7 +9769,7 @@
               <a:defRPr sz="1400"/>
             </a:pPr>
             <a:r>
-              <a:t>250</a:t>
+              <a:t>260</a:t>
             </a:r>
             <a:endParaRPr lang="es-MX" dirty="0">
               <a:latin typeface="Arial Narrow" panose="020B0606020202030204" pitchFamily="34" charset="0"/>
@@ -9687,7 +9803,7 @@
               <a:defRPr sz="1400"/>
             </a:pPr>
             <a:r>
-              <a:t>$ 21,193.73</a:t>
+              <a:t>$ 26,192.61</a:t>
             </a:r>
             <a:endParaRPr lang="es-MX" dirty="0">
               <a:latin typeface="Arial Narrow" panose="020B0606020202030204" pitchFamily="34" charset="0"/>
@@ -9721,7 +9837,7 @@
               <a:defRPr sz="1400"/>
             </a:pPr>
             <a:r>
-              <a:t>162</a:t>
+              <a:t>173</a:t>
             </a:r>
             <a:endParaRPr lang="es-MX" b="1" dirty="0">
               <a:latin typeface="Arial Narrow" panose="020B0606020202030204" pitchFamily="34" charset="0"/>
@@ -9755,7 +9871,7 @@
               <a:defRPr sz="1400"/>
             </a:pPr>
             <a:r>
-              <a:t>$ 16,349.20</a:t>
+              <a:t>$ 21,475.66</a:t>
             </a:r>
             <a:endParaRPr lang="es-MX" b="1" dirty="0">
               <a:latin typeface="Arial Narrow" panose="020B0606020202030204" pitchFamily="34" charset="0"/>
@@ -9789,7 +9905,7 @@
               <a:defRPr sz="1400"/>
             </a:pPr>
             <a:r>
-              <a:t>34</a:t>
+              <a:t>66</a:t>
             </a:r>
             <a:endParaRPr lang="es-MX" dirty="0">
               <a:latin typeface="Arial Narrow" panose="020B0606020202030204" pitchFamily="34" charset="0"/>
@@ -9823,7 +9939,7 @@
               <a:defRPr sz="1400"/>
             </a:pPr>
             <a:r>
-              <a:t>$ 1,407.25</a:t>
+              <a:t>$ 3,245.51</a:t>
             </a:r>
             <a:endParaRPr lang="es-MX" dirty="0">
               <a:latin typeface="Arial Narrow" panose="020B0606020202030204" pitchFamily="34" charset="0"/>
@@ -11675,7 +11791,7 @@
               <a:defRPr sz="1400"/>
             </a:pPr>
             <a:r>
-              <a:t>3,624</a:t>
+              <a:t>0</a:t>
             </a:r>
             <a:endParaRPr lang="es-MX" dirty="0">
               <a:latin typeface="Arial Narrow" panose="020B0606020202030204" pitchFamily="34" charset="0"/>
@@ -11709,7 +11825,7 @@
               <a:defRPr sz="1400"/>
             </a:pPr>
             <a:r>
-              <a:t>$ 2,161.71</a:t>
+              <a:t>$ 0.00</a:t>
             </a:r>
             <a:endParaRPr lang="es-MX" dirty="0">
               <a:latin typeface="Arial Narrow" panose="020B0606020202030204" pitchFamily="34" charset="0"/>
@@ -11743,7 +11859,7 @@
               <a:defRPr sz="1400"/>
             </a:pPr>
             <a:r>
-              <a:t>9,274</a:t>
+              <a:t>60</a:t>
             </a:r>
             <a:endParaRPr lang="es-MX" dirty="0">
               <a:latin typeface="Arial Narrow" panose="020B0606020202030204" pitchFamily="34" charset="0"/>
@@ -11777,7 +11893,7 @@
               <a:defRPr sz="1400"/>
             </a:pPr>
             <a:r>
-              <a:t>$ 3,364.00</a:t>
+              <a:t>$ 97.01</a:t>
             </a:r>
             <a:endParaRPr lang="es-MX" dirty="0">
               <a:latin typeface="Arial Narrow" panose="020B0606020202030204" pitchFamily="34" charset="0"/>
@@ -11811,7 +11927,7 @@
               <a:defRPr sz="1400"/>
             </a:pPr>
             <a:r>
-              <a:t>5,650</a:t>
+              <a:t>0</a:t>
             </a:r>
             <a:endParaRPr lang="es-MX" b="1" dirty="0">
               <a:latin typeface="Arial Narrow" panose="020B0606020202030204" pitchFamily="34" charset="0"/>
@@ -11845,7 +11961,7 @@
               <a:defRPr sz="1400"/>
             </a:pPr>
             <a:r>
-              <a:t>$ 1,202.29</a:t>
+              <a:t>$ 0.00</a:t>
             </a:r>
             <a:endParaRPr lang="es-MX" b="1" dirty="0">
               <a:latin typeface="Arial Narrow" panose="020B0606020202030204" pitchFamily="34" charset="0"/>
@@ -11879,7 +11995,7 @@
               <a:defRPr sz="1400"/>
             </a:pPr>
             <a:r>
-              <a:t>0</a:t>
+              <a:t>60</a:t>
             </a:r>
             <a:endParaRPr lang="es-MX" dirty="0">
               <a:latin typeface="Arial Narrow" panose="020B0606020202030204" pitchFamily="34" charset="0"/>
@@ -11913,7 +12029,7 @@
               <a:defRPr sz="1400"/>
             </a:pPr>
             <a:r>
-              <a:t>$ 0.00</a:t>
+              <a:t>$ 97.01</a:t>
             </a:r>
             <a:endParaRPr lang="es-MX" dirty="0">
               <a:latin typeface="Arial Narrow" panose="020B0606020202030204" pitchFamily="34" charset="0"/>
@@ -12636,6 +12752,2164 @@
 </file>
 
 <file path=ppt/slides/slide17.xml><?xml version="1.0" encoding="utf-8"?>
+<p:sld xmlns:a="http://schemas.openxmlformats.org/drawingml/2006/main" xmlns:r="http://schemas.openxmlformats.org/officeDocument/2006/relationships" xmlns:p="http://schemas.openxmlformats.org/presentationml/2006/main">
+  <p:cSld>
+    <p:spTree>
+      <p:nvGrpSpPr>
+        <p:cNvPr id="1" name=""/>
+        <p:cNvGrpSpPr/>
+        <p:nvPr/>
+      </p:nvGrpSpPr>
+      <p:grpSpPr>
+        <a:xfrm>
+          <a:off x="0" y="0"/>
+          <a:ext cx="0" cy="0"/>
+          <a:chOff x="0" y="0"/>
+          <a:chExt cx="0" cy="0"/>
+        </a:xfrm>
+      </p:grpSpPr>
+      <p:graphicFrame>
+        <p:nvGraphicFramePr>
+          <p:cNvPr id="4" name="3 Tabla"/>
+          <p:cNvGraphicFramePr>
+            <a:graphicFrameLocks noGrp="1"/>
+          </p:cNvGraphicFramePr>
+          <p:nvPr>
+            <p:extLst/>
+          </p:nvPr>
+        </p:nvGraphicFramePr>
+        <p:xfrm>
+          <a:off x="272955" y="1394275"/>
+          <a:ext cx="8707272" cy="5279481"/>
+        </p:xfrm>
+        <a:graphic>
+          <a:graphicData uri="http://schemas.openxmlformats.org/drawingml/2006/table">
+            <a:tbl>
+              <a:tblPr firstRow="1" bandRow="1">
+                <a:tableStyleId>{5C22544A-7EE6-4342-B048-85BDC9FD1C3A}</a:tableStyleId>
+              </a:tblPr>
+              <a:tblGrid>
+                <a:gridCol w="498046"/>
+                <a:gridCol w="2399985"/>
+                <a:gridCol w="5809241"/>
+              </a:tblGrid>
+              <a:tr h="139851">
+                <a:tc gridSpan="2">
+                  <a:txBody>
+                    <a:bodyPr/>
+                    <a:lstStyle/>
+                    <a:p>
+                      <a:pPr algn="ctr">
+                        <a:lnSpc>
+                          <a:spcPts val="900"/>
+                        </a:lnSpc>
+                        <a:spcBef>
+                          <a:spcPts val="600"/>
+                        </a:spcBef>
+                        <a:spcAft>
+                          <a:spcPts val="300"/>
+                        </a:spcAft>
+                      </a:pPr>
+                      <a:endParaRPr lang="es-MX" sz="900" dirty="0">
+                        <a:solidFill>
+                          <a:srgbClr val="008040"/>
+                        </a:solidFill>
+                        <a:effectLst/>
+                        <a:latin typeface="Arial Narrow" panose="020B0606020202030204" pitchFamily="34" charset="0"/>
+                        <a:ea typeface="Calibri"/>
+                        <a:cs typeface="Times New Roman"/>
+                      </a:endParaRPr>
+                    </a:p>
+                  </a:txBody>
+                  <a:tcPr marL="63988" marR="63988" marT="0" marB="0" anchor="ctr">
+                    <a:solidFill>
+                      <a:schemeClr val="bg1">
+                        <a:lumMod val="95000"/>
+                      </a:schemeClr>
+                    </a:solidFill>
+                  </a:tcPr>
+                </a:tc>
+                <a:tc hMerge="1">
+                  <a:txBody>
+                    <a:bodyPr/>
+                    <a:lstStyle/>
+                    <a:p>
+                      <a:endParaRPr lang="es-MX"/>
+                    </a:p>
+                  </a:txBody>
+                  <a:tcPr/>
+                </a:tc>
+                <a:tc>
+                  <a:txBody>
+                    <a:bodyPr/>
+                    <a:lstStyle/>
+                    <a:p>
+                      <a:pPr algn="ctr">
+                        <a:lnSpc>
+                          <a:spcPts val="900"/>
+                        </a:lnSpc>
+                        <a:spcBef>
+                          <a:spcPts val="600"/>
+                        </a:spcBef>
+                        <a:spcAft>
+                          <a:spcPts val="300"/>
+                        </a:spcAft>
+                      </a:pPr>
+                      <a:endParaRPr lang="es-MX" sz="900" dirty="0">
+                        <a:solidFill>
+                          <a:srgbClr val="008040"/>
+                        </a:solidFill>
+                        <a:effectLst/>
+                        <a:latin typeface="Arial Narrow" panose="020B0606020202030204" pitchFamily="34" charset="0"/>
+                        <a:ea typeface="Calibri"/>
+                        <a:cs typeface="Times New Roman"/>
+                      </a:endParaRPr>
+                    </a:p>
+                  </a:txBody>
+                  <a:tcPr marL="63988" marR="63988" marT="0" marB="0" anchor="ctr">
+                    <a:noFill/>
+                  </a:tcPr>
+                </a:tc>
+              </a:tr>
+              <a:tr h="458839">
+                <a:tc>
+                  <a:txBody>
+                    <a:bodyPr/>
+                    <a:lstStyle/>
+                    <a:p>
+                      <a:pPr algn="ctr">
+                        <a:lnSpc>
+                          <a:spcPts val="1100"/>
+                        </a:lnSpc>
+                        <a:spcBef>
+                          <a:spcPts val="600"/>
+                        </a:spcBef>
+                        <a:spcAft>
+                          <a:spcPts val="300"/>
+                        </a:spcAft>
+                      </a:pPr>
+                      <a:endParaRPr lang="es-MX" sz="1100" b="1" dirty="0">
+                        <a:solidFill>
+                          <a:schemeClr val="bg1"/>
+                        </a:solidFill>
+                        <a:effectLst/>
+                        <a:latin typeface="Arial Narrow" panose="020B0606020202030204" pitchFamily="34" charset="0"/>
+                        <a:ea typeface="Calibri"/>
+                        <a:cs typeface="Times New Roman"/>
+                      </a:endParaRPr>
+                    </a:p>
+                  </a:txBody>
+                  <a:tcPr marL="68580" marR="68580" marT="0" marB="0" anchor="ctr">
+                    <a:lnL w="3175" cap="flat" cmpd="sng" algn="ctr">
+                      <a:noFill/>
+                      <a:prstDash val="solid"/>
+                      <a:round/>
+                      <a:headEnd type="none" w="med" len="med"/>
+                      <a:tailEnd type="none" w="med" len="med"/>
+                    </a:lnL>
+                    <a:lnR w="6350" cap="flat" cmpd="sng" algn="ctr">
+                      <a:solidFill>
+                        <a:schemeClr val="bg1"/>
+                      </a:solidFill>
+                      <a:prstDash val="solid"/>
+                      <a:round/>
+                      <a:headEnd type="none" w="med" len="med"/>
+                      <a:tailEnd type="none" w="med" len="med"/>
+                    </a:lnR>
+                    <a:solidFill>
+                      <a:srgbClr val="C00000"/>
+                    </a:solidFill>
+                  </a:tcPr>
+                </a:tc>
+                <a:tc>
+                  <a:txBody>
+                    <a:bodyPr/>
+                    <a:lstStyle/>
+                    <a:p>
+                      <a:pPr marL="0" marR="0" indent="0" algn="l" defTabSz="457200" rtl="0" eaLnBrk="1" fontAlgn="auto" latinLnBrk="0" hangingPunct="1">
+                        <a:lnSpc>
+                          <a:spcPts val="1100"/>
+                        </a:lnSpc>
+                        <a:spcBef>
+                          <a:spcPts val="0"/>
+                        </a:spcBef>
+                        <a:spcAft>
+                          <a:spcPts val="0"/>
+                        </a:spcAft>
+                        <a:buClrTx/>
+                        <a:buSzTx/>
+                        <a:buFontTx/>
+                        <a:buNone/>
+                        <a:tabLst/>
+                        <a:defRPr/>
+                      </a:pPr>
+                      <a:r>
+                        <a:rPr lang="es-MX" sz="1400" b="1" dirty="0" smtClean="0">
+                          <a:solidFill>
+                            <a:schemeClr val="tx1">
+                              <a:lumMod val="75000"/>
+                              <a:lumOff val="25000"/>
+                            </a:schemeClr>
+                          </a:solidFill>
+                          <a:effectLst/>
+                          <a:latin typeface="Arial Narrow" panose="020B0606020202030204" pitchFamily="34" charset="0"/>
+                          <a:ea typeface="Calibri"/>
+                          <a:cs typeface="Arial"/>
+                        </a:rPr>
+                        <a:t>Secretaría de Cultura</a:t>
+                      </a:r>
+                    </a:p>
+                  </a:txBody>
+                  <a:tcPr marL="68580" marR="68580" marT="0" marB="0" anchor="ctr">
+                    <a:lnL w="6350" cap="flat" cmpd="sng" algn="ctr">
+                      <a:solidFill>
+                        <a:schemeClr val="bg1"/>
+                      </a:solidFill>
+                      <a:prstDash val="solid"/>
+                      <a:round/>
+                      <a:headEnd type="none" w="med" len="med"/>
+                      <a:tailEnd type="none" w="med" len="med"/>
+                    </a:lnL>
+                    <a:lnR w="6350" cap="flat" cmpd="sng" algn="ctr">
+                      <a:solidFill>
+                        <a:schemeClr val="bg1"/>
+                      </a:solidFill>
+                      <a:prstDash val="solid"/>
+                      <a:round/>
+                      <a:headEnd type="none" w="med" len="med"/>
+                      <a:tailEnd type="none" w="med" len="med"/>
+                    </a:lnR>
+                    <a:solidFill>
+                      <a:srgbClr val="E4E4E4"/>
+                    </a:solidFill>
+                  </a:tcPr>
+                </a:tc>
+                <a:tc>
+                  <a:txBody>
+                    <a:bodyPr/>
+                    <a:lstStyle/>
+                    <a:p>
+                      <a:pPr marL="0" marR="0" indent="0" algn="ctr" defTabSz="457200" rtl="0" eaLnBrk="1" fontAlgn="auto" latinLnBrk="0" hangingPunct="1">
+                        <a:lnSpc>
+                          <a:spcPts val="1100"/>
+                        </a:lnSpc>
+                        <a:spcBef>
+                          <a:spcPts val="600"/>
+                        </a:spcBef>
+                        <a:spcAft>
+                          <a:spcPts val="300"/>
+                        </a:spcAft>
+                        <a:buClrTx/>
+                        <a:buSzTx/>
+                        <a:buFontTx/>
+                        <a:buNone/>
+                        <a:tabLst/>
+                        <a:defRPr/>
+                      </a:pPr>
+                      <a:endParaRPr lang="es-MX" sz="1100" b="1" dirty="0" smtClean="0">
+                        <a:solidFill>
+                          <a:srgbClr val="008040"/>
+                        </a:solidFill>
+                        <a:effectLst/>
+                        <a:latin typeface="Arial Narrow" panose="020B0606020202030204" pitchFamily="34" charset="0"/>
+                        <a:ea typeface="Calibri"/>
+                        <a:cs typeface="Times New Roman"/>
+                      </a:endParaRPr>
+                    </a:p>
+                  </a:txBody>
+                  <a:tcPr marL="68580" marR="68580" marT="0" marB="0" anchor="ctr">
+                    <a:lnL w="6350" cap="flat" cmpd="sng" algn="ctr">
+                      <a:solidFill>
+                        <a:schemeClr val="bg1"/>
+                      </a:solidFill>
+                      <a:prstDash val="solid"/>
+                      <a:round/>
+                      <a:headEnd type="none" w="med" len="med"/>
+                      <a:tailEnd type="none" w="med" len="med"/>
+                    </a:lnL>
+                    <a:lnR w="6350" cap="flat" cmpd="sng" algn="ctr">
+                      <a:solidFill>
+                        <a:schemeClr val="bg1"/>
+                      </a:solidFill>
+                      <a:prstDash val="solid"/>
+                      <a:round/>
+                      <a:headEnd type="none" w="med" len="med"/>
+                      <a:tailEnd type="none" w="med" len="med"/>
+                    </a:lnR>
+                    <a:noFill/>
+                  </a:tcPr>
+                </a:tc>
+              </a:tr>
+              <a:tr h="104699">
+                <a:tc gridSpan="2">
+                  <a:txBody>
+                    <a:bodyPr/>
+                    <a:lstStyle/>
+                    <a:p>
+                      <a:pPr algn="l">
+                        <a:lnSpc>
+                          <a:spcPct val="120000"/>
+                        </a:lnSpc>
+                        <a:spcAft>
+                          <a:spcPts val="0"/>
+                        </a:spcAft>
+                      </a:pPr>
+                      <a:endParaRPr lang="es-MX" sz="300" dirty="0">
+                        <a:solidFill>
+                          <a:srgbClr val="404040"/>
+                        </a:solidFill>
+                        <a:effectLst/>
+                        <a:latin typeface="Arial Narrow" panose="020B0606020202030204" pitchFamily="34" charset="0"/>
+                        <a:ea typeface="Calibri"/>
+                        <a:cs typeface="Times New Roman"/>
+                      </a:endParaRPr>
+                    </a:p>
+                  </a:txBody>
+                  <a:tcPr marL="41308" marR="41308" marT="0" marB="0" anchor="ctr">
+                    <a:lnB w="3175" cap="flat" cmpd="sng" algn="ctr">
+                      <a:solidFill>
+                        <a:schemeClr val="bg1">
+                          <a:lumMod val="85000"/>
+                        </a:schemeClr>
+                      </a:solidFill>
+                      <a:prstDash val="solid"/>
+                      <a:round/>
+                      <a:headEnd type="none" w="med" len="med"/>
+                      <a:tailEnd type="none" w="med" len="med"/>
+                    </a:lnB>
+                    <a:solidFill>
+                      <a:schemeClr val="bg1"/>
+                    </a:solidFill>
+                  </a:tcPr>
+                </a:tc>
+                <a:tc hMerge="1">
+                  <a:txBody>
+                    <a:bodyPr/>
+                    <a:lstStyle/>
+                    <a:p>
+                      <a:endParaRPr lang="es-MX"/>
+                    </a:p>
+                  </a:txBody>
+                  <a:tcPr/>
+                </a:tc>
+                <a:tc>
+                  <a:txBody>
+                    <a:bodyPr/>
+                    <a:lstStyle/>
+                    <a:p>
+                      <a:pPr algn="l">
+                        <a:lnSpc>
+                          <a:spcPct val="120000"/>
+                        </a:lnSpc>
+                        <a:spcAft>
+                          <a:spcPts val="0"/>
+                        </a:spcAft>
+                      </a:pPr>
+                      <a:endParaRPr lang="es-MX" sz="300" dirty="0">
+                        <a:solidFill>
+                          <a:srgbClr val="404040"/>
+                        </a:solidFill>
+                        <a:effectLst/>
+                        <a:latin typeface="Arial Narrow" panose="020B0606020202030204" pitchFamily="34" charset="0"/>
+                        <a:ea typeface="Calibri"/>
+                        <a:cs typeface="Times New Roman"/>
+                      </a:endParaRPr>
+                    </a:p>
+                  </a:txBody>
+                  <a:tcPr marL="41308" marR="41308" marT="0" marB="0" anchor="ctr">
+                    <a:lnB w="3175" cap="flat" cmpd="sng" algn="ctr">
+                      <a:solidFill>
+                        <a:schemeClr val="bg1">
+                          <a:lumMod val="85000"/>
+                        </a:schemeClr>
+                      </a:solidFill>
+                      <a:prstDash val="solid"/>
+                      <a:round/>
+                      <a:headEnd type="none" w="med" len="med"/>
+                      <a:tailEnd type="none" w="med" len="med"/>
+                    </a:lnB>
+                    <a:solidFill>
+                      <a:schemeClr val="bg1"/>
+                    </a:solidFill>
+                  </a:tcPr>
+                </a:tc>
+              </a:tr>
+              <a:tr h="4576092">
+                <a:tc gridSpan="3">
+                  <a:txBody>
+                    <a:bodyPr/>
+                    <a:lstStyle/>
+                    <a:p>
+                      <a:pPr marL="0" marR="0" indent="0" algn="l" defTabSz="457200" rtl="0" eaLnBrk="1" fontAlgn="auto" latinLnBrk="0" hangingPunct="1">
+                        <a:lnSpc>
+                          <a:spcPct val="120000"/>
+                        </a:lnSpc>
+                        <a:spcBef>
+                          <a:spcPts val="0"/>
+                        </a:spcBef>
+                        <a:spcAft>
+                          <a:spcPts val="0"/>
+                        </a:spcAft>
+                        <a:buClr>
+                          <a:srgbClr val="008040"/>
+                        </a:buClr>
+                        <a:buSzTx/>
+                        <a:buFont typeface="Wingdings" panose="05000000000000000000" pitchFamily="2" charset="2"/>
+                        <a:buNone/>
+                        <a:tabLst/>
+                        <a:defRPr/>
+                      </a:pPr>
+                      <a:endParaRPr lang="es-MX" sz="1100" dirty="0" smtClean="0">
+                        <a:solidFill>
+                          <a:schemeClr val="tx1">
+                            <a:lumMod val="75000"/>
+                            <a:lumOff val="25000"/>
+                          </a:schemeClr>
+                        </a:solidFill>
+                        <a:effectLst/>
+                        <a:latin typeface="Arial Narrow" panose="020B0606020202030204" pitchFamily="34" charset="0"/>
+                        <a:ea typeface="Calibri"/>
+                        <a:cs typeface="Arial"/>
+                      </a:endParaRPr>
+                    </a:p>
+                  </a:txBody>
+                  <a:tcPr marL="68580" marR="68580" marT="0" marB="0">
+                    <a:lnL w="12700" cmpd="sng">
+                      <a:noFill/>
+                    </a:lnL>
+                    <a:lnR w="76200" cap="flat" cmpd="sng" algn="ctr">
+                      <a:noFill/>
+                      <a:prstDash val="solid"/>
+                      <a:round/>
+                      <a:headEnd type="none" w="med" len="med"/>
+                      <a:tailEnd type="none" w="med" len="med"/>
+                    </a:lnR>
+                    <a:lnT w="3175" cap="flat" cmpd="sng" algn="ctr">
+                      <a:solidFill>
+                        <a:schemeClr val="bg1">
+                          <a:lumMod val="85000"/>
+                        </a:schemeClr>
+                      </a:solidFill>
+                      <a:prstDash val="solid"/>
+                      <a:round/>
+                      <a:headEnd type="none" w="med" len="med"/>
+                      <a:tailEnd type="none" w="med" len="med"/>
+                    </a:lnT>
+                    <a:lnB w="6350" cap="flat" cmpd="sng" algn="ctr">
+                      <a:noFill/>
+                      <a:prstDash val="solid"/>
+                      <a:round/>
+                      <a:headEnd type="none" w="med" len="med"/>
+                      <a:tailEnd type="none" w="med" len="med"/>
+                    </a:lnB>
+                    <a:lnTlToBr w="12700" cmpd="sng">
+                      <a:noFill/>
+                      <a:prstDash val="solid"/>
+                    </a:lnTlToBr>
+                    <a:lnBlToTr w="12700" cmpd="sng">
+                      <a:noFill/>
+                      <a:prstDash val="solid"/>
+                    </a:lnBlToTr>
+                    <a:noFill/>
+                  </a:tcPr>
+                </a:tc>
+                <a:tc hMerge="1">
+                  <a:txBody>
+                    <a:bodyPr/>
+                    <a:lstStyle/>
+                    <a:p>
+                      <a:endParaRPr lang="es-MX"/>
+                    </a:p>
+                  </a:txBody>
+                  <a:tcPr/>
+                </a:tc>
+                <a:tc hMerge="1">
+                  <a:txBody>
+                    <a:bodyPr/>
+                    <a:lstStyle/>
+                    <a:p>
+                      <a:pPr marL="0" indent="0" algn="l">
+                        <a:lnSpc>
+                          <a:spcPct val="120000"/>
+                        </a:lnSpc>
+                        <a:spcAft>
+                          <a:spcPts val="0"/>
+                        </a:spcAft>
+                        <a:buClr>
+                          <a:srgbClr val="008040"/>
+                        </a:buClr>
+                        <a:buFont typeface="Wingdings" panose="05000000000000000000" pitchFamily="2" charset="2"/>
+                        <a:buNone/>
+                      </a:pPr>
+                      <a:endParaRPr lang="es-MX" sz="1100" b="1" dirty="0">
+                        <a:solidFill>
+                          <a:schemeClr val="tx1">
+                            <a:lumMod val="75000"/>
+                            <a:lumOff val="25000"/>
+                          </a:schemeClr>
+                        </a:solidFill>
+                        <a:effectLst/>
+                        <a:latin typeface="Arial Narrow" panose="020B0606020202030204" pitchFamily="34" charset="0"/>
+                        <a:ea typeface="Calibri"/>
+                        <a:cs typeface="Times New Roman"/>
+                      </a:endParaRPr>
+                    </a:p>
+                  </a:txBody>
+                  <a:tcPr marL="68580" marR="68580" marT="0" marB="0">
+                    <a:lnL w="12700" cmpd="sng">
+                      <a:noFill/>
+                    </a:lnL>
+                    <a:lnR w="76200" cap="flat" cmpd="sng" algn="ctr">
+                      <a:noFill/>
+                      <a:prstDash val="solid"/>
+                      <a:round/>
+                      <a:headEnd type="none" w="med" len="med"/>
+                      <a:tailEnd type="none" w="med" len="med"/>
+                    </a:lnR>
+                    <a:lnT w="3175" cap="flat" cmpd="sng" algn="ctr">
+                      <a:solidFill>
+                        <a:srgbClr val="008040"/>
+                      </a:solidFill>
+                      <a:prstDash val="solid"/>
+                      <a:round/>
+                      <a:headEnd type="none" w="med" len="med"/>
+                      <a:tailEnd type="none" w="med" len="med"/>
+                    </a:lnT>
+                    <a:lnB w="6350" cap="flat" cmpd="sng" algn="ctr">
+                      <a:noFill/>
+                      <a:prstDash val="solid"/>
+                      <a:round/>
+                      <a:headEnd type="none" w="med" len="med"/>
+                      <a:tailEnd type="none" w="med" len="med"/>
+                    </a:lnB>
+                    <a:lnTlToBr w="12700" cmpd="sng">
+                      <a:noFill/>
+                      <a:prstDash val="solid"/>
+                    </a:lnTlToBr>
+                    <a:lnBlToTr w="12700" cmpd="sng">
+                      <a:noFill/>
+                      <a:prstDash val="solid"/>
+                    </a:lnBlToTr>
+                    <a:noFill/>
+                  </a:tcPr>
+                </a:tc>
+              </a:tr>
+            </a:tbl>
+          </a:graphicData>
+        </a:graphic>
+      </p:graphicFrame>
+      <p:sp>
+        <p:nvSpPr>
+          <p:cNvPr id="8" name="1 Título"/>
+          <p:cNvSpPr>
+            <a:spLocks noGrp="1"/>
+          </p:cNvSpPr>
+          <p:nvPr>
+            <p:ph type="title"/>
+          </p:nvPr>
+        </p:nvSpPr>
+        <p:spPr>
+          <a:xfrm>
+            <a:off x="457200" y="830886"/>
+            <a:ext cx="8229600" cy="391167"/>
+          </a:xfrm>
+        </p:spPr>
+        <p:txBody>
+          <a:bodyPr>
+            <a:normAutofit fontScale="90000"/>
+          </a:bodyPr>
+          <a:lstStyle/>
+          <a:p>
+            <a:pPr marL="0" lvl="0" indent="723900" algn="r">
+              <a:lnSpc>
+                <a:spcPct val="115000"/>
+              </a:lnSpc>
+              <a:spcAft>
+                <a:spcPts val="0"/>
+              </a:spcAft>
+            </a:pPr>
+            <a:r>
+              <a:rPr lang="es-MX" dirty="0">
+                <a:ea typeface="Calibri"/>
+                <a:cs typeface="Times New Roman"/>
+              </a:rPr>
+              <a:t>| Obras </a:t>
+            </a:r>
+            <a:r>
+              <a:rPr lang="es-MX" dirty="0" smtClean="0">
+                <a:ea typeface="Calibri"/>
+                <a:cs typeface="Times New Roman"/>
+              </a:rPr>
+              <a:t>concluidas, en Proceso y Proyectadas por </a:t>
+            </a:r>
+            <a:r>
+              <a:rPr lang="es-MX" dirty="0" smtClean="0">
+                <a:solidFill>
+                  <a:schemeClr val="tx1"/>
+                </a:solidFill>
+                <a:ea typeface="Calibri"/>
+                <a:cs typeface="Times New Roman"/>
+              </a:rPr>
+              <a:t>SECTOR </a:t>
+            </a:r>
+            <a:r>
+              <a:rPr lang="es-MX" dirty="0" smtClean="0">
+                <a:ea typeface="Calibri"/>
+                <a:cs typeface="Times New Roman"/>
+              </a:rPr>
+              <a:t>|</a:t>
+            </a:r>
+            <a:endParaRPr lang="es-MX" dirty="0">
+              <a:ea typeface="Calibri"/>
+              <a:cs typeface="Times New Roman"/>
+            </a:endParaRPr>
+          </a:p>
+        </p:txBody>
+      </p:sp>
+      <p:graphicFrame>
+        <p:nvGraphicFramePr>
+          <p:cNvPr id="9" name="8 Tabla"/>
+          <p:cNvGraphicFramePr>
+            <a:graphicFrameLocks noGrp="1"/>
+          </p:cNvGraphicFramePr>
+          <p:nvPr>
+            <p:extLst/>
+          </p:nvPr>
+        </p:nvGraphicFramePr>
+        <p:xfrm>
+          <a:off x="1524000" y="3279963"/>
+          <a:ext cx="6096000" cy="1854200"/>
+        </p:xfrm>
+        <a:graphic>
+          <a:graphicData uri="http://schemas.openxmlformats.org/drawingml/2006/table">
+            <a:tbl>
+              <a:tblPr firstRow="1" bandRow="1">
+                <a:tableStyleId>{2D5ABB26-0587-4C30-8999-92F81FD0307C}</a:tableStyleId>
+              </a:tblPr>
+              <a:tblGrid>
+                <a:gridCol w="2032000"/>
+                <a:gridCol w="2032000"/>
+                <a:gridCol w="2032000"/>
+              </a:tblGrid>
+              <a:tr h="370840">
+                <a:tc>
+                  <a:txBody>
+                    <a:bodyPr/>
+                    <a:lstStyle/>
+                    <a:p>
+                      <a:pPr algn="ctr"/>
+                      <a:endParaRPr lang="es-MX" b="1" dirty="0">
+                        <a:solidFill>
+                          <a:schemeClr val="tx1">
+                            <a:lumMod val="65000"/>
+                            <a:lumOff val="35000"/>
+                          </a:schemeClr>
+                        </a:solidFill>
+                        <a:latin typeface="Arial Narrow" panose="020B0606020202030204" pitchFamily="34" charset="0"/>
+                      </a:endParaRPr>
+                    </a:p>
+                  </a:txBody>
+                  <a:tcPr>
+                    <a:solidFill>
+                      <a:schemeClr val="bg1">
+                        <a:lumMod val="95000"/>
+                      </a:schemeClr>
+                    </a:solidFill>
+                  </a:tcPr>
+                </a:tc>
+                <a:tc>
+                  <a:txBody>
+                    <a:bodyPr/>
+                    <a:lstStyle/>
+                    <a:p>
+                      <a:pPr algn="ctr"/>
+                      <a:r>
+                        <a:rPr lang="es-MX" b="1" dirty="0" smtClean="0">
+                          <a:solidFill>
+                            <a:schemeClr val="tx1">
+                              <a:lumMod val="65000"/>
+                              <a:lumOff val="35000"/>
+                            </a:schemeClr>
+                          </a:solidFill>
+                          <a:latin typeface="Arial Narrow" panose="020B0606020202030204" pitchFamily="34" charset="0"/>
+                        </a:rPr>
+                        <a:t>Número</a:t>
+                      </a:r>
+                      <a:r>
+                        <a:rPr lang="es-MX" b="1" baseline="0" dirty="0" smtClean="0">
+                          <a:solidFill>
+                            <a:schemeClr val="tx1">
+                              <a:lumMod val="65000"/>
+                              <a:lumOff val="35000"/>
+                            </a:schemeClr>
+                          </a:solidFill>
+                          <a:latin typeface="Arial Narrow" panose="020B0606020202030204" pitchFamily="34" charset="0"/>
+                        </a:rPr>
+                        <a:t> de obras</a:t>
+                      </a:r>
+                      <a:endParaRPr lang="es-MX" b="1" dirty="0">
+                        <a:solidFill>
+                          <a:schemeClr val="tx1">
+                            <a:lumMod val="65000"/>
+                            <a:lumOff val="35000"/>
+                          </a:schemeClr>
+                        </a:solidFill>
+                        <a:latin typeface="Arial Narrow" panose="020B0606020202030204" pitchFamily="34" charset="0"/>
+                      </a:endParaRPr>
+                    </a:p>
+                  </a:txBody>
+                  <a:tcPr>
+                    <a:solidFill>
+                      <a:schemeClr val="bg1">
+                        <a:lumMod val="95000"/>
+                      </a:schemeClr>
+                    </a:solidFill>
+                  </a:tcPr>
+                </a:tc>
+                <a:tc>
+                  <a:txBody>
+                    <a:bodyPr/>
+                    <a:lstStyle/>
+                    <a:p>
+                      <a:pPr algn="ctr"/>
+                      <a:r>
+                        <a:rPr lang="es-MX" b="1" dirty="0" smtClean="0">
+                          <a:solidFill>
+                            <a:schemeClr val="tx1">
+                              <a:lumMod val="65000"/>
+                              <a:lumOff val="35000"/>
+                            </a:schemeClr>
+                          </a:solidFill>
+                          <a:latin typeface="Arial Narrow" panose="020B0606020202030204" pitchFamily="34" charset="0"/>
+                        </a:rPr>
+                        <a:t>Inversión mdp</a:t>
+                      </a:r>
+                      <a:endParaRPr lang="es-MX" b="1" dirty="0">
+                        <a:solidFill>
+                          <a:schemeClr val="tx1">
+                            <a:lumMod val="65000"/>
+                            <a:lumOff val="35000"/>
+                          </a:schemeClr>
+                        </a:solidFill>
+                        <a:latin typeface="Arial Narrow" panose="020B0606020202030204" pitchFamily="34" charset="0"/>
+                      </a:endParaRPr>
+                    </a:p>
+                  </a:txBody>
+                  <a:tcPr>
+                    <a:solidFill>
+                      <a:schemeClr val="bg1">
+                        <a:lumMod val="95000"/>
+                      </a:schemeClr>
+                    </a:solidFill>
+                  </a:tcPr>
+                </a:tc>
+              </a:tr>
+              <a:tr h="370840">
+                <a:tc>
+                  <a:txBody>
+                    <a:bodyPr/>
+                    <a:lstStyle/>
+                    <a:p>
+                      <a:r>
+                        <a:rPr lang="es-MX" b="1" dirty="0" smtClean="0">
+                          <a:solidFill>
+                            <a:schemeClr val="tx1">
+                              <a:lumMod val="65000"/>
+                              <a:lumOff val="35000"/>
+                            </a:schemeClr>
+                          </a:solidFill>
+                          <a:latin typeface="Arial Narrow" panose="020B0606020202030204" pitchFamily="34" charset="0"/>
+                        </a:rPr>
+                        <a:t>Concluidas</a:t>
+                      </a:r>
+                      <a:endParaRPr lang="es-MX" b="1" dirty="0">
+                        <a:solidFill>
+                          <a:schemeClr val="tx1">
+                            <a:lumMod val="65000"/>
+                            <a:lumOff val="35000"/>
+                          </a:schemeClr>
+                        </a:solidFill>
+                        <a:latin typeface="Arial Narrow" panose="020B0606020202030204" pitchFamily="34" charset="0"/>
+                      </a:endParaRPr>
+                    </a:p>
+                  </a:txBody>
+                  <a:tcPr>
+                    <a:solidFill>
+                      <a:schemeClr val="bg1">
+                        <a:lumMod val="85000"/>
+                      </a:schemeClr>
+                    </a:solidFill>
+                  </a:tcPr>
+                </a:tc>
+                <a:tc>
+                  <a:txBody>
+                    <a:bodyPr/>
+                    <a:lstStyle/>
+                    <a:p>
+                      <a:pPr algn="ctr"/>
+                      <a:endParaRPr lang="es-MX" dirty="0">
+                        <a:solidFill>
+                          <a:schemeClr val="tx1">
+                            <a:lumMod val="65000"/>
+                            <a:lumOff val="35000"/>
+                          </a:schemeClr>
+                        </a:solidFill>
+                        <a:latin typeface="Arial Narrow" panose="020B0606020202030204" pitchFamily="34" charset="0"/>
+                      </a:endParaRPr>
+                    </a:p>
+                  </a:txBody>
+                  <a:tcPr>
+                    <a:solidFill>
+                      <a:schemeClr val="bg1">
+                        <a:lumMod val="85000"/>
+                      </a:schemeClr>
+                    </a:solidFill>
+                  </a:tcPr>
+                </a:tc>
+                <a:tc>
+                  <a:txBody>
+                    <a:bodyPr/>
+                    <a:lstStyle/>
+                    <a:p>
+                      <a:pPr algn="ctr"/>
+                      <a:endParaRPr lang="es-MX" dirty="0" smtClean="0">
+                        <a:solidFill>
+                          <a:schemeClr val="tx1">
+                            <a:lumMod val="65000"/>
+                            <a:lumOff val="35000"/>
+                          </a:schemeClr>
+                        </a:solidFill>
+                        <a:latin typeface="Arial Narrow" panose="020B0606020202030204" pitchFamily="34" charset="0"/>
+                      </a:endParaRPr>
+                    </a:p>
+                  </a:txBody>
+                  <a:tcPr>
+                    <a:solidFill>
+                      <a:schemeClr val="bg1">
+                        <a:lumMod val="85000"/>
+                      </a:schemeClr>
+                    </a:solidFill>
+                  </a:tcPr>
+                </a:tc>
+              </a:tr>
+              <a:tr h="370840">
+                <a:tc>
+                  <a:txBody>
+                    <a:bodyPr/>
+                    <a:lstStyle/>
+                    <a:p>
+                      <a:r>
+                        <a:rPr lang="es-MX" b="1" dirty="0" smtClean="0">
+                          <a:solidFill>
+                            <a:schemeClr val="tx1">
+                              <a:lumMod val="65000"/>
+                              <a:lumOff val="35000"/>
+                            </a:schemeClr>
+                          </a:solidFill>
+                          <a:latin typeface="Arial Narrow" panose="020B0606020202030204" pitchFamily="34" charset="0"/>
+                        </a:rPr>
+                        <a:t>En proceso</a:t>
+                      </a:r>
+                      <a:endParaRPr lang="es-MX" b="1" dirty="0">
+                        <a:solidFill>
+                          <a:schemeClr val="tx1">
+                            <a:lumMod val="65000"/>
+                            <a:lumOff val="35000"/>
+                          </a:schemeClr>
+                        </a:solidFill>
+                        <a:latin typeface="Arial Narrow" panose="020B0606020202030204" pitchFamily="34" charset="0"/>
+                      </a:endParaRPr>
+                    </a:p>
+                  </a:txBody>
+                  <a:tcPr>
+                    <a:noFill/>
+                  </a:tcPr>
+                </a:tc>
+                <a:tc>
+                  <a:txBody>
+                    <a:bodyPr/>
+                    <a:lstStyle/>
+                    <a:p>
+                      <a:pPr algn="ctr"/>
+                      <a:endParaRPr lang="es-MX" dirty="0">
+                        <a:solidFill>
+                          <a:schemeClr val="tx1">
+                            <a:lumMod val="65000"/>
+                            <a:lumOff val="35000"/>
+                          </a:schemeClr>
+                        </a:solidFill>
+                        <a:latin typeface="Arial Narrow" panose="020B0606020202030204" pitchFamily="34" charset="0"/>
+                      </a:endParaRPr>
+                    </a:p>
+                  </a:txBody>
+                  <a:tcPr>
+                    <a:noFill/>
+                  </a:tcPr>
+                </a:tc>
+                <a:tc>
+                  <a:txBody>
+                    <a:bodyPr/>
+                    <a:lstStyle/>
+                    <a:p>
+                      <a:pPr algn="ctr"/>
+                      <a:endParaRPr lang="es-MX" dirty="0">
+                        <a:solidFill>
+                          <a:schemeClr val="tx1">
+                            <a:lumMod val="65000"/>
+                            <a:lumOff val="35000"/>
+                          </a:schemeClr>
+                        </a:solidFill>
+                        <a:latin typeface="Arial Narrow" panose="020B0606020202030204" pitchFamily="34" charset="0"/>
+                      </a:endParaRPr>
+                    </a:p>
+                  </a:txBody>
+                  <a:tcPr>
+                    <a:noFill/>
+                  </a:tcPr>
+                </a:tc>
+              </a:tr>
+              <a:tr h="370840">
+                <a:tc>
+                  <a:txBody>
+                    <a:bodyPr/>
+                    <a:lstStyle/>
+                    <a:p>
+                      <a:r>
+                        <a:rPr lang="es-MX" b="1" dirty="0" smtClean="0">
+                          <a:solidFill>
+                            <a:schemeClr val="tx1">
+                              <a:lumMod val="65000"/>
+                              <a:lumOff val="35000"/>
+                            </a:schemeClr>
+                          </a:solidFill>
+                          <a:latin typeface="Arial Narrow" panose="020B0606020202030204" pitchFamily="34" charset="0"/>
+                        </a:rPr>
+                        <a:t>Proyectadas</a:t>
+                      </a:r>
+                      <a:endParaRPr lang="es-MX" b="1" dirty="0">
+                        <a:solidFill>
+                          <a:schemeClr val="tx1">
+                            <a:lumMod val="65000"/>
+                            <a:lumOff val="35000"/>
+                          </a:schemeClr>
+                        </a:solidFill>
+                        <a:latin typeface="Arial Narrow" panose="020B0606020202030204" pitchFamily="34" charset="0"/>
+                      </a:endParaRPr>
+                    </a:p>
+                  </a:txBody>
+                  <a:tcPr>
+                    <a:solidFill>
+                      <a:schemeClr val="bg1">
+                        <a:lumMod val="85000"/>
+                      </a:schemeClr>
+                    </a:solidFill>
+                  </a:tcPr>
+                </a:tc>
+                <a:tc>
+                  <a:txBody>
+                    <a:bodyPr/>
+                    <a:lstStyle/>
+                    <a:p>
+                      <a:pPr algn="ctr"/>
+                      <a:endParaRPr lang="es-MX" dirty="0">
+                        <a:solidFill>
+                          <a:schemeClr val="tx1">
+                            <a:lumMod val="65000"/>
+                            <a:lumOff val="35000"/>
+                          </a:schemeClr>
+                        </a:solidFill>
+                        <a:latin typeface="Arial Narrow" panose="020B0606020202030204" pitchFamily="34" charset="0"/>
+                      </a:endParaRPr>
+                    </a:p>
+                  </a:txBody>
+                  <a:tcPr>
+                    <a:solidFill>
+                      <a:schemeClr val="bg1">
+                        <a:lumMod val="85000"/>
+                      </a:schemeClr>
+                    </a:solidFill>
+                  </a:tcPr>
+                </a:tc>
+                <a:tc>
+                  <a:txBody>
+                    <a:bodyPr/>
+                    <a:lstStyle/>
+                    <a:p>
+                      <a:pPr algn="ctr"/>
+                      <a:endParaRPr lang="es-MX" dirty="0">
+                        <a:solidFill>
+                          <a:schemeClr val="tx1">
+                            <a:lumMod val="65000"/>
+                            <a:lumOff val="35000"/>
+                          </a:schemeClr>
+                        </a:solidFill>
+                        <a:latin typeface="Arial Narrow" panose="020B0606020202030204" pitchFamily="34" charset="0"/>
+                      </a:endParaRPr>
+                    </a:p>
+                  </a:txBody>
+                  <a:tcPr>
+                    <a:solidFill>
+                      <a:schemeClr val="bg1">
+                        <a:lumMod val="85000"/>
+                      </a:schemeClr>
+                    </a:solidFill>
+                  </a:tcPr>
+                </a:tc>
+              </a:tr>
+              <a:tr h="370840">
+                <a:tc>
+                  <a:txBody>
+                    <a:bodyPr/>
+                    <a:lstStyle/>
+                    <a:p>
+                      <a:r>
+                        <a:rPr lang="es-MX" b="1" dirty="0" smtClean="0">
+                          <a:solidFill>
+                            <a:schemeClr val="tx1">
+                              <a:lumMod val="65000"/>
+                              <a:lumOff val="35000"/>
+                            </a:schemeClr>
+                          </a:solidFill>
+                          <a:latin typeface="Arial Narrow" panose="020B0606020202030204" pitchFamily="34" charset="0"/>
+                        </a:rPr>
+                        <a:t>TOTAL</a:t>
+                      </a:r>
+                      <a:endParaRPr lang="es-MX" b="1" dirty="0">
+                        <a:solidFill>
+                          <a:schemeClr val="tx1">
+                            <a:lumMod val="65000"/>
+                            <a:lumOff val="35000"/>
+                          </a:schemeClr>
+                        </a:solidFill>
+                        <a:latin typeface="Arial Narrow" panose="020B0606020202030204" pitchFamily="34" charset="0"/>
+                      </a:endParaRPr>
+                    </a:p>
+                  </a:txBody>
+                  <a:tcPr/>
+                </a:tc>
+                <a:tc>
+                  <a:txBody>
+                    <a:bodyPr/>
+                    <a:lstStyle/>
+                    <a:p>
+                      <a:pPr algn="ctr"/>
+                      <a:endParaRPr lang="es-MX" b="1" dirty="0">
+                        <a:solidFill>
+                          <a:schemeClr val="tx1">
+                            <a:lumMod val="65000"/>
+                            <a:lumOff val="35000"/>
+                          </a:schemeClr>
+                        </a:solidFill>
+                        <a:latin typeface="Arial Narrow" panose="020B0606020202030204" pitchFamily="34" charset="0"/>
+                      </a:endParaRPr>
+                    </a:p>
+                  </a:txBody>
+                  <a:tcPr/>
+                </a:tc>
+                <a:tc>
+                  <a:txBody>
+                    <a:bodyPr/>
+                    <a:lstStyle/>
+                    <a:p>
+                      <a:pPr algn="ctr"/>
+                      <a:endParaRPr lang="es-MX" b="1" dirty="0">
+                        <a:solidFill>
+                          <a:schemeClr val="tx1">
+                            <a:lumMod val="65000"/>
+                            <a:lumOff val="35000"/>
+                          </a:schemeClr>
+                        </a:solidFill>
+                        <a:latin typeface="Arial Narrow" panose="020B0606020202030204" pitchFamily="34" charset="0"/>
+                      </a:endParaRPr>
+                    </a:p>
+                  </a:txBody>
+                  <a:tcPr/>
+                </a:tc>
+              </a:tr>
+            </a:tbl>
+          </a:graphicData>
+        </a:graphic>
+      </p:graphicFrame>
+      <p:pic>
+        <p:nvPicPr>
+          <p:cNvPr id="6" name="5 Imagen">
+            <a:hlinkClick r:id="rId2" action="ppaction://hlinkpres?slideindex=2&amp;slidetitle=Obras Concluidas por Sector"/>
+          </p:cNvPr>
+          <p:cNvPicPr>
+            <a:picLocks noChangeAspect="1"/>
+          </p:cNvPicPr>
+          <p:nvPr/>
+        </p:nvPicPr>
+        <p:blipFill>
+          <a:blip r:embed="rId3">
+            <a:extLst>
+              <a:ext uri="{28A0092B-C50C-407E-A947-70E740481C1C}">
+                <a14:useLocalDpi xmlns:a14="http://schemas.microsoft.com/office/drawing/2010/main" val="0"/>
+              </a:ext>
+            </a:extLst>
+          </a:blip>
+          <a:stretch>
+            <a:fillRect/>
+          </a:stretch>
+        </p:blipFill>
+        <p:spPr>
+          <a:xfrm>
+            <a:off x="8822656" y="6475642"/>
+            <a:ext cx="234000" cy="303946"/>
+          </a:xfrm>
+          <a:prstGeom prst="rect">
+            <a:avLst/>
+          </a:prstGeom>
+        </p:spPr>
+      </p:pic>
+      <p:pic>
+        <p:nvPicPr>
+          <p:cNvPr id="5" name="4 Imagen"/>
+          <p:cNvPicPr>
+            <a:picLocks noChangeAspect="1"/>
+          </p:cNvPicPr>
+          <p:nvPr/>
+        </p:nvPicPr>
+        <p:blipFill>
+          <a:blip r:embed="rId4">
+            <a:extLst>
+              <a:ext uri="{28A0092B-C50C-407E-A947-70E740481C1C}">
+                <a14:useLocalDpi xmlns:a14="http://schemas.microsoft.com/office/drawing/2010/main" val="0"/>
+              </a:ext>
+            </a:extLst>
+          </a:blip>
+          <a:stretch>
+            <a:fillRect/>
+          </a:stretch>
+        </p:blipFill>
+        <p:spPr>
+          <a:xfrm>
+            <a:off x="333675" y="1576449"/>
+            <a:ext cx="390721" cy="390721"/>
+          </a:xfrm>
+          <a:prstGeom prst="rect">
+            <a:avLst/>
+          </a:prstGeom>
+        </p:spPr>
+      </p:pic>
+      <p:sp>
+        <p:nvSpPr>
+          <p:cNvPr id="2" name="1 CuadroTexto"/>
+          <p:cNvSpPr txBox="1"/>
+          <p:nvPr/>
+        </p:nvSpPr>
+        <p:spPr>
+          <a:xfrm>
+            <a:off x="3806456" y="3613822"/>
+            <a:ext cx="1531088" cy="307777"/>
+          </a:xfrm>
+          <a:prstGeom prst="rect">
+            <a:avLst/>
+          </a:prstGeom>
+          <a:noFill/>
+        </p:spPr>
+        <p:txBody>
+          <a:bodyPr wrap="square" rtlCol="0">
+            <a:spAutoFit/>
+          </a:bodyPr>
+          <a:lstStyle/>
+          <a:p>
+            <a:pPr algn="r">
+              <a:defRPr sz="1400"/>
+            </a:pPr>
+            <a:r>
+              <a:t>0</a:t>
+            </a:r>
+            <a:endParaRPr lang="es-MX" sz="1600" dirty="0">
+              <a:solidFill>
+                <a:prstClr val="black"/>
+              </a:solidFill>
+              <a:latin typeface="Arial Narrow" panose="020B0606020202030204" pitchFamily="34" charset="0"/>
+            </a:endParaRPr>
+          </a:p>
+        </p:txBody>
+      </p:sp>
+      <p:sp>
+        <p:nvSpPr>
+          <p:cNvPr id="3" name="2 CuadroTexto"/>
+          <p:cNvSpPr txBox="1"/>
+          <p:nvPr/>
+        </p:nvSpPr>
+        <p:spPr>
+          <a:xfrm>
+            <a:off x="6007394" y="3600706"/>
+            <a:ext cx="1612606" cy="307777"/>
+          </a:xfrm>
+          <a:prstGeom prst="rect">
+            <a:avLst/>
+          </a:prstGeom>
+          <a:noFill/>
+        </p:spPr>
+        <p:txBody>
+          <a:bodyPr wrap="square" rtlCol="0">
+            <a:spAutoFit/>
+          </a:bodyPr>
+          <a:lstStyle/>
+          <a:p>
+            <a:pPr algn="r">
+              <a:defRPr sz="1400"/>
+            </a:pPr>
+            <a:r>
+              <a:t>$ 0.00</a:t>
+            </a:r>
+            <a:endParaRPr lang="es-MX" sz="1600" dirty="0">
+              <a:solidFill>
+                <a:prstClr val="black"/>
+              </a:solidFill>
+              <a:latin typeface="Arial Narrow" panose="020B0606020202030204" pitchFamily="34" charset="0"/>
+            </a:endParaRPr>
+          </a:p>
+        </p:txBody>
+      </p:sp>
+      <p:sp>
+        <p:nvSpPr>
+          <p:cNvPr id="7" name="6 CuadroTexto"/>
+          <p:cNvSpPr txBox="1"/>
+          <p:nvPr/>
+        </p:nvSpPr>
+        <p:spPr>
+          <a:xfrm>
+            <a:off x="3806456" y="3993788"/>
+            <a:ext cx="1531088" cy="307777"/>
+          </a:xfrm>
+          <a:prstGeom prst="rect">
+            <a:avLst/>
+          </a:prstGeom>
+          <a:noFill/>
+        </p:spPr>
+        <p:txBody>
+          <a:bodyPr wrap="square" rtlCol="0">
+            <a:spAutoFit/>
+          </a:bodyPr>
+          <a:lstStyle/>
+          <a:p>
+            <a:pPr algn="r">
+              <a:defRPr sz="1400"/>
+            </a:pPr>
+            <a:r>
+              <a:t>13</a:t>
+            </a:r>
+            <a:endParaRPr lang="es-MX" sz="1600" dirty="0">
+              <a:solidFill>
+                <a:prstClr val="black"/>
+              </a:solidFill>
+              <a:latin typeface="Arial Narrow" panose="020B0606020202030204" pitchFamily="34" charset="0"/>
+            </a:endParaRPr>
+          </a:p>
+        </p:txBody>
+      </p:sp>
+      <p:sp>
+        <p:nvSpPr>
+          <p:cNvPr id="10" name="9 CuadroTexto"/>
+          <p:cNvSpPr txBox="1"/>
+          <p:nvPr/>
+        </p:nvSpPr>
+        <p:spPr>
+          <a:xfrm>
+            <a:off x="6007394" y="3981913"/>
+            <a:ext cx="1612606" cy="307777"/>
+          </a:xfrm>
+          <a:prstGeom prst="rect">
+            <a:avLst/>
+          </a:prstGeom>
+          <a:noFill/>
+        </p:spPr>
+        <p:txBody>
+          <a:bodyPr wrap="square" rtlCol="0">
+            <a:spAutoFit/>
+          </a:bodyPr>
+          <a:lstStyle/>
+          <a:p>
+            <a:pPr algn="r">
+              <a:defRPr sz="1400"/>
+            </a:pPr>
+            <a:r>
+              <a:t>$ 263.95</a:t>
+            </a:r>
+            <a:endParaRPr lang="es-MX" sz="1600" dirty="0">
+              <a:solidFill>
+                <a:prstClr val="black"/>
+              </a:solidFill>
+              <a:latin typeface="Arial Narrow" panose="020B0606020202030204" pitchFamily="34" charset="0"/>
+            </a:endParaRPr>
+          </a:p>
+        </p:txBody>
+      </p:sp>
+      <p:sp>
+        <p:nvSpPr>
+          <p:cNvPr id="11" name="10 CuadroTexto"/>
+          <p:cNvSpPr txBox="1"/>
+          <p:nvPr/>
+        </p:nvSpPr>
+        <p:spPr>
+          <a:xfrm>
+            <a:off x="3806456" y="4791296"/>
+            <a:ext cx="1531088" cy="307777"/>
+          </a:xfrm>
+          <a:prstGeom prst="rect">
+            <a:avLst/>
+          </a:prstGeom>
+          <a:noFill/>
+        </p:spPr>
+        <p:txBody>
+          <a:bodyPr wrap="square" rtlCol="0">
+            <a:spAutoFit/>
+          </a:bodyPr>
+          <a:lstStyle/>
+          <a:p>
+            <a:pPr algn="r">
+              <a:defRPr sz="1400"/>
+            </a:pPr>
+            <a:r>
+              <a:t>13</a:t>
+            </a:r>
+            <a:endParaRPr lang="es-MX" sz="1600" b="1" dirty="0">
+              <a:solidFill>
+                <a:prstClr val="black"/>
+              </a:solidFill>
+              <a:latin typeface="Arial Narrow" panose="020B0606020202030204" pitchFamily="34" charset="0"/>
+            </a:endParaRPr>
+          </a:p>
+        </p:txBody>
+      </p:sp>
+      <p:sp>
+        <p:nvSpPr>
+          <p:cNvPr id="12" name="11 CuadroTexto"/>
+          <p:cNvSpPr txBox="1"/>
+          <p:nvPr/>
+        </p:nvSpPr>
+        <p:spPr>
+          <a:xfrm>
+            <a:off x="6007394" y="4791296"/>
+            <a:ext cx="1612606" cy="307777"/>
+          </a:xfrm>
+          <a:prstGeom prst="rect">
+            <a:avLst/>
+          </a:prstGeom>
+          <a:noFill/>
+        </p:spPr>
+        <p:txBody>
+          <a:bodyPr wrap="square" rtlCol="0">
+            <a:spAutoFit/>
+          </a:bodyPr>
+          <a:lstStyle/>
+          <a:p>
+            <a:pPr algn="r">
+              <a:defRPr sz="1400"/>
+            </a:pPr>
+            <a:r>
+              <a:t>$ 263.95</a:t>
+            </a:r>
+            <a:endParaRPr sz="1400" dirty="0">
+              <a:solidFill>
+                <a:prstClr val="black"/>
+              </a:solidFill>
+            </a:endParaRPr>
+          </a:p>
+        </p:txBody>
+      </p:sp>
+      <p:sp>
+        <p:nvSpPr>
+          <p:cNvPr id="13" name="12 CuadroTexto"/>
+          <p:cNvSpPr txBox="1"/>
+          <p:nvPr/>
+        </p:nvSpPr>
+        <p:spPr>
+          <a:xfrm>
+            <a:off x="3806456" y="4379136"/>
+            <a:ext cx="1531088" cy="307777"/>
+          </a:xfrm>
+          <a:prstGeom prst="rect">
+            <a:avLst/>
+          </a:prstGeom>
+          <a:noFill/>
+        </p:spPr>
+        <p:txBody>
+          <a:bodyPr wrap="square" rtlCol="0">
+            <a:spAutoFit/>
+          </a:bodyPr>
+          <a:lstStyle/>
+          <a:p>
+            <a:pPr algn="r">
+              <a:defRPr sz="1400"/>
+            </a:pPr>
+            <a:r>
+              <a:t>0</a:t>
+            </a:r>
+            <a:endParaRPr lang="es-MX" sz="1600" dirty="0">
+              <a:solidFill>
+                <a:prstClr val="black"/>
+              </a:solidFill>
+              <a:latin typeface="Arial Narrow" panose="020B0606020202030204" pitchFamily="34" charset="0"/>
+            </a:endParaRPr>
+          </a:p>
+        </p:txBody>
+      </p:sp>
+      <p:sp>
+        <p:nvSpPr>
+          <p:cNvPr id="14" name="13 CuadroTexto"/>
+          <p:cNvSpPr txBox="1"/>
+          <p:nvPr/>
+        </p:nvSpPr>
+        <p:spPr>
+          <a:xfrm>
+            <a:off x="6007394" y="4389770"/>
+            <a:ext cx="1612606" cy="307777"/>
+          </a:xfrm>
+          <a:prstGeom prst="rect">
+            <a:avLst/>
+          </a:prstGeom>
+          <a:noFill/>
+        </p:spPr>
+        <p:txBody>
+          <a:bodyPr wrap="square" rtlCol="0">
+            <a:spAutoFit/>
+          </a:bodyPr>
+          <a:lstStyle/>
+          <a:p>
+            <a:pPr algn="r">
+              <a:defRPr sz="1400"/>
+            </a:pPr>
+            <a:r>
+              <a:t>$ 0.00</a:t>
+            </a:r>
+            <a:endParaRPr lang="es-MX" sz="1600" dirty="0">
+              <a:solidFill>
+                <a:prstClr val="black"/>
+              </a:solidFill>
+              <a:latin typeface="Arial Narrow" panose="020B0606020202030204" pitchFamily="34" charset="0"/>
+            </a:endParaRPr>
+          </a:p>
+        </p:txBody>
+      </p:sp>
+    </p:spTree>
+    <p:extLst>
+      <p:ext uri="{BB962C8B-B14F-4D97-AF65-F5344CB8AC3E}">
+        <p14:creationId xmlns:p14="http://schemas.microsoft.com/office/powerpoint/2010/main" val="227261402"/>
+      </p:ext>
+    </p:extLst>
+  </p:cSld>
+  <p:clrMapOvr>
+    <a:masterClrMapping/>
+  </p:clrMapOvr>
+  <p:timing>
+    <p:tnLst>
+      <p:par>
+        <p:cTn id="1" dur="indefinite" restart="never" nodeType="tmRoot"/>
+      </p:par>
+    </p:tnLst>
+  </p:timing>
+</p:sld>
+</file>
+
+<file path=ppt/slides/slide18.xml><?xml version="1.0" encoding="utf-8"?>
+<p:sld xmlns:a="http://schemas.openxmlformats.org/drawingml/2006/main" xmlns:r="http://schemas.openxmlformats.org/officeDocument/2006/relationships" xmlns:p="http://schemas.openxmlformats.org/presentationml/2006/main">
+  <p:cSld>
+    <p:spTree>
+      <p:nvGrpSpPr>
+        <p:cNvPr id="1" name=""/>
+        <p:cNvGrpSpPr/>
+        <p:nvPr/>
+      </p:nvGrpSpPr>
+      <p:grpSpPr>
+        <a:xfrm>
+          <a:off x="0" y="0"/>
+          <a:ext cx="0" cy="0"/>
+          <a:chOff x="0" y="0"/>
+          <a:chExt cx="0" cy="0"/>
+        </a:xfrm>
+      </p:grpSpPr>
+      <p:graphicFrame>
+        <p:nvGraphicFramePr>
+          <p:cNvPr id="4" name="3 Tabla"/>
+          <p:cNvGraphicFramePr>
+            <a:graphicFrameLocks noGrp="1"/>
+          </p:cNvGraphicFramePr>
+          <p:nvPr>
+            <p:extLst/>
+          </p:nvPr>
+        </p:nvGraphicFramePr>
+        <p:xfrm>
+          <a:off x="558001" y="1266658"/>
+          <a:ext cx="8027999" cy="5320425"/>
+        </p:xfrm>
+        <a:graphic>
+          <a:graphicData uri="http://schemas.openxmlformats.org/drawingml/2006/table">
+            <a:tbl>
+              <a:tblPr firstRow="1" bandRow="1">
+                <a:tableStyleId>{5C22544A-7EE6-4342-B048-85BDC9FD1C3A}</a:tableStyleId>
+              </a:tblPr>
+              <a:tblGrid>
+                <a:gridCol w="459192"/>
+                <a:gridCol w="2212757"/>
+                <a:gridCol w="5356050"/>
+              </a:tblGrid>
+              <a:tr h="140936">
+                <a:tc gridSpan="2">
+                  <a:txBody>
+                    <a:bodyPr/>
+                    <a:lstStyle/>
+                    <a:p>
+                      <a:pPr algn="ctr">
+                        <a:lnSpc>
+                          <a:spcPts val="900"/>
+                        </a:lnSpc>
+                        <a:spcBef>
+                          <a:spcPts val="600"/>
+                        </a:spcBef>
+                        <a:spcAft>
+                          <a:spcPts val="300"/>
+                        </a:spcAft>
+                      </a:pPr>
+                      <a:endParaRPr lang="es-MX" sz="900" dirty="0">
+                        <a:solidFill>
+                          <a:srgbClr val="008040"/>
+                        </a:solidFill>
+                        <a:effectLst/>
+                        <a:latin typeface="Arial Narrow" panose="020B0606020202030204" pitchFamily="34" charset="0"/>
+                        <a:ea typeface="Calibri"/>
+                        <a:cs typeface="Times New Roman"/>
+                      </a:endParaRPr>
+                    </a:p>
+                  </a:txBody>
+                  <a:tcPr marL="63988" marR="63988" marT="0" marB="0" anchor="ctr">
+                    <a:solidFill>
+                      <a:schemeClr val="bg1">
+                        <a:lumMod val="95000"/>
+                      </a:schemeClr>
+                    </a:solidFill>
+                  </a:tcPr>
+                </a:tc>
+                <a:tc hMerge="1">
+                  <a:txBody>
+                    <a:bodyPr/>
+                    <a:lstStyle/>
+                    <a:p>
+                      <a:endParaRPr lang="es-MX"/>
+                    </a:p>
+                  </a:txBody>
+                  <a:tcPr/>
+                </a:tc>
+                <a:tc>
+                  <a:txBody>
+                    <a:bodyPr/>
+                    <a:lstStyle/>
+                    <a:p>
+                      <a:pPr algn="ctr">
+                        <a:lnSpc>
+                          <a:spcPts val="900"/>
+                        </a:lnSpc>
+                        <a:spcBef>
+                          <a:spcPts val="600"/>
+                        </a:spcBef>
+                        <a:spcAft>
+                          <a:spcPts val="300"/>
+                        </a:spcAft>
+                      </a:pPr>
+                      <a:endParaRPr lang="es-MX" sz="900" dirty="0">
+                        <a:solidFill>
+                          <a:srgbClr val="008040"/>
+                        </a:solidFill>
+                        <a:effectLst/>
+                        <a:latin typeface="Arial Narrow" panose="020B0606020202030204" pitchFamily="34" charset="0"/>
+                        <a:ea typeface="Calibri"/>
+                        <a:cs typeface="Times New Roman"/>
+                      </a:endParaRPr>
+                    </a:p>
+                  </a:txBody>
+                  <a:tcPr marL="63988" marR="63988" marT="0" marB="0" anchor="ctr">
+                    <a:noFill/>
+                  </a:tcPr>
+                </a:tc>
+              </a:tr>
+              <a:tr h="462397">
+                <a:tc>
+                  <a:txBody>
+                    <a:bodyPr/>
+                    <a:lstStyle/>
+                    <a:p>
+                      <a:pPr algn="ctr">
+                        <a:lnSpc>
+                          <a:spcPts val="1100"/>
+                        </a:lnSpc>
+                        <a:spcBef>
+                          <a:spcPts val="600"/>
+                        </a:spcBef>
+                        <a:spcAft>
+                          <a:spcPts val="300"/>
+                        </a:spcAft>
+                      </a:pPr>
+                      <a:endParaRPr lang="es-MX" sz="1100" b="1" dirty="0">
+                        <a:solidFill>
+                          <a:srgbClr val="008040"/>
+                        </a:solidFill>
+                        <a:effectLst/>
+                        <a:latin typeface="Arial Narrow" panose="020B0606020202030204" pitchFamily="34" charset="0"/>
+                        <a:ea typeface="Calibri"/>
+                        <a:cs typeface="Times New Roman"/>
+                      </a:endParaRPr>
+                    </a:p>
+                  </a:txBody>
+                  <a:tcPr marL="68580" marR="68580" marT="0" marB="0" anchor="ctr">
+                    <a:lnL w="3175" cap="flat" cmpd="sng" algn="ctr">
+                      <a:noFill/>
+                      <a:prstDash val="solid"/>
+                      <a:round/>
+                      <a:headEnd type="none" w="med" len="med"/>
+                      <a:tailEnd type="none" w="med" len="med"/>
+                    </a:lnL>
+                    <a:lnR w="6350" cap="flat" cmpd="sng" algn="ctr">
+                      <a:solidFill>
+                        <a:schemeClr val="bg1"/>
+                      </a:solidFill>
+                      <a:prstDash val="solid"/>
+                      <a:round/>
+                      <a:headEnd type="none" w="med" len="med"/>
+                      <a:tailEnd type="none" w="med" len="med"/>
+                    </a:lnR>
+                    <a:solidFill>
+                      <a:srgbClr val="002060"/>
+                    </a:solidFill>
+                  </a:tcPr>
+                </a:tc>
+                <a:tc>
+                  <a:txBody>
+                    <a:bodyPr/>
+                    <a:lstStyle/>
+                    <a:p>
+                      <a:pPr marL="0" marR="0" indent="0" algn="l" defTabSz="457200" rtl="0" eaLnBrk="1" fontAlgn="auto" latinLnBrk="0" hangingPunct="1">
+                        <a:lnSpc>
+                          <a:spcPts val="1100"/>
+                        </a:lnSpc>
+                        <a:spcBef>
+                          <a:spcPts val="0"/>
+                        </a:spcBef>
+                        <a:spcAft>
+                          <a:spcPts val="0"/>
+                        </a:spcAft>
+                        <a:buClrTx/>
+                        <a:buSzTx/>
+                        <a:buFontTx/>
+                        <a:buNone/>
+                        <a:tabLst/>
+                        <a:defRPr/>
+                      </a:pPr>
+                      <a:r>
+                        <a:rPr lang="es-MX" sz="1400" b="1" dirty="0" smtClean="0">
+                          <a:solidFill>
+                            <a:schemeClr val="tx1">
+                              <a:lumMod val="75000"/>
+                              <a:lumOff val="25000"/>
+                            </a:schemeClr>
+                          </a:solidFill>
+                          <a:effectLst/>
+                          <a:latin typeface="Arial Narrow" panose="020B0606020202030204" pitchFamily="34" charset="0"/>
+                          <a:ea typeface="Calibri"/>
+                          <a:cs typeface="Arial"/>
+                        </a:rPr>
+                        <a:t>Secretaría de Cultura</a:t>
+                      </a:r>
+                      <a:endParaRPr lang="es-MX" sz="1400" b="1" dirty="0" smtClean="0">
+                        <a:solidFill>
+                          <a:schemeClr val="tx1">
+                            <a:lumMod val="75000"/>
+                            <a:lumOff val="25000"/>
+                          </a:schemeClr>
+                        </a:solidFill>
+                        <a:effectLst/>
+                        <a:latin typeface="Arial Narrow" panose="020B0606020202030204" pitchFamily="34" charset="0"/>
+                        <a:ea typeface="Calibri"/>
+                        <a:cs typeface="Arial"/>
+                      </a:endParaRPr>
+                    </a:p>
+                  </a:txBody>
+                  <a:tcPr marL="68580" marR="68580" marT="0" marB="0" anchor="ctr">
+                    <a:lnL w="6350" cap="flat" cmpd="sng" algn="ctr">
+                      <a:solidFill>
+                        <a:schemeClr val="bg1"/>
+                      </a:solidFill>
+                      <a:prstDash val="solid"/>
+                      <a:round/>
+                      <a:headEnd type="none" w="med" len="med"/>
+                      <a:tailEnd type="none" w="med" len="med"/>
+                    </a:lnL>
+                    <a:lnR w="6350" cap="flat" cmpd="sng" algn="ctr">
+                      <a:solidFill>
+                        <a:schemeClr val="bg1"/>
+                      </a:solidFill>
+                      <a:prstDash val="solid"/>
+                      <a:round/>
+                      <a:headEnd type="none" w="med" len="med"/>
+                      <a:tailEnd type="none" w="med" len="med"/>
+                    </a:lnR>
+                    <a:solidFill>
+                      <a:srgbClr val="E4E4E4"/>
+                    </a:solidFill>
+                  </a:tcPr>
+                </a:tc>
+                <a:tc>
+                  <a:txBody>
+                    <a:bodyPr/>
+                    <a:lstStyle/>
+                    <a:p>
+                      <a:pPr marL="0" marR="0" indent="0" algn="ctr" defTabSz="457200" rtl="0" eaLnBrk="1" fontAlgn="auto" latinLnBrk="0" hangingPunct="1">
+                        <a:lnSpc>
+                          <a:spcPts val="1100"/>
+                        </a:lnSpc>
+                        <a:spcBef>
+                          <a:spcPts val="600"/>
+                        </a:spcBef>
+                        <a:spcAft>
+                          <a:spcPts val="300"/>
+                        </a:spcAft>
+                        <a:buClrTx/>
+                        <a:buSzTx/>
+                        <a:buFontTx/>
+                        <a:buNone/>
+                        <a:tabLst/>
+                        <a:defRPr/>
+                      </a:pPr>
+                      <a:endParaRPr lang="es-MX" sz="1100" b="1" dirty="0" smtClean="0">
+                        <a:solidFill>
+                          <a:srgbClr val="008040"/>
+                        </a:solidFill>
+                        <a:effectLst/>
+                        <a:latin typeface="Arial Narrow" panose="020B0606020202030204" pitchFamily="34" charset="0"/>
+                        <a:ea typeface="Calibri"/>
+                        <a:cs typeface="Times New Roman"/>
+                      </a:endParaRPr>
+                    </a:p>
+                  </a:txBody>
+                  <a:tcPr marL="68580" marR="68580" marT="0" marB="0" anchor="ctr">
+                    <a:lnL w="6350" cap="flat" cmpd="sng" algn="ctr">
+                      <a:solidFill>
+                        <a:schemeClr val="bg1"/>
+                      </a:solidFill>
+                      <a:prstDash val="solid"/>
+                      <a:round/>
+                      <a:headEnd type="none" w="med" len="med"/>
+                      <a:tailEnd type="none" w="med" len="med"/>
+                    </a:lnL>
+                    <a:lnR w="6350" cap="flat" cmpd="sng" algn="ctr">
+                      <a:solidFill>
+                        <a:schemeClr val="bg1"/>
+                      </a:solidFill>
+                      <a:prstDash val="solid"/>
+                      <a:round/>
+                      <a:headEnd type="none" w="med" len="med"/>
+                      <a:tailEnd type="none" w="med" len="med"/>
+                    </a:lnR>
+                    <a:noFill/>
+                  </a:tcPr>
+                </a:tc>
+              </a:tr>
+              <a:tr h="105511">
+                <a:tc gridSpan="2">
+                  <a:txBody>
+                    <a:bodyPr/>
+                    <a:lstStyle/>
+                    <a:p>
+                      <a:pPr algn="l">
+                        <a:lnSpc>
+                          <a:spcPct val="120000"/>
+                        </a:lnSpc>
+                        <a:spcAft>
+                          <a:spcPts val="0"/>
+                        </a:spcAft>
+                      </a:pPr>
+                      <a:endParaRPr lang="es-MX" sz="300" dirty="0">
+                        <a:solidFill>
+                          <a:srgbClr val="404040"/>
+                        </a:solidFill>
+                        <a:effectLst/>
+                        <a:latin typeface="Arial Narrow" panose="020B0606020202030204" pitchFamily="34" charset="0"/>
+                        <a:ea typeface="Calibri"/>
+                        <a:cs typeface="Times New Roman"/>
+                      </a:endParaRPr>
+                    </a:p>
+                  </a:txBody>
+                  <a:tcPr marL="41308" marR="41308" marT="0" marB="0" anchor="ctr">
+                    <a:lnB w="3175" cap="flat" cmpd="sng" algn="ctr">
+                      <a:solidFill>
+                        <a:schemeClr val="bg1">
+                          <a:lumMod val="85000"/>
+                        </a:schemeClr>
+                      </a:solidFill>
+                      <a:prstDash val="solid"/>
+                      <a:round/>
+                      <a:headEnd type="none" w="med" len="med"/>
+                      <a:tailEnd type="none" w="med" len="med"/>
+                    </a:lnB>
+                    <a:solidFill>
+                      <a:schemeClr val="bg1"/>
+                    </a:solidFill>
+                  </a:tcPr>
+                </a:tc>
+                <a:tc hMerge="1">
+                  <a:txBody>
+                    <a:bodyPr/>
+                    <a:lstStyle/>
+                    <a:p>
+                      <a:endParaRPr lang="es-MX"/>
+                    </a:p>
+                  </a:txBody>
+                  <a:tcPr/>
+                </a:tc>
+                <a:tc>
+                  <a:txBody>
+                    <a:bodyPr/>
+                    <a:lstStyle/>
+                    <a:p>
+                      <a:pPr algn="l">
+                        <a:lnSpc>
+                          <a:spcPct val="120000"/>
+                        </a:lnSpc>
+                        <a:spcAft>
+                          <a:spcPts val="0"/>
+                        </a:spcAft>
+                      </a:pPr>
+                      <a:endParaRPr lang="es-MX" sz="300" dirty="0">
+                        <a:solidFill>
+                          <a:srgbClr val="404040"/>
+                        </a:solidFill>
+                        <a:effectLst/>
+                        <a:latin typeface="Arial Narrow" panose="020B0606020202030204" pitchFamily="34" charset="0"/>
+                        <a:ea typeface="Calibri"/>
+                        <a:cs typeface="Times New Roman"/>
+                      </a:endParaRPr>
+                    </a:p>
+                  </a:txBody>
+                  <a:tcPr marL="41308" marR="41308" marT="0" marB="0" anchor="ctr">
+                    <a:lnB w="3175" cap="flat" cmpd="sng" algn="ctr">
+                      <a:solidFill>
+                        <a:schemeClr val="bg1">
+                          <a:lumMod val="85000"/>
+                        </a:schemeClr>
+                      </a:solidFill>
+                      <a:prstDash val="solid"/>
+                      <a:round/>
+                      <a:headEnd type="none" w="med" len="med"/>
+                      <a:tailEnd type="none" w="med" len="med"/>
+                    </a:lnB>
+                    <a:solidFill>
+                      <a:schemeClr val="bg1"/>
+                    </a:solidFill>
+                  </a:tcPr>
+                </a:tc>
+              </a:tr>
+              <a:tr h="4611581">
+                <a:tc gridSpan="3">
+                  <a:txBody>
+                    <a:bodyPr/>
+                    <a:lstStyle/>
+                    <a:p>
+                      <a:pPr marL="0" marR="0" indent="0" algn="l" defTabSz="457200" rtl="0" eaLnBrk="1" fontAlgn="auto" latinLnBrk="0" hangingPunct="1">
+                        <a:lnSpc>
+                          <a:spcPct val="120000"/>
+                        </a:lnSpc>
+                        <a:spcBef>
+                          <a:spcPts val="0"/>
+                        </a:spcBef>
+                        <a:spcAft>
+                          <a:spcPts val="0"/>
+                        </a:spcAft>
+                        <a:buClr>
+                          <a:srgbClr val="008040"/>
+                        </a:buClr>
+                        <a:buSzTx/>
+                        <a:buFont typeface="Wingdings" panose="05000000000000000000" pitchFamily="2" charset="2"/>
+                        <a:buNone/>
+                        <a:tabLst/>
+                        <a:defRPr/>
+                      </a:pPr>
+                      <a:endParaRPr lang="es-MX" sz="1400" dirty="0" smtClean="0">
+                        <a:solidFill>
+                          <a:schemeClr val="tx1">
+                            <a:lumMod val="75000"/>
+                            <a:lumOff val="25000"/>
+                          </a:schemeClr>
+                        </a:solidFill>
+                        <a:effectLst/>
+                        <a:latin typeface="Arial Narrow" panose="020B0606020202030204" pitchFamily="34" charset="0"/>
+                        <a:ea typeface="Calibri"/>
+                        <a:cs typeface="Arial"/>
+                      </a:endParaRPr>
+                    </a:p>
+                    <a:p>
+                      <a:pPr marL="4763" lvl="1" indent="0" algn="just">
+                        <a:buNone/>
+                      </a:pPr>
+                      <a:endParaRPr lang="es-MX" sz="1200" b="1" dirty="0" smtClean="0">
+                        <a:solidFill>
+                          <a:srgbClr val="C00000"/>
+                        </a:solidFill>
+                        <a:latin typeface="Arial Narrow" panose="020B0606020202030204" pitchFamily="34" charset="0"/>
+                      </a:endParaRPr>
+                    </a:p>
+                    <a:p>
+                      <a:pPr marL="0" marR="0" indent="0" algn="l" defTabSz="457200" rtl="0" eaLnBrk="1" fontAlgn="auto" latinLnBrk="0" hangingPunct="1">
+                        <a:lnSpc>
+                          <a:spcPct val="120000"/>
+                        </a:lnSpc>
+                        <a:spcBef>
+                          <a:spcPts val="0"/>
+                        </a:spcBef>
+                        <a:spcAft>
+                          <a:spcPts val="0"/>
+                        </a:spcAft>
+                        <a:buClr>
+                          <a:srgbClr val="008040"/>
+                        </a:buClr>
+                        <a:buSzTx/>
+                        <a:buFont typeface="Wingdings" panose="05000000000000000000" pitchFamily="2" charset="2"/>
+                        <a:buNone/>
+                        <a:tabLst/>
+                        <a:defRPr/>
+                      </a:pPr>
+                      <a:endParaRPr lang="es-MX" sz="1200" dirty="0" smtClean="0">
+                        <a:solidFill>
+                          <a:schemeClr val="tx1">
+                            <a:lumMod val="75000"/>
+                            <a:lumOff val="25000"/>
+                          </a:schemeClr>
+                        </a:solidFill>
+                        <a:effectLst/>
+                        <a:latin typeface="Arial Narrow" panose="020B0606020202030204" pitchFamily="34" charset="0"/>
+                        <a:ea typeface="Calibri"/>
+                        <a:cs typeface="Arial"/>
+                      </a:endParaRPr>
+                    </a:p>
+                    <a:p>
+                      <a:pPr marL="4763" lvl="1" indent="0" algn="just">
+                        <a:buNone/>
+                      </a:pPr>
+                      <a:r>
+                        <a:rPr lang="es-MX" sz="1200" dirty="0" smtClean="0">
+                          <a:solidFill>
+                            <a:schemeClr val="tx1">
+                              <a:lumMod val="75000"/>
+                              <a:lumOff val="25000"/>
+                            </a:schemeClr>
+                          </a:solidFill>
+                          <a:latin typeface="Arial Narrow" panose="020B0606020202030204" pitchFamily="34" charset="0"/>
+                        </a:rPr>
+                        <a:t>.</a:t>
+                      </a:r>
+                    </a:p>
+                  </a:txBody>
+                  <a:tcPr marL="68580" marR="68580" marT="0" marB="0">
+                    <a:lnL w="12700" cmpd="sng">
+                      <a:noFill/>
+                    </a:lnL>
+                    <a:lnR w="76200" cap="flat" cmpd="sng" algn="ctr">
+                      <a:noFill/>
+                      <a:prstDash val="solid"/>
+                      <a:round/>
+                      <a:headEnd type="none" w="med" len="med"/>
+                      <a:tailEnd type="none" w="med" len="med"/>
+                    </a:lnR>
+                    <a:lnT w="3175" cap="flat" cmpd="sng" algn="ctr">
+                      <a:solidFill>
+                        <a:schemeClr val="bg1">
+                          <a:lumMod val="85000"/>
+                        </a:schemeClr>
+                      </a:solidFill>
+                      <a:prstDash val="solid"/>
+                      <a:round/>
+                      <a:headEnd type="none" w="med" len="med"/>
+                      <a:tailEnd type="none" w="med" len="med"/>
+                    </a:lnT>
+                    <a:lnB w="6350" cap="flat" cmpd="sng" algn="ctr">
+                      <a:noFill/>
+                      <a:prstDash val="solid"/>
+                      <a:round/>
+                      <a:headEnd type="none" w="med" len="med"/>
+                      <a:tailEnd type="none" w="med" len="med"/>
+                    </a:lnB>
+                    <a:lnTlToBr w="12700" cmpd="sng">
+                      <a:noFill/>
+                      <a:prstDash val="solid"/>
+                    </a:lnTlToBr>
+                    <a:lnBlToTr w="12700" cmpd="sng">
+                      <a:noFill/>
+                      <a:prstDash val="solid"/>
+                    </a:lnBlToTr>
+                    <a:noFill/>
+                  </a:tcPr>
+                </a:tc>
+                <a:tc hMerge="1">
+                  <a:txBody>
+                    <a:bodyPr/>
+                    <a:lstStyle/>
+                    <a:p>
+                      <a:endParaRPr lang="es-MX"/>
+                    </a:p>
+                  </a:txBody>
+                  <a:tcPr/>
+                </a:tc>
+                <a:tc hMerge="1">
+                  <a:txBody>
+                    <a:bodyPr/>
+                    <a:lstStyle/>
+                    <a:p>
+                      <a:pPr marL="0" indent="0" algn="l">
+                        <a:lnSpc>
+                          <a:spcPct val="120000"/>
+                        </a:lnSpc>
+                        <a:spcAft>
+                          <a:spcPts val="0"/>
+                        </a:spcAft>
+                        <a:buClr>
+                          <a:srgbClr val="008040"/>
+                        </a:buClr>
+                        <a:buFont typeface="Wingdings" panose="05000000000000000000" pitchFamily="2" charset="2"/>
+                        <a:buNone/>
+                      </a:pPr>
+                      <a:endParaRPr lang="es-MX" sz="1100" b="1" dirty="0">
+                        <a:solidFill>
+                          <a:schemeClr val="tx1">
+                            <a:lumMod val="75000"/>
+                            <a:lumOff val="25000"/>
+                          </a:schemeClr>
+                        </a:solidFill>
+                        <a:effectLst/>
+                        <a:latin typeface="Arial Narrow" panose="020B0606020202030204" pitchFamily="34" charset="0"/>
+                        <a:ea typeface="Calibri"/>
+                        <a:cs typeface="Times New Roman"/>
+                      </a:endParaRPr>
+                    </a:p>
+                  </a:txBody>
+                  <a:tcPr marL="68580" marR="68580" marT="0" marB="0">
+                    <a:lnL w="12700" cmpd="sng">
+                      <a:noFill/>
+                    </a:lnL>
+                    <a:lnR w="76200" cap="flat" cmpd="sng" algn="ctr">
+                      <a:noFill/>
+                      <a:prstDash val="solid"/>
+                      <a:round/>
+                      <a:headEnd type="none" w="med" len="med"/>
+                      <a:tailEnd type="none" w="med" len="med"/>
+                    </a:lnR>
+                    <a:lnT w="3175" cap="flat" cmpd="sng" algn="ctr">
+                      <a:solidFill>
+                        <a:srgbClr val="008040"/>
+                      </a:solidFill>
+                      <a:prstDash val="solid"/>
+                      <a:round/>
+                      <a:headEnd type="none" w="med" len="med"/>
+                      <a:tailEnd type="none" w="med" len="med"/>
+                    </a:lnT>
+                    <a:lnB w="6350" cap="flat" cmpd="sng" algn="ctr">
+                      <a:noFill/>
+                      <a:prstDash val="solid"/>
+                      <a:round/>
+                      <a:headEnd type="none" w="med" len="med"/>
+                      <a:tailEnd type="none" w="med" len="med"/>
+                    </a:lnB>
+                    <a:lnTlToBr w="12700" cmpd="sng">
+                      <a:noFill/>
+                      <a:prstDash val="solid"/>
+                    </a:lnTlToBr>
+                    <a:lnBlToTr w="12700" cmpd="sng">
+                      <a:noFill/>
+                      <a:prstDash val="solid"/>
+                    </a:lnBlToTr>
+                    <a:noFill/>
+                  </a:tcPr>
+                </a:tc>
+              </a:tr>
+            </a:tbl>
+          </a:graphicData>
+        </a:graphic>
+      </p:graphicFrame>
+      <p:pic>
+        <p:nvPicPr>
+          <p:cNvPr id="6" name="5 Imagen">
+            <a:hlinkClick r:id="rId3" action="ppaction://hlinkpres?slideindex=2&amp;slidetitle=Obras Concluidas por Sector"/>
+          </p:cNvPr>
+          <p:cNvPicPr>
+            <a:picLocks noChangeAspect="1"/>
+          </p:cNvPicPr>
+          <p:nvPr/>
+        </p:nvPicPr>
+        <p:blipFill>
+          <a:blip r:embed="rId4">
+            <a:extLst>
+              <a:ext uri="{28A0092B-C50C-407E-A947-70E740481C1C}">
+                <a14:useLocalDpi xmlns:a14="http://schemas.microsoft.com/office/drawing/2010/main" val="0"/>
+              </a:ext>
+            </a:extLst>
+          </a:blip>
+          <a:stretch>
+            <a:fillRect/>
+          </a:stretch>
+        </p:blipFill>
+        <p:spPr>
+          <a:xfrm>
+            <a:off x="8822656" y="6475642"/>
+            <a:ext cx="234000" cy="303946"/>
+          </a:xfrm>
+          <a:prstGeom prst="rect">
+            <a:avLst/>
+          </a:prstGeom>
+        </p:spPr>
+      </p:pic>
+      <p:pic>
+        <p:nvPicPr>
+          <p:cNvPr id="7" name="4 Imagen"/>
+          <p:cNvPicPr>
+            <a:picLocks noChangeAspect="1"/>
+          </p:cNvPicPr>
+          <p:nvPr/>
+        </p:nvPicPr>
+        <p:blipFill>
+          <a:blip r:embed="rId5">
+            <a:extLst>
+              <a:ext uri="{28A0092B-C50C-407E-A947-70E740481C1C}">
+                <a14:useLocalDpi xmlns:a14="http://schemas.microsoft.com/office/drawing/2010/main" val="0"/>
+              </a:ext>
+            </a:extLst>
+          </a:blip>
+          <a:stretch>
+            <a:fillRect/>
+          </a:stretch>
+        </p:blipFill>
+        <p:spPr>
+          <a:xfrm>
+            <a:off x="587365" y="1462145"/>
+            <a:ext cx="390721" cy="390721"/>
+          </a:xfrm>
+          <a:prstGeom prst="rect">
+            <a:avLst/>
+          </a:prstGeom>
+        </p:spPr>
+      </p:pic>
+    </p:spTree>
+    <p:extLst>
+      <p:ext uri="{BB962C8B-B14F-4D97-AF65-F5344CB8AC3E}">
+        <p14:creationId xmlns:p14="http://schemas.microsoft.com/office/powerpoint/2010/main" val="1296057920"/>
+      </p:ext>
+    </p:extLst>
+  </p:cSld>
+  <p:clrMapOvr>
+    <a:masterClrMapping/>
+  </p:clrMapOvr>
+  <p:timing>
+    <p:tnLst>
+      <p:par>
+        <p:cTn id="1" dur="indefinite" restart="never" nodeType="tmRoot"/>
+      </p:par>
+    </p:tnLst>
+  </p:timing>
+</p:sld>
+</file>
+
+<file path=ppt/slides/slide19.xml><?xml version="1.0" encoding="utf-8"?>
 <p:sld xmlns:a="http://schemas.openxmlformats.org/drawingml/2006/main" xmlns:r="http://schemas.openxmlformats.org/officeDocument/2006/relationships" xmlns:p="http://schemas.openxmlformats.org/presentationml/2006/main">
   <p:cSld>
     <p:spTree>
@@ -13836,7 +16110,7 @@
               <a:defRPr sz="1400"/>
             </a:pPr>
             <a:r>
-              <a:t>115</a:t>
+              <a:t>28</a:t>
             </a:r>
             <a:endParaRPr lang="es-MX" dirty="0">
               <a:latin typeface="Arial Narrow" panose="020B0606020202030204" pitchFamily="34" charset="0"/>
@@ -13870,7 +16144,7 @@
               <a:defRPr sz="1400"/>
             </a:pPr>
             <a:r>
-              <a:t>$ 1,164.77</a:t>
+              <a:t>$ 243.49</a:t>
             </a:r>
             <a:endParaRPr lang="es-MX" dirty="0">
               <a:latin typeface="Arial Narrow" panose="020B0606020202030204" pitchFamily="34" charset="0"/>
@@ -13904,7 +16178,7 @@
               <a:defRPr sz="1400"/>
             </a:pPr>
             <a:r>
-              <a:t>160</a:t>
+              <a:t>168</a:t>
             </a:r>
             <a:endParaRPr lang="es-MX" dirty="0">
               <a:latin typeface="Arial Narrow" panose="020B0606020202030204" pitchFamily="34" charset="0"/>
@@ -13938,7 +16212,7 @@
               <a:defRPr sz="1400"/>
             </a:pPr>
             <a:r>
-              <a:t>$ 3,025.37</a:t>
+              <a:t>$ 3,432.49</a:t>
             </a:r>
             <a:endParaRPr lang="es-MX" dirty="0">
               <a:latin typeface="Arial Narrow" panose="020B0606020202030204" pitchFamily="34" charset="0"/>
@@ -13972,7 +16246,7 @@
               <a:defRPr sz="1400"/>
             </a:pPr>
             <a:r>
-              <a:t>43</a:t>
+              <a:t>115</a:t>
             </a:r>
             <a:endParaRPr lang="es-MX" b="1" dirty="0">
               <a:latin typeface="Arial Narrow" panose="020B0606020202030204" pitchFamily="34" charset="0"/>
@@ -14006,7 +16280,7 @@
               <a:defRPr sz="1400"/>
             </a:pPr>
             <a:r>
-              <a:t>$ 1,568.10</a:t>
+              <a:t>$ 2,605.70</a:t>
             </a:r>
             <a:endParaRPr lang="es-MX" b="1" dirty="0">
               <a:latin typeface="Arial Narrow" panose="020B0606020202030204" pitchFamily="34" charset="0"/>
@@ -14040,7 +16314,7 @@
               <a:defRPr sz="1400"/>
             </a:pPr>
             <a:r>
-              <a:t>2</a:t>
+              <a:t>25</a:t>
             </a:r>
             <a:endParaRPr lang="es-MX" dirty="0">
               <a:latin typeface="Arial Narrow" panose="020B0606020202030204" pitchFamily="34" charset="0"/>
@@ -14074,7 +16348,7 @@
               <a:defRPr sz="1400"/>
             </a:pPr>
             <a:r>
-              <a:t>$ 292.50</a:t>
+              <a:t>$ 583.30</a:t>
             </a:r>
             <a:endParaRPr lang="es-MX" dirty="0">
               <a:latin typeface="Arial Narrow" panose="020B0606020202030204" pitchFamily="34" charset="0"/>
@@ -14102,7 +16376,670 @@
 </p:sld>
 </file>
 
-<file path=ppt/slides/slide18.xml><?xml version="1.0" encoding="utf-8"?>
+<file path=ppt/slides/slide2.xml><?xml version="1.0" encoding="utf-8"?>
+<p:sld xmlns:a="http://schemas.openxmlformats.org/drawingml/2006/main" xmlns:r="http://schemas.openxmlformats.org/officeDocument/2006/relationships" xmlns:p="http://schemas.openxmlformats.org/presentationml/2006/main">
+  <p:cSld>
+    <p:spTree>
+      <p:nvGrpSpPr>
+        <p:cNvPr id="1" name=""/>
+        <p:cNvGrpSpPr/>
+        <p:nvPr/>
+      </p:nvGrpSpPr>
+      <p:grpSpPr>
+        <a:xfrm>
+          <a:off x="0" y="0"/>
+          <a:ext cx="0" cy="0"/>
+          <a:chOff x="0" y="0"/>
+          <a:chExt cx="0" cy="0"/>
+        </a:xfrm>
+      </p:grpSpPr>
+      <p:graphicFrame>
+        <p:nvGraphicFramePr>
+          <p:cNvPr id="4" name="3 Tabla"/>
+          <p:cNvGraphicFramePr>
+            <a:graphicFrameLocks noGrp="1"/>
+          </p:cNvGraphicFramePr>
+          <p:nvPr>
+            <p:extLst>
+              <p:ext uri="{D42A27DB-BD31-4B8C-83A1-F6EECF244321}">
+                <p14:modId xmlns:p14="http://schemas.microsoft.com/office/powerpoint/2010/main" val="233681887"/>
+              </p:ext>
+            </p:extLst>
+          </p:nvPr>
+        </p:nvGraphicFramePr>
+        <p:xfrm>
+          <a:off x="232013" y="1394275"/>
+          <a:ext cx="8707272" cy="5320425"/>
+        </p:xfrm>
+        <a:graphic>
+          <a:graphicData uri="http://schemas.openxmlformats.org/drawingml/2006/table">
+            <a:tbl>
+              <a:tblPr firstRow="1" bandRow="1">
+                <a:tableStyleId>{5C22544A-7EE6-4342-B048-85BDC9FD1C3A}</a:tableStyleId>
+              </a:tblPr>
+              <a:tblGrid>
+                <a:gridCol w="498046"/>
+                <a:gridCol w="2399985"/>
+                <a:gridCol w="5809241"/>
+              </a:tblGrid>
+              <a:tr h="140936">
+                <a:tc gridSpan="2">
+                  <a:txBody>
+                    <a:bodyPr/>
+                    <a:lstStyle/>
+                    <a:p>
+                      <a:pPr algn="ctr">
+                        <a:lnSpc>
+                          <a:spcPts val="900"/>
+                        </a:lnSpc>
+                        <a:spcBef>
+                          <a:spcPts val="600"/>
+                        </a:spcBef>
+                        <a:spcAft>
+                          <a:spcPts val="300"/>
+                        </a:spcAft>
+                      </a:pPr>
+                      <a:endParaRPr lang="es-MX" sz="900" dirty="0">
+                        <a:solidFill>
+                          <a:srgbClr val="008040"/>
+                        </a:solidFill>
+                        <a:effectLst/>
+                        <a:latin typeface="Arial Narrow" panose="020B0606020202030204" pitchFamily="34" charset="0"/>
+                        <a:ea typeface="Calibri"/>
+                        <a:cs typeface="Times New Roman"/>
+                      </a:endParaRPr>
+                    </a:p>
+                  </a:txBody>
+                  <a:tcPr marL="63988" marR="63988" marT="0" marB="0" anchor="ctr">
+                    <a:solidFill>
+                      <a:schemeClr val="bg1">
+                        <a:lumMod val="95000"/>
+                      </a:schemeClr>
+                    </a:solidFill>
+                  </a:tcPr>
+                </a:tc>
+                <a:tc hMerge="1">
+                  <a:txBody>
+                    <a:bodyPr/>
+                    <a:lstStyle/>
+                    <a:p>
+                      <a:endParaRPr lang="es-MX"/>
+                    </a:p>
+                  </a:txBody>
+                  <a:tcPr/>
+                </a:tc>
+                <a:tc>
+                  <a:txBody>
+                    <a:bodyPr/>
+                    <a:lstStyle/>
+                    <a:p>
+                      <a:pPr algn="ctr">
+                        <a:lnSpc>
+                          <a:spcPts val="900"/>
+                        </a:lnSpc>
+                        <a:spcBef>
+                          <a:spcPts val="600"/>
+                        </a:spcBef>
+                        <a:spcAft>
+                          <a:spcPts val="300"/>
+                        </a:spcAft>
+                      </a:pPr>
+                      <a:endParaRPr lang="es-MX" sz="900" dirty="0">
+                        <a:solidFill>
+                          <a:srgbClr val="008040"/>
+                        </a:solidFill>
+                        <a:effectLst/>
+                        <a:latin typeface="Arial Narrow" panose="020B0606020202030204" pitchFamily="34" charset="0"/>
+                        <a:ea typeface="Calibri"/>
+                        <a:cs typeface="Times New Roman"/>
+                      </a:endParaRPr>
+                    </a:p>
+                  </a:txBody>
+                  <a:tcPr marL="63988" marR="63988" marT="0" marB="0" anchor="ctr">
+                    <a:noFill/>
+                  </a:tcPr>
+                </a:tc>
+              </a:tr>
+              <a:tr h="462397">
+                <a:tc>
+                  <a:txBody>
+                    <a:bodyPr/>
+                    <a:lstStyle/>
+                    <a:p>
+                      <a:pPr algn="ctr">
+                        <a:lnSpc>
+                          <a:spcPts val="1100"/>
+                        </a:lnSpc>
+                        <a:spcBef>
+                          <a:spcPts val="600"/>
+                        </a:spcBef>
+                        <a:spcAft>
+                          <a:spcPts val="300"/>
+                        </a:spcAft>
+                      </a:pPr>
+                      <a:endParaRPr lang="es-MX" sz="1100" b="1" dirty="0">
+                        <a:solidFill>
+                          <a:srgbClr val="008040"/>
+                        </a:solidFill>
+                        <a:effectLst/>
+                        <a:latin typeface="Arial Narrow" panose="020B0606020202030204" pitchFamily="34" charset="0"/>
+                        <a:ea typeface="Calibri"/>
+                        <a:cs typeface="Times New Roman"/>
+                      </a:endParaRPr>
+                    </a:p>
+                  </a:txBody>
+                  <a:tcPr marL="68580" marR="68580" marT="0" marB="0" anchor="ctr">
+                    <a:lnL w="3175" cap="flat" cmpd="sng" algn="ctr">
+                      <a:noFill/>
+                      <a:prstDash val="solid"/>
+                      <a:round/>
+                      <a:headEnd type="none" w="med" len="med"/>
+                      <a:tailEnd type="none" w="med" len="med"/>
+                    </a:lnL>
+                    <a:lnR w="6350" cap="flat" cmpd="sng" algn="ctr">
+                      <a:solidFill>
+                        <a:schemeClr val="bg1"/>
+                      </a:solidFill>
+                      <a:prstDash val="solid"/>
+                      <a:round/>
+                      <a:headEnd type="none" w="med" len="med"/>
+                      <a:tailEnd type="none" w="med" len="med"/>
+                    </a:lnR>
+                    <a:solidFill>
+                      <a:srgbClr val="C00000"/>
+                    </a:solidFill>
+                  </a:tcPr>
+                </a:tc>
+                <a:tc>
+                  <a:txBody>
+                    <a:bodyPr/>
+                    <a:lstStyle/>
+                    <a:p>
+                      <a:pPr marL="0" marR="0" indent="0" algn="l" defTabSz="457200" rtl="0" eaLnBrk="1" fontAlgn="auto" latinLnBrk="0" hangingPunct="1">
+                        <a:lnSpc>
+                          <a:spcPts val="1100"/>
+                        </a:lnSpc>
+                        <a:spcBef>
+                          <a:spcPts val="0"/>
+                        </a:spcBef>
+                        <a:spcAft>
+                          <a:spcPts val="0"/>
+                        </a:spcAft>
+                        <a:buClrTx/>
+                        <a:buSzTx/>
+                        <a:buFontTx/>
+                        <a:buNone/>
+                        <a:tabLst/>
+                        <a:defRPr/>
+                      </a:pPr>
+                      <a:r>
+                        <a:rPr lang="es-MX" sz="1400" b="1" dirty="0" smtClean="0">
+                          <a:solidFill>
+                            <a:schemeClr val="tx1">
+                              <a:lumMod val="75000"/>
+                              <a:lumOff val="25000"/>
+                            </a:schemeClr>
+                          </a:solidFill>
+                          <a:effectLst/>
+                          <a:latin typeface="Arial Narrow" panose="020B0606020202030204" pitchFamily="34" charset="0"/>
+                          <a:ea typeface="Calibri"/>
+                          <a:cs typeface="Arial"/>
+                        </a:rPr>
+                        <a:t>Secretaría de</a:t>
+                      </a:r>
+                      <a:r>
+                        <a:rPr lang="es-MX" sz="1400" b="1" baseline="0" dirty="0" smtClean="0">
+                          <a:solidFill>
+                            <a:schemeClr val="tx1">
+                              <a:lumMod val="75000"/>
+                              <a:lumOff val="25000"/>
+                            </a:schemeClr>
+                          </a:solidFill>
+                          <a:effectLst/>
+                          <a:latin typeface="Arial Narrow" panose="020B0606020202030204" pitchFamily="34" charset="0"/>
+                          <a:ea typeface="Calibri"/>
+                          <a:cs typeface="Arial"/>
+                        </a:rPr>
+                        <a:t> Gobernación</a:t>
+                      </a:r>
+                      <a:endParaRPr lang="es-MX" sz="1400" b="1" dirty="0" smtClean="0">
+                        <a:solidFill>
+                          <a:schemeClr val="tx1">
+                            <a:lumMod val="75000"/>
+                            <a:lumOff val="25000"/>
+                          </a:schemeClr>
+                        </a:solidFill>
+                        <a:effectLst/>
+                        <a:latin typeface="Arial Narrow" panose="020B0606020202030204" pitchFamily="34" charset="0"/>
+                        <a:ea typeface="Calibri"/>
+                        <a:cs typeface="Arial"/>
+                      </a:endParaRPr>
+                    </a:p>
+                  </a:txBody>
+                  <a:tcPr marL="68580" marR="68580" marT="0" marB="0" anchor="ctr">
+                    <a:lnL w="6350" cap="flat" cmpd="sng" algn="ctr">
+                      <a:solidFill>
+                        <a:schemeClr val="bg1"/>
+                      </a:solidFill>
+                      <a:prstDash val="solid"/>
+                      <a:round/>
+                      <a:headEnd type="none" w="med" len="med"/>
+                      <a:tailEnd type="none" w="med" len="med"/>
+                    </a:lnL>
+                    <a:lnR w="6350" cap="flat" cmpd="sng" algn="ctr">
+                      <a:solidFill>
+                        <a:schemeClr val="bg1"/>
+                      </a:solidFill>
+                      <a:prstDash val="solid"/>
+                      <a:round/>
+                      <a:headEnd type="none" w="med" len="med"/>
+                      <a:tailEnd type="none" w="med" len="med"/>
+                    </a:lnR>
+                    <a:solidFill>
+                      <a:srgbClr val="E4E4E4"/>
+                    </a:solidFill>
+                  </a:tcPr>
+                </a:tc>
+                <a:tc>
+                  <a:txBody>
+                    <a:bodyPr/>
+                    <a:lstStyle/>
+                    <a:p>
+                      <a:pPr marL="0" marR="0" indent="0" algn="ctr" defTabSz="457200" rtl="0" eaLnBrk="1" fontAlgn="auto" latinLnBrk="0" hangingPunct="1">
+                        <a:lnSpc>
+                          <a:spcPts val="1100"/>
+                        </a:lnSpc>
+                        <a:spcBef>
+                          <a:spcPts val="600"/>
+                        </a:spcBef>
+                        <a:spcAft>
+                          <a:spcPts val="300"/>
+                        </a:spcAft>
+                        <a:buClrTx/>
+                        <a:buSzTx/>
+                        <a:buFontTx/>
+                        <a:buNone/>
+                        <a:tabLst/>
+                        <a:defRPr/>
+                      </a:pPr>
+                      <a:endParaRPr lang="es-MX" sz="1100" b="1" dirty="0" smtClean="0">
+                        <a:solidFill>
+                          <a:srgbClr val="008040"/>
+                        </a:solidFill>
+                        <a:effectLst/>
+                        <a:latin typeface="Arial Narrow" panose="020B0606020202030204" pitchFamily="34" charset="0"/>
+                        <a:ea typeface="Calibri"/>
+                        <a:cs typeface="Times New Roman"/>
+                      </a:endParaRPr>
+                    </a:p>
+                  </a:txBody>
+                  <a:tcPr marL="68580" marR="68580" marT="0" marB="0" anchor="ctr">
+                    <a:lnL w="6350" cap="flat" cmpd="sng" algn="ctr">
+                      <a:solidFill>
+                        <a:schemeClr val="bg1"/>
+                      </a:solidFill>
+                      <a:prstDash val="solid"/>
+                      <a:round/>
+                      <a:headEnd type="none" w="med" len="med"/>
+                      <a:tailEnd type="none" w="med" len="med"/>
+                    </a:lnL>
+                    <a:lnR w="6350" cap="flat" cmpd="sng" algn="ctr">
+                      <a:solidFill>
+                        <a:schemeClr val="bg1"/>
+                      </a:solidFill>
+                      <a:prstDash val="solid"/>
+                      <a:round/>
+                      <a:headEnd type="none" w="med" len="med"/>
+                      <a:tailEnd type="none" w="med" len="med"/>
+                    </a:lnR>
+                    <a:noFill/>
+                  </a:tcPr>
+                </a:tc>
+              </a:tr>
+              <a:tr h="105511">
+                <a:tc gridSpan="2">
+                  <a:txBody>
+                    <a:bodyPr/>
+                    <a:lstStyle/>
+                    <a:p>
+                      <a:pPr algn="l">
+                        <a:lnSpc>
+                          <a:spcPct val="120000"/>
+                        </a:lnSpc>
+                        <a:spcAft>
+                          <a:spcPts val="0"/>
+                        </a:spcAft>
+                      </a:pPr>
+                      <a:endParaRPr lang="es-MX" sz="300" dirty="0">
+                        <a:solidFill>
+                          <a:srgbClr val="404040"/>
+                        </a:solidFill>
+                        <a:effectLst/>
+                        <a:latin typeface="Arial Narrow" panose="020B0606020202030204" pitchFamily="34" charset="0"/>
+                        <a:ea typeface="Calibri"/>
+                        <a:cs typeface="Times New Roman"/>
+                      </a:endParaRPr>
+                    </a:p>
+                  </a:txBody>
+                  <a:tcPr marL="41308" marR="41308" marT="0" marB="0" anchor="ctr">
+                    <a:lnB w="3175" cap="flat" cmpd="sng" algn="ctr">
+                      <a:solidFill>
+                        <a:schemeClr val="bg1">
+                          <a:lumMod val="85000"/>
+                        </a:schemeClr>
+                      </a:solidFill>
+                      <a:prstDash val="solid"/>
+                      <a:round/>
+                      <a:headEnd type="none" w="med" len="med"/>
+                      <a:tailEnd type="none" w="med" len="med"/>
+                    </a:lnB>
+                    <a:solidFill>
+                      <a:schemeClr val="bg1"/>
+                    </a:solidFill>
+                  </a:tcPr>
+                </a:tc>
+                <a:tc hMerge="1">
+                  <a:txBody>
+                    <a:bodyPr/>
+                    <a:lstStyle/>
+                    <a:p>
+                      <a:endParaRPr lang="es-MX"/>
+                    </a:p>
+                  </a:txBody>
+                  <a:tcPr/>
+                </a:tc>
+                <a:tc>
+                  <a:txBody>
+                    <a:bodyPr/>
+                    <a:lstStyle/>
+                    <a:p>
+                      <a:pPr algn="l">
+                        <a:lnSpc>
+                          <a:spcPct val="120000"/>
+                        </a:lnSpc>
+                        <a:spcAft>
+                          <a:spcPts val="0"/>
+                        </a:spcAft>
+                      </a:pPr>
+                      <a:endParaRPr lang="es-MX" sz="300" dirty="0">
+                        <a:solidFill>
+                          <a:srgbClr val="404040"/>
+                        </a:solidFill>
+                        <a:effectLst/>
+                        <a:latin typeface="Arial Narrow" panose="020B0606020202030204" pitchFamily="34" charset="0"/>
+                        <a:ea typeface="Calibri"/>
+                        <a:cs typeface="Times New Roman"/>
+                      </a:endParaRPr>
+                    </a:p>
+                  </a:txBody>
+                  <a:tcPr marL="41308" marR="41308" marT="0" marB="0" anchor="ctr">
+                    <a:lnB w="3175" cap="flat" cmpd="sng" algn="ctr">
+                      <a:solidFill>
+                        <a:schemeClr val="bg1">
+                          <a:lumMod val="85000"/>
+                        </a:schemeClr>
+                      </a:solidFill>
+                      <a:prstDash val="solid"/>
+                      <a:round/>
+                      <a:headEnd type="none" w="med" len="med"/>
+                      <a:tailEnd type="none" w="med" len="med"/>
+                    </a:lnB>
+                    <a:solidFill>
+                      <a:schemeClr val="bg1"/>
+                    </a:solidFill>
+                  </a:tcPr>
+                </a:tc>
+              </a:tr>
+              <a:tr h="4611581">
+                <a:tc gridSpan="3">
+                  <a:txBody>
+                    <a:bodyPr/>
+                    <a:lstStyle/>
+                    <a:p>
+                      <a:pPr marL="0" marR="0" indent="0" algn="l" defTabSz="457200" rtl="0" eaLnBrk="1" fontAlgn="auto" latinLnBrk="0" hangingPunct="1">
+                        <a:lnSpc>
+                          <a:spcPct val="120000"/>
+                        </a:lnSpc>
+                        <a:spcBef>
+                          <a:spcPts val="0"/>
+                        </a:spcBef>
+                        <a:spcAft>
+                          <a:spcPts val="0"/>
+                        </a:spcAft>
+                        <a:buClr>
+                          <a:srgbClr val="008040"/>
+                        </a:buClr>
+                        <a:buSzTx/>
+                        <a:buFont typeface="Wingdings" panose="05000000000000000000" pitchFamily="2" charset="2"/>
+                        <a:buNone/>
+                        <a:tabLst/>
+                        <a:defRPr/>
+                      </a:pPr>
+                      <a:endParaRPr lang="es-MX" sz="1400" dirty="0" smtClean="0">
+                        <a:solidFill>
+                          <a:schemeClr val="tx1">
+                            <a:lumMod val="75000"/>
+                            <a:lumOff val="25000"/>
+                          </a:schemeClr>
+                        </a:solidFill>
+                        <a:effectLst/>
+                        <a:latin typeface="Arial Narrow" panose="020B0606020202030204" pitchFamily="34" charset="0"/>
+                        <a:ea typeface="Calibri"/>
+                        <a:cs typeface="Arial"/>
+                      </a:endParaRPr>
+                    </a:p>
+                  </a:txBody>
+                  <a:tcPr marL="68580" marR="68580" marT="0" marB="0">
+                    <a:lnL w="12700" cmpd="sng">
+                      <a:noFill/>
+                    </a:lnL>
+                    <a:lnR w="76200" cap="flat" cmpd="sng" algn="ctr">
+                      <a:noFill/>
+                      <a:prstDash val="solid"/>
+                      <a:round/>
+                      <a:headEnd type="none" w="med" len="med"/>
+                      <a:tailEnd type="none" w="med" len="med"/>
+                    </a:lnR>
+                    <a:lnT w="3175" cap="flat" cmpd="sng" algn="ctr">
+                      <a:solidFill>
+                        <a:schemeClr val="bg1">
+                          <a:lumMod val="85000"/>
+                        </a:schemeClr>
+                      </a:solidFill>
+                      <a:prstDash val="solid"/>
+                      <a:round/>
+                      <a:headEnd type="none" w="med" len="med"/>
+                      <a:tailEnd type="none" w="med" len="med"/>
+                    </a:lnT>
+                    <a:lnB w="6350" cap="flat" cmpd="sng" algn="ctr">
+                      <a:noFill/>
+                      <a:prstDash val="solid"/>
+                      <a:round/>
+                      <a:headEnd type="none" w="med" len="med"/>
+                      <a:tailEnd type="none" w="med" len="med"/>
+                    </a:lnB>
+                    <a:lnTlToBr w="12700" cmpd="sng">
+                      <a:noFill/>
+                      <a:prstDash val="solid"/>
+                    </a:lnTlToBr>
+                    <a:lnBlToTr w="12700" cmpd="sng">
+                      <a:noFill/>
+                      <a:prstDash val="solid"/>
+                    </a:lnBlToTr>
+                    <a:noFill/>
+                  </a:tcPr>
+                </a:tc>
+                <a:tc hMerge="1">
+                  <a:txBody>
+                    <a:bodyPr/>
+                    <a:lstStyle/>
+                    <a:p>
+                      <a:endParaRPr lang="es-MX"/>
+                    </a:p>
+                  </a:txBody>
+                  <a:tcPr/>
+                </a:tc>
+                <a:tc hMerge="1">
+                  <a:txBody>
+                    <a:bodyPr/>
+                    <a:lstStyle/>
+                    <a:p>
+                      <a:pPr marL="0" indent="0" algn="l">
+                        <a:lnSpc>
+                          <a:spcPct val="120000"/>
+                        </a:lnSpc>
+                        <a:spcAft>
+                          <a:spcPts val="0"/>
+                        </a:spcAft>
+                        <a:buClr>
+                          <a:srgbClr val="008040"/>
+                        </a:buClr>
+                        <a:buFont typeface="Wingdings" panose="05000000000000000000" pitchFamily="2" charset="2"/>
+                        <a:buNone/>
+                      </a:pPr>
+                      <a:endParaRPr lang="es-MX" sz="1100" b="1" dirty="0">
+                        <a:solidFill>
+                          <a:schemeClr val="tx1">
+                            <a:lumMod val="75000"/>
+                            <a:lumOff val="25000"/>
+                          </a:schemeClr>
+                        </a:solidFill>
+                        <a:effectLst/>
+                        <a:latin typeface="Arial Narrow" panose="020B0606020202030204" pitchFamily="34" charset="0"/>
+                        <a:ea typeface="Calibri"/>
+                        <a:cs typeface="Times New Roman"/>
+                      </a:endParaRPr>
+                    </a:p>
+                  </a:txBody>
+                  <a:tcPr marL="68580" marR="68580" marT="0" marB="0">
+                    <a:lnL w="12700" cmpd="sng">
+                      <a:noFill/>
+                    </a:lnL>
+                    <a:lnR w="76200" cap="flat" cmpd="sng" algn="ctr">
+                      <a:noFill/>
+                      <a:prstDash val="solid"/>
+                      <a:round/>
+                      <a:headEnd type="none" w="med" len="med"/>
+                      <a:tailEnd type="none" w="med" len="med"/>
+                    </a:lnR>
+                    <a:lnT w="3175" cap="flat" cmpd="sng" algn="ctr">
+                      <a:solidFill>
+                        <a:srgbClr val="008040"/>
+                      </a:solidFill>
+                      <a:prstDash val="solid"/>
+                      <a:round/>
+                      <a:headEnd type="none" w="med" len="med"/>
+                      <a:tailEnd type="none" w="med" len="med"/>
+                    </a:lnT>
+                    <a:lnB w="6350" cap="flat" cmpd="sng" algn="ctr">
+                      <a:noFill/>
+                      <a:prstDash val="solid"/>
+                      <a:round/>
+                      <a:headEnd type="none" w="med" len="med"/>
+                      <a:tailEnd type="none" w="med" len="med"/>
+                    </a:lnB>
+                    <a:lnTlToBr w="12700" cmpd="sng">
+                      <a:noFill/>
+                      <a:prstDash val="solid"/>
+                    </a:lnTlToBr>
+                    <a:lnBlToTr w="12700" cmpd="sng">
+                      <a:noFill/>
+                      <a:prstDash val="solid"/>
+                    </a:lnBlToTr>
+                    <a:noFill/>
+                  </a:tcPr>
+                </a:tc>
+              </a:tr>
+            </a:tbl>
+          </a:graphicData>
+        </a:graphic>
+      </p:graphicFrame>
+      <p:pic>
+        <p:nvPicPr>
+          <p:cNvPr id="5" name="3 Marcador de contenido"/>
+          <p:cNvPicPr>
+            <a:picLocks noChangeAspect="1"/>
+          </p:cNvPicPr>
+          <p:nvPr/>
+        </p:nvPicPr>
+        <p:blipFill>
+          <a:blip r:embed="rId2" cstate="print">
+            <a:extLst>
+              <a:ext uri="{28A0092B-C50C-407E-A947-70E740481C1C}">
+                <a14:useLocalDpi xmlns:a14="http://schemas.microsoft.com/office/drawing/2010/main" val="0"/>
+              </a:ext>
+            </a:extLst>
+          </a:blip>
+          <a:stretch>
+            <a:fillRect/>
+          </a:stretch>
+        </p:blipFill>
+        <p:spPr>
+          <a:xfrm>
+            <a:off x="313896" y="1589268"/>
+            <a:ext cx="347901" cy="382770"/>
+          </a:xfrm>
+          <a:prstGeom prst="rect">
+            <a:avLst/>
+          </a:prstGeom>
+          <a:solidFill>
+            <a:srgbClr val="C00000"/>
+          </a:solidFill>
+        </p:spPr>
+      </p:pic>
+      <p:pic>
+        <p:nvPicPr>
+          <p:cNvPr id="7" name="6 Imagen">
+            <a:hlinkClick r:id="rId3" action="ppaction://hlinkpres?slideindex=2&amp;slidetitle=Obras Concluidas por Sector"/>
+          </p:cNvPr>
+          <p:cNvPicPr>
+            <a:picLocks noChangeAspect="1"/>
+          </p:cNvPicPr>
+          <p:nvPr/>
+        </p:nvPicPr>
+        <p:blipFill>
+          <a:blip r:embed="rId4">
+            <a:extLst>
+              <a:ext uri="{28A0092B-C50C-407E-A947-70E740481C1C}">
+                <a14:useLocalDpi xmlns:a14="http://schemas.microsoft.com/office/drawing/2010/main" val="0"/>
+              </a:ext>
+            </a:extLst>
+          </a:blip>
+          <a:stretch>
+            <a:fillRect/>
+          </a:stretch>
+        </p:blipFill>
+        <p:spPr>
+          <a:xfrm>
+            <a:off x="8822656" y="6475642"/>
+            <a:ext cx="234000" cy="303946"/>
+          </a:xfrm>
+          <a:prstGeom prst="rect">
+            <a:avLst/>
+          </a:prstGeom>
+        </p:spPr>
+      </p:pic>
+    </p:spTree>
+    <p:extLst>
+      <p:ext uri="{BB962C8B-B14F-4D97-AF65-F5344CB8AC3E}">
+        <p14:creationId xmlns:p14="http://schemas.microsoft.com/office/powerpoint/2010/main" val="3656640534"/>
+      </p:ext>
+    </p:extLst>
+  </p:cSld>
+  <p:clrMapOvr>
+    <a:masterClrMapping/>
+  </p:clrMapOvr>
+  <p:timing>
+    <p:tnLst>
+      <p:par>
+        <p:cTn id="1" dur="indefinite" restart="never" nodeType="tmRoot"/>
+      </p:par>
+    </p:tnLst>
+  </p:timing>
+</p:sld>
+</file>
+
+<file path=ppt/slides/slide20.xml><?xml version="1.0" encoding="utf-8"?>
 <p:sld xmlns:a="http://schemas.openxmlformats.org/drawingml/2006/main" xmlns:r="http://schemas.openxmlformats.org/officeDocument/2006/relationships" xmlns:p="http://schemas.openxmlformats.org/presentationml/2006/main">
   <p:cSld>
     <p:spTree>
@@ -14750,7 +17687,7 @@
 </p:sld>
 </file>
 
-<file path=ppt/slides/slide19.xml><?xml version="1.0" encoding="utf-8"?>
+<file path=ppt/slides/slide21.xml><?xml version="1.0" encoding="utf-8"?>
 <p:sld xmlns:a="http://schemas.openxmlformats.org/drawingml/2006/main" xmlns:r="http://schemas.openxmlformats.org/officeDocument/2006/relationships" xmlns:p="http://schemas.openxmlformats.org/presentationml/2006/main">
   <p:cSld>
     <p:spTree>
@@ -15964,7 +18901,7 @@
               <a:defRPr sz="1400"/>
             </a:pPr>
             <a:r>
-              <a:t>44</a:t>
+              <a:t>12</a:t>
             </a:r>
             <a:endParaRPr lang="es-MX" dirty="0">
               <a:latin typeface="Arial Narrow" panose="020B0606020202030204" pitchFamily="34" charset="0"/>
@@ -15998,7 +18935,7 @@
               <a:defRPr sz="1400"/>
             </a:pPr>
             <a:r>
-              <a:t>$ 15,922.65</a:t>
+              <a:t>$ 7,279.24</a:t>
             </a:r>
             <a:endParaRPr lang="es-MX" dirty="0">
               <a:latin typeface="Arial Narrow" panose="020B0606020202030204" pitchFamily="34" charset="0"/>
@@ -16032,7 +18969,7 @@
               <a:defRPr sz="1400"/>
             </a:pPr>
             <a:r>
-              <a:t>343</a:t>
+              <a:t>241</a:t>
             </a:r>
             <a:endParaRPr lang="es-MX" dirty="0">
               <a:latin typeface="Arial Narrow" panose="020B0606020202030204" pitchFamily="34" charset="0"/>
@@ -16066,7 +19003,7 @@
               <a:defRPr sz="1400"/>
             </a:pPr>
             <a:r>
-              <a:t>$ 522,028.63</a:t>
+              <a:t>$ 371,583.08</a:t>
             </a:r>
             <a:endParaRPr lang="es-MX" dirty="0">
               <a:latin typeface="Arial Narrow" panose="020B0606020202030204" pitchFamily="34" charset="0"/>
@@ -16100,7 +19037,7 @@
               <a:defRPr sz="1400"/>
             </a:pPr>
             <a:r>
-              <a:t>263</a:t>
+              <a:t>181</a:t>
             </a:r>
             <a:endParaRPr lang="es-MX" b="1" dirty="0">
               <a:latin typeface="Arial Narrow" panose="020B0606020202030204" pitchFamily="34" charset="0"/>
@@ -16134,7 +19071,7 @@
               <a:defRPr sz="1400"/>
             </a:pPr>
             <a:r>
-              <a:t>$ 490,601.01</a:t>
+              <a:t>$ 362,460.47</a:t>
             </a:r>
             <a:endParaRPr lang="es-MX" b="1" dirty="0">
               <a:latin typeface="Arial Narrow" panose="020B0606020202030204" pitchFamily="34" charset="0"/>
@@ -16168,7 +19105,7 @@
               <a:defRPr sz="1400"/>
             </a:pPr>
             <a:r>
-              <a:t>36</a:t>
+              <a:t>48</a:t>
             </a:r>
             <a:endParaRPr lang="es-MX" dirty="0">
               <a:latin typeface="Arial Narrow" panose="020B0606020202030204" pitchFamily="34" charset="0"/>
@@ -16202,7 +19139,7 @@
               <a:defRPr sz="1400"/>
             </a:pPr>
             <a:r>
-              <a:t>$ 15,504.97</a:t>
+              <a:t>$ 1,843.37</a:t>
             </a:r>
             <a:endParaRPr lang="es-MX" dirty="0">
               <a:latin typeface="Arial Narrow" panose="020B0606020202030204" pitchFamily="34" charset="0"/>
@@ -16230,670 +19167,7 @@
 </p:sld>
 </file>
 
-<file path=ppt/slides/slide2.xml><?xml version="1.0" encoding="utf-8"?>
-<p:sld xmlns:a="http://schemas.openxmlformats.org/drawingml/2006/main" xmlns:r="http://schemas.openxmlformats.org/officeDocument/2006/relationships" xmlns:p="http://schemas.openxmlformats.org/presentationml/2006/main">
-  <p:cSld>
-    <p:spTree>
-      <p:nvGrpSpPr>
-        <p:cNvPr id="1" name=""/>
-        <p:cNvGrpSpPr/>
-        <p:nvPr/>
-      </p:nvGrpSpPr>
-      <p:grpSpPr>
-        <a:xfrm>
-          <a:off x="0" y="0"/>
-          <a:ext cx="0" cy="0"/>
-          <a:chOff x="0" y="0"/>
-          <a:chExt cx="0" cy="0"/>
-        </a:xfrm>
-      </p:grpSpPr>
-      <p:graphicFrame>
-        <p:nvGraphicFramePr>
-          <p:cNvPr id="4" name="3 Tabla"/>
-          <p:cNvGraphicFramePr>
-            <a:graphicFrameLocks noGrp="1"/>
-          </p:cNvGraphicFramePr>
-          <p:nvPr>
-            <p:extLst>
-              <p:ext uri="{D42A27DB-BD31-4B8C-83A1-F6EECF244321}">
-                <p14:modId xmlns:p14="http://schemas.microsoft.com/office/powerpoint/2010/main" val="233681887"/>
-              </p:ext>
-            </p:extLst>
-          </p:nvPr>
-        </p:nvGraphicFramePr>
-        <p:xfrm>
-          <a:off x="232013" y="1394275"/>
-          <a:ext cx="8707272" cy="5320425"/>
-        </p:xfrm>
-        <a:graphic>
-          <a:graphicData uri="http://schemas.openxmlformats.org/drawingml/2006/table">
-            <a:tbl>
-              <a:tblPr firstRow="1" bandRow="1">
-                <a:tableStyleId>{5C22544A-7EE6-4342-B048-85BDC9FD1C3A}</a:tableStyleId>
-              </a:tblPr>
-              <a:tblGrid>
-                <a:gridCol w="498046"/>
-                <a:gridCol w="2399985"/>
-                <a:gridCol w="5809241"/>
-              </a:tblGrid>
-              <a:tr h="140936">
-                <a:tc gridSpan="2">
-                  <a:txBody>
-                    <a:bodyPr/>
-                    <a:lstStyle/>
-                    <a:p>
-                      <a:pPr algn="ctr">
-                        <a:lnSpc>
-                          <a:spcPts val="900"/>
-                        </a:lnSpc>
-                        <a:spcBef>
-                          <a:spcPts val="600"/>
-                        </a:spcBef>
-                        <a:spcAft>
-                          <a:spcPts val="300"/>
-                        </a:spcAft>
-                      </a:pPr>
-                      <a:endParaRPr lang="es-MX" sz="900" dirty="0">
-                        <a:solidFill>
-                          <a:srgbClr val="008040"/>
-                        </a:solidFill>
-                        <a:effectLst/>
-                        <a:latin typeface="Arial Narrow" panose="020B0606020202030204" pitchFamily="34" charset="0"/>
-                        <a:ea typeface="Calibri"/>
-                        <a:cs typeface="Times New Roman"/>
-                      </a:endParaRPr>
-                    </a:p>
-                  </a:txBody>
-                  <a:tcPr marL="63988" marR="63988" marT="0" marB="0" anchor="ctr">
-                    <a:solidFill>
-                      <a:schemeClr val="bg1">
-                        <a:lumMod val="95000"/>
-                      </a:schemeClr>
-                    </a:solidFill>
-                  </a:tcPr>
-                </a:tc>
-                <a:tc hMerge="1">
-                  <a:txBody>
-                    <a:bodyPr/>
-                    <a:lstStyle/>
-                    <a:p>
-                      <a:endParaRPr lang="es-MX"/>
-                    </a:p>
-                  </a:txBody>
-                  <a:tcPr/>
-                </a:tc>
-                <a:tc>
-                  <a:txBody>
-                    <a:bodyPr/>
-                    <a:lstStyle/>
-                    <a:p>
-                      <a:pPr algn="ctr">
-                        <a:lnSpc>
-                          <a:spcPts val="900"/>
-                        </a:lnSpc>
-                        <a:spcBef>
-                          <a:spcPts val="600"/>
-                        </a:spcBef>
-                        <a:spcAft>
-                          <a:spcPts val="300"/>
-                        </a:spcAft>
-                      </a:pPr>
-                      <a:endParaRPr lang="es-MX" sz="900" dirty="0">
-                        <a:solidFill>
-                          <a:srgbClr val="008040"/>
-                        </a:solidFill>
-                        <a:effectLst/>
-                        <a:latin typeface="Arial Narrow" panose="020B0606020202030204" pitchFamily="34" charset="0"/>
-                        <a:ea typeface="Calibri"/>
-                        <a:cs typeface="Times New Roman"/>
-                      </a:endParaRPr>
-                    </a:p>
-                  </a:txBody>
-                  <a:tcPr marL="63988" marR="63988" marT="0" marB="0" anchor="ctr">
-                    <a:noFill/>
-                  </a:tcPr>
-                </a:tc>
-              </a:tr>
-              <a:tr h="462397">
-                <a:tc>
-                  <a:txBody>
-                    <a:bodyPr/>
-                    <a:lstStyle/>
-                    <a:p>
-                      <a:pPr algn="ctr">
-                        <a:lnSpc>
-                          <a:spcPts val="1100"/>
-                        </a:lnSpc>
-                        <a:spcBef>
-                          <a:spcPts val="600"/>
-                        </a:spcBef>
-                        <a:spcAft>
-                          <a:spcPts val="300"/>
-                        </a:spcAft>
-                      </a:pPr>
-                      <a:endParaRPr lang="es-MX" sz="1100" b="1" dirty="0">
-                        <a:solidFill>
-                          <a:srgbClr val="008040"/>
-                        </a:solidFill>
-                        <a:effectLst/>
-                        <a:latin typeface="Arial Narrow" panose="020B0606020202030204" pitchFamily="34" charset="0"/>
-                        <a:ea typeface="Calibri"/>
-                        <a:cs typeface="Times New Roman"/>
-                      </a:endParaRPr>
-                    </a:p>
-                  </a:txBody>
-                  <a:tcPr marL="68580" marR="68580" marT="0" marB="0" anchor="ctr">
-                    <a:lnL w="3175" cap="flat" cmpd="sng" algn="ctr">
-                      <a:noFill/>
-                      <a:prstDash val="solid"/>
-                      <a:round/>
-                      <a:headEnd type="none" w="med" len="med"/>
-                      <a:tailEnd type="none" w="med" len="med"/>
-                    </a:lnL>
-                    <a:lnR w="6350" cap="flat" cmpd="sng" algn="ctr">
-                      <a:solidFill>
-                        <a:schemeClr val="bg1"/>
-                      </a:solidFill>
-                      <a:prstDash val="solid"/>
-                      <a:round/>
-                      <a:headEnd type="none" w="med" len="med"/>
-                      <a:tailEnd type="none" w="med" len="med"/>
-                    </a:lnR>
-                    <a:solidFill>
-                      <a:srgbClr val="C00000"/>
-                    </a:solidFill>
-                  </a:tcPr>
-                </a:tc>
-                <a:tc>
-                  <a:txBody>
-                    <a:bodyPr/>
-                    <a:lstStyle/>
-                    <a:p>
-                      <a:pPr marL="0" marR="0" indent="0" algn="l" defTabSz="457200" rtl="0" eaLnBrk="1" fontAlgn="auto" latinLnBrk="0" hangingPunct="1">
-                        <a:lnSpc>
-                          <a:spcPts val="1100"/>
-                        </a:lnSpc>
-                        <a:spcBef>
-                          <a:spcPts val="0"/>
-                        </a:spcBef>
-                        <a:spcAft>
-                          <a:spcPts val="0"/>
-                        </a:spcAft>
-                        <a:buClrTx/>
-                        <a:buSzTx/>
-                        <a:buFontTx/>
-                        <a:buNone/>
-                        <a:tabLst/>
-                        <a:defRPr/>
-                      </a:pPr>
-                      <a:r>
-                        <a:rPr lang="es-MX" sz="1400" b="1" dirty="0" smtClean="0">
-                          <a:solidFill>
-                            <a:schemeClr val="tx1">
-                              <a:lumMod val="75000"/>
-                              <a:lumOff val="25000"/>
-                            </a:schemeClr>
-                          </a:solidFill>
-                          <a:effectLst/>
-                          <a:latin typeface="Arial Narrow" panose="020B0606020202030204" pitchFamily="34" charset="0"/>
-                          <a:ea typeface="Calibri"/>
-                          <a:cs typeface="Arial"/>
-                        </a:rPr>
-                        <a:t>Secretaría de</a:t>
-                      </a:r>
-                      <a:r>
-                        <a:rPr lang="es-MX" sz="1400" b="1" baseline="0" dirty="0" smtClean="0">
-                          <a:solidFill>
-                            <a:schemeClr val="tx1">
-                              <a:lumMod val="75000"/>
-                              <a:lumOff val="25000"/>
-                            </a:schemeClr>
-                          </a:solidFill>
-                          <a:effectLst/>
-                          <a:latin typeface="Arial Narrow" panose="020B0606020202030204" pitchFamily="34" charset="0"/>
-                          <a:ea typeface="Calibri"/>
-                          <a:cs typeface="Arial"/>
-                        </a:rPr>
-                        <a:t> Gobernación</a:t>
-                      </a:r>
-                      <a:endParaRPr lang="es-MX" sz="1400" b="1" dirty="0" smtClean="0">
-                        <a:solidFill>
-                          <a:schemeClr val="tx1">
-                            <a:lumMod val="75000"/>
-                            <a:lumOff val="25000"/>
-                          </a:schemeClr>
-                        </a:solidFill>
-                        <a:effectLst/>
-                        <a:latin typeface="Arial Narrow" panose="020B0606020202030204" pitchFamily="34" charset="0"/>
-                        <a:ea typeface="Calibri"/>
-                        <a:cs typeface="Arial"/>
-                      </a:endParaRPr>
-                    </a:p>
-                  </a:txBody>
-                  <a:tcPr marL="68580" marR="68580" marT="0" marB="0" anchor="ctr">
-                    <a:lnL w="6350" cap="flat" cmpd="sng" algn="ctr">
-                      <a:solidFill>
-                        <a:schemeClr val="bg1"/>
-                      </a:solidFill>
-                      <a:prstDash val="solid"/>
-                      <a:round/>
-                      <a:headEnd type="none" w="med" len="med"/>
-                      <a:tailEnd type="none" w="med" len="med"/>
-                    </a:lnL>
-                    <a:lnR w="6350" cap="flat" cmpd="sng" algn="ctr">
-                      <a:solidFill>
-                        <a:schemeClr val="bg1"/>
-                      </a:solidFill>
-                      <a:prstDash val="solid"/>
-                      <a:round/>
-                      <a:headEnd type="none" w="med" len="med"/>
-                      <a:tailEnd type="none" w="med" len="med"/>
-                    </a:lnR>
-                    <a:solidFill>
-                      <a:srgbClr val="E4E4E4"/>
-                    </a:solidFill>
-                  </a:tcPr>
-                </a:tc>
-                <a:tc>
-                  <a:txBody>
-                    <a:bodyPr/>
-                    <a:lstStyle/>
-                    <a:p>
-                      <a:pPr marL="0" marR="0" indent="0" algn="ctr" defTabSz="457200" rtl="0" eaLnBrk="1" fontAlgn="auto" latinLnBrk="0" hangingPunct="1">
-                        <a:lnSpc>
-                          <a:spcPts val="1100"/>
-                        </a:lnSpc>
-                        <a:spcBef>
-                          <a:spcPts val="600"/>
-                        </a:spcBef>
-                        <a:spcAft>
-                          <a:spcPts val="300"/>
-                        </a:spcAft>
-                        <a:buClrTx/>
-                        <a:buSzTx/>
-                        <a:buFontTx/>
-                        <a:buNone/>
-                        <a:tabLst/>
-                        <a:defRPr/>
-                      </a:pPr>
-                      <a:endParaRPr lang="es-MX" sz="1100" b="1" dirty="0" smtClean="0">
-                        <a:solidFill>
-                          <a:srgbClr val="008040"/>
-                        </a:solidFill>
-                        <a:effectLst/>
-                        <a:latin typeface="Arial Narrow" panose="020B0606020202030204" pitchFamily="34" charset="0"/>
-                        <a:ea typeface="Calibri"/>
-                        <a:cs typeface="Times New Roman"/>
-                      </a:endParaRPr>
-                    </a:p>
-                  </a:txBody>
-                  <a:tcPr marL="68580" marR="68580" marT="0" marB="0" anchor="ctr">
-                    <a:lnL w="6350" cap="flat" cmpd="sng" algn="ctr">
-                      <a:solidFill>
-                        <a:schemeClr val="bg1"/>
-                      </a:solidFill>
-                      <a:prstDash val="solid"/>
-                      <a:round/>
-                      <a:headEnd type="none" w="med" len="med"/>
-                      <a:tailEnd type="none" w="med" len="med"/>
-                    </a:lnL>
-                    <a:lnR w="6350" cap="flat" cmpd="sng" algn="ctr">
-                      <a:solidFill>
-                        <a:schemeClr val="bg1"/>
-                      </a:solidFill>
-                      <a:prstDash val="solid"/>
-                      <a:round/>
-                      <a:headEnd type="none" w="med" len="med"/>
-                      <a:tailEnd type="none" w="med" len="med"/>
-                    </a:lnR>
-                    <a:noFill/>
-                  </a:tcPr>
-                </a:tc>
-              </a:tr>
-              <a:tr h="105511">
-                <a:tc gridSpan="2">
-                  <a:txBody>
-                    <a:bodyPr/>
-                    <a:lstStyle/>
-                    <a:p>
-                      <a:pPr algn="l">
-                        <a:lnSpc>
-                          <a:spcPct val="120000"/>
-                        </a:lnSpc>
-                        <a:spcAft>
-                          <a:spcPts val="0"/>
-                        </a:spcAft>
-                      </a:pPr>
-                      <a:endParaRPr lang="es-MX" sz="300" dirty="0">
-                        <a:solidFill>
-                          <a:srgbClr val="404040"/>
-                        </a:solidFill>
-                        <a:effectLst/>
-                        <a:latin typeface="Arial Narrow" panose="020B0606020202030204" pitchFamily="34" charset="0"/>
-                        <a:ea typeface="Calibri"/>
-                        <a:cs typeface="Times New Roman"/>
-                      </a:endParaRPr>
-                    </a:p>
-                  </a:txBody>
-                  <a:tcPr marL="41308" marR="41308" marT="0" marB="0" anchor="ctr">
-                    <a:lnB w="3175" cap="flat" cmpd="sng" algn="ctr">
-                      <a:solidFill>
-                        <a:schemeClr val="bg1">
-                          <a:lumMod val="85000"/>
-                        </a:schemeClr>
-                      </a:solidFill>
-                      <a:prstDash val="solid"/>
-                      <a:round/>
-                      <a:headEnd type="none" w="med" len="med"/>
-                      <a:tailEnd type="none" w="med" len="med"/>
-                    </a:lnB>
-                    <a:solidFill>
-                      <a:schemeClr val="bg1"/>
-                    </a:solidFill>
-                  </a:tcPr>
-                </a:tc>
-                <a:tc hMerge="1">
-                  <a:txBody>
-                    <a:bodyPr/>
-                    <a:lstStyle/>
-                    <a:p>
-                      <a:endParaRPr lang="es-MX"/>
-                    </a:p>
-                  </a:txBody>
-                  <a:tcPr/>
-                </a:tc>
-                <a:tc>
-                  <a:txBody>
-                    <a:bodyPr/>
-                    <a:lstStyle/>
-                    <a:p>
-                      <a:pPr algn="l">
-                        <a:lnSpc>
-                          <a:spcPct val="120000"/>
-                        </a:lnSpc>
-                        <a:spcAft>
-                          <a:spcPts val="0"/>
-                        </a:spcAft>
-                      </a:pPr>
-                      <a:endParaRPr lang="es-MX" sz="300" dirty="0">
-                        <a:solidFill>
-                          <a:srgbClr val="404040"/>
-                        </a:solidFill>
-                        <a:effectLst/>
-                        <a:latin typeface="Arial Narrow" panose="020B0606020202030204" pitchFamily="34" charset="0"/>
-                        <a:ea typeface="Calibri"/>
-                        <a:cs typeface="Times New Roman"/>
-                      </a:endParaRPr>
-                    </a:p>
-                  </a:txBody>
-                  <a:tcPr marL="41308" marR="41308" marT="0" marB="0" anchor="ctr">
-                    <a:lnB w="3175" cap="flat" cmpd="sng" algn="ctr">
-                      <a:solidFill>
-                        <a:schemeClr val="bg1">
-                          <a:lumMod val="85000"/>
-                        </a:schemeClr>
-                      </a:solidFill>
-                      <a:prstDash val="solid"/>
-                      <a:round/>
-                      <a:headEnd type="none" w="med" len="med"/>
-                      <a:tailEnd type="none" w="med" len="med"/>
-                    </a:lnB>
-                    <a:solidFill>
-                      <a:schemeClr val="bg1"/>
-                    </a:solidFill>
-                  </a:tcPr>
-                </a:tc>
-              </a:tr>
-              <a:tr h="4611581">
-                <a:tc gridSpan="3">
-                  <a:txBody>
-                    <a:bodyPr/>
-                    <a:lstStyle/>
-                    <a:p>
-                      <a:pPr marL="0" marR="0" indent="0" algn="l" defTabSz="457200" rtl="0" eaLnBrk="1" fontAlgn="auto" latinLnBrk="0" hangingPunct="1">
-                        <a:lnSpc>
-                          <a:spcPct val="120000"/>
-                        </a:lnSpc>
-                        <a:spcBef>
-                          <a:spcPts val="0"/>
-                        </a:spcBef>
-                        <a:spcAft>
-                          <a:spcPts val="0"/>
-                        </a:spcAft>
-                        <a:buClr>
-                          <a:srgbClr val="008040"/>
-                        </a:buClr>
-                        <a:buSzTx/>
-                        <a:buFont typeface="Wingdings" panose="05000000000000000000" pitchFamily="2" charset="2"/>
-                        <a:buNone/>
-                        <a:tabLst/>
-                        <a:defRPr/>
-                      </a:pPr>
-                      <a:endParaRPr lang="es-MX" sz="1400" dirty="0" smtClean="0">
-                        <a:solidFill>
-                          <a:schemeClr val="tx1">
-                            <a:lumMod val="75000"/>
-                            <a:lumOff val="25000"/>
-                          </a:schemeClr>
-                        </a:solidFill>
-                        <a:effectLst/>
-                        <a:latin typeface="Arial Narrow" panose="020B0606020202030204" pitchFamily="34" charset="0"/>
-                        <a:ea typeface="Calibri"/>
-                        <a:cs typeface="Arial"/>
-                      </a:endParaRPr>
-                    </a:p>
-                  </a:txBody>
-                  <a:tcPr marL="68580" marR="68580" marT="0" marB="0">
-                    <a:lnL w="12700" cmpd="sng">
-                      <a:noFill/>
-                    </a:lnL>
-                    <a:lnR w="76200" cap="flat" cmpd="sng" algn="ctr">
-                      <a:noFill/>
-                      <a:prstDash val="solid"/>
-                      <a:round/>
-                      <a:headEnd type="none" w="med" len="med"/>
-                      <a:tailEnd type="none" w="med" len="med"/>
-                    </a:lnR>
-                    <a:lnT w="3175" cap="flat" cmpd="sng" algn="ctr">
-                      <a:solidFill>
-                        <a:schemeClr val="bg1">
-                          <a:lumMod val="85000"/>
-                        </a:schemeClr>
-                      </a:solidFill>
-                      <a:prstDash val="solid"/>
-                      <a:round/>
-                      <a:headEnd type="none" w="med" len="med"/>
-                      <a:tailEnd type="none" w="med" len="med"/>
-                    </a:lnT>
-                    <a:lnB w="6350" cap="flat" cmpd="sng" algn="ctr">
-                      <a:noFill/>
-                      <a:prstDash val="solid"/>
-                      <a:round/>
-                      <a:headEnd type="none" w="med" len="med"/>
-                      <a:tailEnd type="none" w="med" len="med"/>
-                    </a:lnB>
-                    <a:lnTlToBr w="12700" cmpd="sng">
-                      <a:noFill/>
-                      <a:prstDash val="solid"/>
-                    </a:lnTlToBr>
-                    <a:lnBlToTr w="12700" cmpd="sng">
-                      <a:noFill/>
-                      <a:prstDash val="solid"/>
-                    </a:lnBlToTr>
-                    <a:noFill/>
-                  </a:tcPr>
-                </a:tc>
-                <a:tc hMerge="1">
-                  <a:txBody>
-                    <a:bodyPr/>
-                    <a:lstStyle/>
-                    <a:p>
-                      <a:endParaRPr lang="es-MX"/>
-                    </a:p>
-                  </a:txBody>
-                  <a:tcPr/>
-                </a:tc>
-                <a:tc hMerge="1">
-                  <a:txBody>
-                    <a:bodyPr/>
-                    <a:lstStyle/>
-                    <a:p>
-                      <a:pPr marL="0" indent="0" algn="l">
-                        <a:lnSpc>
-                          <a:spcPct val="120000"/>
-                        </a:lnSpc>
-                        <a:spcAft>
-                          <a:spcPts val="0"/>
-                        </a:spcAft>
-                        <a:buClr>
-                          <a:srgbClr val="008040"/>
-                        </a:buClr>
-                        <a:buFont typeface="Wingdings" panose="05000000000000000000" pitchFamily="2" charset="2"/>
-                        <a:buNone/>
-                      </a:pPr>
-                      <a:endParaRPr lang="es-MX" sz="1100" b="1" dirty="0">
-                        <a:solidFill>
-                          <a:schemeClr val="tx1">
-                            <a:lumMod val="75000"/>
-                            <a:lumOff val="25000"/>
-                          </a:schemeClr>
-                        </a:solidFill>
-                        <a:effectLst/>
-                        <a:latin typeface="Arial Narrow" panose="020B0606020202030204" pitchFamily="34" charset="0"/>
-                        <a:ea typeface="Calibri"/>
-                        <a:cs typeface="Times New Roman"/>
-                      </a:endParaRPr>
-                    </a:p>
-                  </a:txBody>
-                  <a:tcPr marL="68580" marR="68580" marT="0" marB="0">
-                    <a:lnL w="12700" cmpd="sng">
-                      <a:noFill/>
-                    </a:lnL>
-                    <a:lnR w="76200" cap="flat" cmpd="sng" algn="ctr">
-                      <a:noFill/>
-                      <a:prstDash val="solid"/>
-                      <a:round/>
-                      <a:headEnd type="none" w="med" len="med"/>
-                      <a:tailEnd type="none" w="med" len="med"/>
-                    </a:lnR>
-                    <a:lnT w="3175" cap="flat" cmpd="sng" algn="ctr">
-                      <a:solidFill>
-                        <a:srgbClr val="008040"/>
-                      </a:solidFill>
-                      <a:prstDash val="solid"/>
-                      <a:round/>
-                      <a:headEnd type="none" w="med" len="med"/>
-                      <a:tailEnd type="none" w="med" len="med"/>
-                    </a:lnT>
-                    <a:lnB w="6350" cap="flat" cmpd="sng" algn="ctr">
-                      <a:noFill/>
-                      <a:prstDash val="solid"/>
-                      <a:round/>
-                      <a:headEnd type="none" w="med" len="med"/>
-                      <a:tailEnd type="none" w="med" len="med"/>
-                    </a:lnB>
-                    <a:lnTlToBr w="12700" cmpd="sng">
-                      <a:noFill/>
-                      <a:prstDash val="solid"/>
-                    </a:lnTlToBr>
-                    <a:lnBlToTr w="12700" cmpd="sng">
-                      <a:noFill/>
-                      <a:prstDash val="solid"/>
-                    </a:lnBlToTr>
-                    <a:noFill/>
-                  </a:tcPr>
-                </a:tc>
-              </a:tr>
-            </a:tbl>
-          </a:graphicData>
-        </a:graphic>
-      </p:graphicFrame>
-      <p:pic>
-        <p:nvPicPr>
-          <p:cNvPr id="5" name="3 Marcador de contenido"/>
-          <p:cNvPicPr>
-            <a:picLocks noChangeAspect="1"/>
-          </p:cNvPicPr>
-          <p:nvPr/>
-        </p:nvPicPr>
-        <p:blipFill>
-          <a:blip r:embed="rId2" cstate="print">
-            <a:extLst>
-              <a:ext uri="{28A0092B-C50C-407E-A947-70E740481C1C}">
-                <a14:useLocalDpi xmlns:a14="http://schemas.microsoft.com/office/drawing/2010/main" val="0"/>
-              </a:ext>
-            </a:extLst>
-          </a:blip>
-          <a:stretch>
-            <a:fillRect/>
-          </a:stretch>
-        </p:blipFill>
-        <p:spPr>
-          <a:xfrm>
-            <a:off x="313896" y="1589268"/>
-            <a:ext cx="347901" cy="382770"/>
-          </a:xfrm>
-          <a:prstGeom prst="rect">
-            <a:avLst/>
-          </a:prstGeom>
-          <a:solidFill>
-            <a:srgbClr val="C00000"/>
-          </a:solidFill>
-        </p:spPr>
-      </p:pic>
-      <p:pic>
-        <p:nvPicPr>
-          <p:cNvPr id="7" name="6 Imagen">
-            <a:hlinkClick r:id="rId3" action="ppaction://hlinkpres?slideindex=2&amp;slidetitle=Obras Concluidas por Sector"/>
-          </p:cNvPr>
-          <p:cNvPicPr>
-            <a:picLocks noChangeAspect="1"/>
-          </p:cNvPicPr>
-          <p:nvPr/>
-        </p:nvPicPr>
-        <p:blipFill>
-          <a:blip r:embed="rId4">
-            <a:extLst>
-              <a:ext uri="{28A0092B-C50C-407E-A947-70E740481C1C}">
-                <a14:useLocalDpi xmlns:a14="http://schemas.microsoft.com/office/drawing/2010/main" val="0"/>
-              </a:ext>
-            </a:extLst>
-          </a:blip>
-          <a:stretch>
-            <a:fillRect/>
-          </a:stretch>
-        </p:blipFill>
-        <p:spPr>
-          <a:xfrm>
-            <a:off x="8822656" y="6475642"/>
-            <a:ext cx="234000" cy="303946"/>
-          </a:xfrm>
-          <a:prstGeom prst="rect">
-            <a:avLst/>
-          </a:prstGeom>
-        </p:spPr>
-      </p:pic>
-    </p:spTree>
-    <p:extLst>
-      <p:ext uri="{BB962C8B-B14F-4D97-AF65-F5344CB8AC3E}">
-        <p14:creationId xmlns:p14="http://schemas.microsoft.com/office/powerpoint/2010/main" val="3656640534"/>
-      </p:ext>
-    </p:extLst>
-  </p:cSld>
-  <p:clrMapOvr>
-    <a:masterClrMapping/>
-  </p:clrMapOvr>
-  <p:timing>
-    <p:tnLst>
-      <p:par>
-        <p:cTn id="1" dur="indefinite" restart="never" nodeType="tmRoot"/>
-      </p:par>
-    </p:tnLst>
-  </p:timing>
-</p:sld>
-</file>
-
-<file path=ppt/slides/slide20.xml><?xml version="1.0" encoding="utf-8"?>
+<file path=ppt/slides/slide22.xml><?xml version="1.0" encoding="utf-8"?>
 <p:sld xmlns:a="http://schemas.openxmlformats.org/drawingml/2006/main" xmlns:r="http://schemas.openxmlformats.org/officeDocument/2006/relationships" xmlns:p="http://schemas.openxmlformats.org/presentationml/2006/main">
   <p:cSld>
     <p:spTree>
@@ -17594,7 +19868,7 @@
 </p:sld>
 </file>
 
-<file path=ppt/slides/slide21.xml><?xml version="1.0" encoding="utf-8"?>
+<file path=ppt/slides/slide23.xml><?xml version="1.0" encoding="utf-8"?>
 <p:sld xmlns:a="http://schemas.openxmlformats.org/drawingml/2006/main" xmlns:r="http://schemas.openxmlformats.org/officeDocument/2006/relationships" xmlns:p="http://schemas.openxmlformats.org/presentationml/2006/main">
   <p:cSld>
     <p:spTree>
@@ -18767,7 +21041,7 @@
               <a:defRPr sz="1400"/>
             </a:pPr>
             <a:r>
-              <a:t>37</a:t>
+              <a:t>29</a:t>
             </a:r>
             <a:endParaRPr lang="es-MX" dirty="0">
               <a:latin typeface="Arial Narrow" panose="020B0606020202030204" pitchFamily="34" charset="0"/>
@@ -18801,7 +21075,7 @@
               <a:defRPr sz="1400"/>
             </a:pPr>
             <a:r>
-              <a:t>$ 6,655.86</a:t>
+              <a:t>$ 2,133.56</a:t>
             </a:r>
             <a:endParaRPr lang="es-MX" dirty="0">
               <a:latin typeface="Arial Narrow" panose="020B0606020202030204" pitchFamily="34" charset="0"/>
@@ -18835,7 +21109,7 @@
               <a:defRPr sz="1400"/>
             </a:pPr>
             <a:r>
-              <a:t>135</a:t>
+              <a:t>124</a:t>
             </a:r>
             <a:endParaRPr lang="es-MX" dirty="0">
               <a:latin typeface="Arial Narrow" panose="020B0606020202030204" pitchFamily="34" charset="0"/>
@@ -18869,7 +21143,7 @@
               <a:defRPr sz="1400"/>
             </a:pPr>
             <a:r>
-              <a:t>$ 33,564.46</a:t>
+              <a:t>$ 81,698.27</a:t>
             </a:r>
             <a:endParaRPr lang="es-MX" dirty="0">
               <a:latin typeface="Arial Narrow" panose="020B0606020202030204" pitchFamily="34" charset="0"/>
@@ -18903,7 +21177,7 @@
               <a:defRPr sz="1400"/>
             </a:pPr>
             <a:r>
-              <a:t>97</a:t>
+              <a:t>79</a:t>
             </a:r>
             <a:endParaRPr lang="es-MX" b="1" dirty="0">
               <a:latin typeface="Arial Narrow" panose="020B0606020202030204" pitchFamily="34" charset="0"/>
@@ -18937,7 +21211,7 @@
               <a:defRPr sz="1400"/>
             </a:pPr>
             <a:r>
-              <a:t>$ 26,901.00</a:t>
+              <a:t>$ 79,331.77</a:t>
             </a:r>
             <a:endParaRPr lang="es-MX" b="1" dirty="0">
               <a:latin typeface="Arial Narrow" panose="020B0606020202030204" pitchFamily="34" charset="0"/>
@@ -18971,7 +21245,7 @@
               <a:defRPr sz="1400"/>
             </a:pPr>
             <a:r>
-              <a:t>1</a:t>
+              <a:t>16</a:t>
             </a:r>
             <a:endParaRPr lang="es-MX" dirty="0">
               <a:latin typeface="Arial Narrow" panose="020B0606020202030204" pitchFamily="34" charset="0"/>
@@ -19005,7 +21279,7 @@
               <a:defRPr sz="1400"/>
             </a:pPr>
             <a:r>
-              <a:t>$ 7.60</a:t>
+              <a:t>$ 232.94</a:t>
             </a:r>
             <a:endParaRPr lang="es-MX" dirty="0">
               <a:latin typeface="Arial Narrow" panose="020B0606020202030204" pitchFamily="34" charset="0"/>
@@ -19033,7 +21307,7 @@
 </p:sld>
 </file>
 
-<file path=ppt/slides/slide22.xml><?xml version="1.0" encoding="utf-8"?>
+<file path=ppt/slides/slide24.xml><?xml version="1.0" encoding="utf-8"?>
 <p:sld xmlns:a="http://schemas.openxmlformats.org/drawingml/2006/main" xmlns:r="http://schemas.openxmlformats.org/officeDocument/2006/relationships" xmlns:p="http://schemas.openxmlformats.org/presentationml/2006/main">
   <p:cSld>
     <p:spTree>
@@ -19686,7 +21960,7 @@
 </p:sld>
 </file>
 
-<file path=ppt/slides/slide23.xml><?xml version="1.0" encoding="utf-8"?>
+<file path=ppt/slides/slide25.xml><?xml version="1.0" encoding="utf-8"?>
 <p:sld xmlns:a="http://schemas.openxmlformats.org/drawingml/2006/main" xmlns:r="http://schemas.openxmlformats.org/officeDocument/2006/relationships" xmlns:p="http://schemas.openxmlformats.org/presentationml/2006/main">
   <p:cSld>
     <p:spTree>
@@ -20863,7 +23137,7 @@
               <a:defRPr sz="1400"/>
             </a:pPr>
             <a:r>
-              <a:t>47</a:t>
+              <a:t>12</a:t>
             </a:r>
             <a:endParaRPr lang="es-MX" dirty="0">
               <a:latin typeface="Arial Narrow" panose="020B0606020202030204" pitchFamily="34" charset="0"/>
@@ -20897,7 +23171,7 @@
               <a:defRPr sz="1400"/>
             </a:pPr>
             <a:r>
-              <a:t>$ 78.83</a:t>
+              <a:t>$ 146.66</a:t>
             </a:r>
             <a:endParaRPr lang="es-MX" dirty="0">
               <a:latin typeface="Arial Narrow" panose="020B0606020202030204" pitchFamily="34" charset="0"/>
@@ -20931,7 +23205,7 @@
               <a:defRPr sz="1400"/>
             </a:pPr>
             <a:r>
-              <a:t>70</a:t>
+              <a:t>59</a:t>
             </a:r>
             <a:endParaRPr lang="es-MX" dirty="0">
               <a:latin typeface="Arial Narrow" panose="020B0606020202030204" pitchFamily="34" charset="0"/>
@@ -20965,7 +23239,7 @@
               <a:defRPr sz="1400"/>
             </a:pPr>
             <a:r>
-              <a:t>$ 3,352.52</a:t>
+              <a:t>$ 5,520.89</a:t>
             </a:r>
             <a:endParaRPr lang="es-MX" dirty="0">
               <a:latin typeface="Arial Narrow" panose="020B0606020202030204" pitchFamily="34" charset="0"/>
@@ -20999,7 +23273,7 @@
               <a:defRPr sz="1400"/>
             </a:pPr>
             <a:r>
-              <a:t>15</a:t>
+              <a:t>33</a:t>
             </a:r>
             <a:endParaRPr lang="es-MX" b="1" dirty="0">
               <a:latin typeface="Arial Narrow" panose="020B0606020202030204" pitchFamily="34" charset="0"/>
@@ -21033,7 +23307,7 @@
               <a:defRPr sz="1400"/>
             </a:pPr>
             <a:r>
-              <a:t>$ 3,208.28</a:t>
+              <a:t>$ 5,046.65</a:t>
             </a:r>
             <a:endParaRPr lang="es-MX" b="1" dirty="0">
               <a:latin typeface="Arial Narrow" panose="020B0606020202030204" pitchFamily="34" charset="0"/>
@@ -21067,7 +23341,7 @@
               <a:defRPr sz="1400"/>
             </a:pPr>
             <a:r>
-              <a:t>8</a:t>
+              <a:t>14</a:t>
             </a:r>
             <a:endParaRPr lang="es-MX" dirty="0">
               <a:latin typeface="Arial Narrow" panose="020B0606020202030204" pitchFamily="34" charset="0"/>
@@ -21101,7 +23375,7 @@
               <a:defRPr sz="1400"/>
             </a:pPr>
             <a:r>
-              <a:t>$ 65.41</a:t>
+              <a:t>$ 327.58</a:t>
             </a:r>
             <a:endParaRPr lang="es-MX" dirty="0">
               <a:latin typeface="Arial Narrow" panose="020B0606020202030204" pitchFamily="34" charset="0"/>
@@ -21129,7 +23403,7 @@
 </p:sld>
 </file>
 
-<file path=ppt/slides/slide24.xml><?xml version="1.0" encoding="utf-8"?>
+<file path=ppt/slides/slide26.xml><?xml version="1.0" encoding="utf-8"?>
 <p:sld xmlns:a="http://schemas.openxmlformats.org/drawingml/2006/main" xmlns:r="http://schemas.openxmlformats.org/officeDocument/2006/relationships" xmlns:p="http://schemas.openxmlformats.org/presentationml/2006/main">
   <p:cSld>
     <p:spTree>
@@ -21817,7 +24091,7 @@
 </p:sld>
 </file>
 
-<file path=ppt/slides/slide25.xml><?xml version="1.0" encoding="utf-8"?>
+<file path=ppt/slides/slide27.xml><?xml version="1.0" encoding="utf-8"?>
 <p:sld xmlns:a="http://schemas.openxmlformats.org/drawingml/2006/main" xmlns:r="http://schemas.openxmlformats.org/officeDocument/2006/relationships" xmlns:p="http://schemas.openxmlformats.org/presentationml/2006/main">
   <p:cSld>
     <p:spTree>
@@ -22995,7 +25269,7 @@
               <a:defRPr sz="1400"/>
             </a:pPr>
             <a:r>
-              <a:t>30</a:t>
+              <a:t>7</a:t>
             </a:r>
             <a:endParaRPr lang="es-MX" dirty="0">
               <a:latin typeface="Arial Narrow" panose="020B0606020202030204" pitchFamily="34" charset="0"/>
@@ -23029,7 +25303,7 @@
               <a:defRPr sz="1400"/>
             </a:pPr>
             <a:r>
-              <a:t>$ 582.07</a:t>
+              <a:t>$ 209.63</a:t>
             </a:r>
             <a:endParaRPr lang="es-MX" dirty="0">
               <a:latin typeface="Arial Narrow" panose="020B0606020202030204" pitchFamily="34" charset="0"/>
@@ -23063,7 +25337,7 @@
               <a:defRPr sz="1400"/>
             </a:pPr>
             <a:r>
-              <a:t>82</a:t>
+              <a:t>60</a:t>
             </a:r>
             <a:endParaRPr lang="es-MX" dirty="0">
               <a:latin typeface="Arial Narrow" panose="020B0606020202030204" pitchFamily="34" charset="0"/>
@@ -23097,7 +25371,7 @@
               <a:defRPr sz="1400"/>
             </a:pPr>
             <a:r>
-              <a:t>$ 4,774.35</a:t>
+              <a:t>$ 3,110.83</a:t>
             </a:r>
             <a:endParaRPr lang="es-MX" dirty="0">
               <a:latin typeface="Arial Narrow" panose="020B0606020202030204" pitchFamily="34" charset="0"/>
@@ -23131,7 +25405,7 @@
               <a:defRPr sz="1400"/>
             </a:pPr>
             <a:r>
-              <a:t>44</a:t>
+              <a:t>27</a:t>
             </a:r>
             <a:endParaRPr lang="es-MX" b="1" dirty="0">
               <a:latin typeface="Arial Narrow" panose="020B0606020202030204" pitchFamily="34" charset="0"/>
@@ -23165,7 +25439,7 @@
               <a:defRPr sz="1400"/>
             </a:pPr>
             <a:r>
-              <a:t>$ 2,754.19</a:t>
+              <a:t>$ 2,363.20</a:t>
             </a:r>
             <a:endParaRPr lang="es-MX" b="1" dirty="0">
               <a:latin typeface="Arial Narrow" panose="020B0606020202030204" pitchFamily="34" charset="0"/>
@@ -23199,7 +25473,7 @@
               <a:defRPr sz="1400"/>
             </a:pPr>
             <a:r>
-              <a:t>8</a:t>
+              <a:t>26</a:t>
             </a:r>
             <a:endParaRPr lang="es-MX" dirty="0">
               <a:latin typeface="Arial Narrow" panose="020B0606020202030204" pitchFamily="34" charset="0"/>
@@ -23233,7 +25507,7 @@
               <a:defRPr sz="1400"/>
             </a:pPr>
             <a:r>
-              <a:t>$ 1,438.09</a:t>
+              <a:t>$ 538.00</a:t>
             </a:r>
             <a:endParaRPr lang="es-MX" dirty="0">
               <a:latin typeface="Arial Narrow" panose="020B0606020202030204" pitchFamily="34" charset="0"/>
@@ -23261,7 +25535,7 @@
 </p:sld>
 </file>
 
-<file path=ppt/slides/slide26.xml><?xml version="1.0" encoding="utf-8"?>
+<file path=ppt/slides/slide28.xml><?xml version="1.0" encoding="utf-8"?>
 <p:sld xmlns:a="http://schemas.openxmlformats.org/drawingml/2006/main" xmlns:r="http://schemas.openxmlformats.org/officeDocument/2006/relationships" xmlns:p="http://schemas.openxmlformats.org/presentationml/2006/main">
   <p:cSld>
     <p:spTree>
@@ -23931,7 +26205,7 @@
 </p:sld>
 </file>
 
-<file path=ppt/slides/slide27.xml><?xml version="1.0" encoding="utf-8"?>
+<file path=ppt/slides/slide29.xml><?xml version="1.0" encoding="utf-8"?>
 <p:sld xmlns:a="http://schemas.openxmlformats.org/drawingml/2006/main" xmlns:r="http://schemas.openxmlformats.org/officeDocument/2006/relationships" xmlns:p="http://schemas.openxmlformats.org/presentationml/2006/main">
   <p:cSld>
     <p:spTree>
@@ -25142,7 +27416,7 @@
               <a:defRPr sz="1400"/>
             </a:pPr>
             <a:r>
-              <a:t>3</a:t>
+              <a:t>2</a:t>
             </a:r>
             <a:endParaRPr lang="es-MX" dirty="0">
               <a:latin typeface="Arial Narrow" panose="020B0606020202030204" pitchFamily="34" charset="0"/>
@@ -25176,7 +27450,7 @@
               <a:defRPr sz="1400"/>
             </a:pPr>
             <a:r>
-              <a:t>$ 422.25</a:t>
+              <a:t>$ 488.53</a:t>
             </a:r>
             <a:endParaRPr lang="es-MX" dirty="0">
               <a:latin typeface="Arial Narrow" panose="020B0606020202030204" pitchFamily="34" charset="0"/>
@@ -25210,7 +27484,7 @@
               <a:defRPr sz="1400"/>
             </a:pPr>
             <a:r>
-              <a:t>14</a:t>
+              <a:t>157</a:t>
             </a:r>
             <a:endParaRPr lang="es-MX" dirty="0">
               <a:latin typeface="Arial Narrow" panose="020B0606020202030204" pitchFamily="34" charset="0"/>
@@ -25244,7 +27518,7 @@
               <a:defRPr sz="1400"/>
             </a:pPr>
             <a:r>
-              <a:t>$ 12,632.95</a:t>
+              <a:t>$ 30,454.47</a:t>
             </a:r>
             <a:endParaRPr lang="es-MX" dirty="0">
               <a:latin typeface="Arial Narrow" panose="020B0606020202030204" pitchFamily="34" charset="0"/>
@@ -25278,7 +27552,7 @@
               <a:defRPr sz="1400"/>
             </a:pPr>
             <a:r>
-              <a:t>9</a:t>
+              <a:t>148</a:t>
             </a:r>
             <a:endParaRPr lang="es-MX" b="1" dirty="0">
               <a:latin typeface="Arial Narrow" panose="020B0606020202030204" pitchFamily="34" charset="0"/>
@@ -25312,7 +27586,7 @@
               <a:defRPr sz="1400"/>
             </a:pPr>
             <a:r>
-              <a:t>$ 12,192.00</a:t>
+              <a:t>$ 28,118.99</a:t>
             </a:r>
             <a:endParaRPr lang="es-MX" b="1" dirty="0">
               <a:latin typeface="Arial Narrow" panose="020B0606020202030204" pitchFamily="34" charset="0"/>
@@ -25346,7 +27620,7 @@
               <a:defRPr sz="1400"/>
             </a:pPr>
             <a:r>
-              <a:t>2</a:t>
+              <a:t>7</a:t>
             </a:r>
             <a:endParaRPr lang="es-MX" dirty="0">
               <a:latin typeface="Arial Narrow" panose="020B0606020202030204" pitchFamily="34" charset="0"/>
@@ -25380,7 +27654,7 @@
               <a:defRPr sz="1400"/>
             </a:pPr>
             <a:r>
-              <a:t>$ 18.70</a:t>
+              <a:t>$ 1,846.95</a:t>
             </a:r>
             <a:endParaRPr lang="es-MX" dirty="0">
               <a:latin typeface="Arial Narrow" panose="020B0606020202030204" pitchFamily="34" charset="0"/>
@@ -25408,7 +27682,1475 @@
 </p:sld>
 </file>
 
-<file path=ppt/slides/slide28.xml><?xml version="1.0" encoding="utf-8"?>
+<file path=ppt/slides/slide3.xml><?xml version="1.0" encoding="utf-8"?>
+<p:sld xmlns:a="http://schemas.openxmlformats.org/drawingml/2006/main" xmlns:r="http://schemas.openxmlformats.org/officeDocument/2006/relationships" xmlns:p="http://schemas.openxmlformats.org/presentationml/2006/main">
+  <p:cSld>
+    <p:spTree>
+      <p:nvGrpSpPr>
+        <p:cNvPr id="1" name=""/>
+        <p:cNvGrpSpPr/>
+        <p:nvPr/>
+      </p:nvGrpSpPr>
+      <p:grpSpPr>
+        <a:xfrm>
+          <a:off x="0" y="0"/>
+          <a:ext cx="0" cy="0"/>
+          <a:chOff x="0" y="0"/>
+          <a:chExt cx="0" cy="0"/>
+        </a:xfrm>
+      </p:grpSpPr>
+      <p:graphicFrame>
+        <p:nvGraphicFramePr>
+          <p:cNvPr id="4" name="3 Tabla"/>
+          <p:cNvGraphicFramePr>
+            <a:graphicFrameLocks noGrp="1"/>
+          </p:cNvGraphicFramePr>
+          <p:nvPr>
+            <p:extLst>
+              <p:ext uri="{D42A27DB-BD31-4B8C-83A1-F6EECF244321}">
+                <p14:modId xmlns:p14="http://schemas.microsoft.com/office/powerpoint/2010/main" val="4160823286"/>
+              </p:ext>
+            </p:extLst>
+          </p:nvPr>
+        </p:nvGraphicFramePr>
+        <p:xfrm>
+          <a:off x="272955" y="1394275"/>
+          <a:ext cx="8707272" cy="5279481"/>
+        </p:xfrm>
+        <a:graphic>
+          <a:graphicData uri="http://schemas.openxmlformats.org/drawingml/2006/table">
+            <a:tbl>
+              <a:tblPr firstRow="1" bandRow="1">
+                <a:tableStyleId>{5C22544A-7EE6-4342-B048-85BDC9FD1C3A}</a:tableStyleId>
+              </a:tblPr>
+              <a:tblGrid>
+                <a:gridCol w="498046"/>
+                <a:gridCol w="2399985"/>
+                <a:gridCol w="5809241"/>
+              </a:tblGrid>
+              <a:tr h="139851">
+                <a:tc gridSpan="2">
+                  <a:txBody>
+                    <a:bodyPr/>
+                    <a:lstStyle/>
+                    <a:p>
+                      <a:pPr algn="ctr">
+                        <a:lnSpc>
+                          <a:spcPts val="900"/>
+                        </a:lnSpc>
+                        <a:spcBef>
+                          <a:spcPts val="600"/>
+                        </a:spcBef>
+                        <a:spcAft>
+                          <a:spcPts val="300"/>
+                        </a:spcAft>
+                      </a:pPr>
+                      <a:endParaRPr lang="es-MX" sz="900" dirty="0">
+                        <a:solidFill>
+                          <a:srgbClr val="008040"/>
+                        </a:solidFill>
+                        <a:effectLst/>
+                        <a:latin typeface="Arial Narrow" panose="020B0606020202030204" pitchFamily="34" charset="0"/>
+                        <a:ea typeface="Calibri"/>
+                        <a:cs typeface="Times New Roman"/>
+                      </a:endParaRPr>
+                    </a:p>
+                  </a:txBody>
+                  <a:tcPr marL="63988" marR="63988" marT="0" marB="0" anchor="ctr">
+                    <a:solidFill>
+                      <a:schemeClr val="bg1">
+                        <a:lumMod val="95000"/>
+                      </a:schemeClr>
+                    </a:solidFill>
+                  </a:tcPr>
+                </a:tc>
+                <a:tc hMerge="1">
+                  <a:txBody>
+                    <a:bodyPr/>
+                    <a:lstStyle/>
+                    <a:p>
+                      <a:endParaRPr lang="es-MX"/>
+                    </a:p>
+                  </a:txBody>
+                  <a:tcPr/>
+                </a:tc>
+                <a:tc>
+                  <a:txBody>
+                    <a:bodyPr/>
+                    <a:lstStyle/>
+                    <a:p>
+                      <a:pPr algn="ctr">
+                        <a:lnSpc>
+                          <a:spcPts val="900"/>
+                        </a:lnSpc>
+                        <a:spcBef>
+                          <a:spcPts val="600"/>
+                        </a:spcBef>
+                        <a:spcAft>
+                          <a:spcPts val="300"/>
+                        </a:spcAft>
+                      </a:pPr>
+                      <a:endParaRPr lang="es-MX" sz="900" dirty="0">
+                        <a:solidFill>
+                          <a:srgbClr val="008040"/>
+                        </a:solidFill>
+                        <a:effectLst/>
+                        <a:latin typeface="Arial Narrow" panose="020B0606020202030204" pitchFamily="34" charset="0"/>
+                        <a:ea typeface="Calibri"/>
+                        <a:cs typeface="Times New Roman"/>
+                      </a:endParaRPr>
+                    </a:p>
+                  </a:txBody>
+                  <a:tcPr marL="63988" marR="63988" marT="0" marB="0" anchor="ctr">
+                    <a:noFill/>
+                  </a:tcPr>
+                </a:tc>
+              </a:tr>
+              <a:tr h="458839">
+                <a:tc>
+                  <a:txBody>
+                    <a:bodyPr/>
+                    <a:lstStyle/>
+                    <a:p>
+                      <a:pPr algn="ctr">
+                        <a:lnSpc>
+                          <a:spcPts val="1100"/>
+                        </a:lnSpc>
+                        <a:spcBef>
+                          <a:spcPts val="600"/>
+                        </a:spcBef>
+                        <a:spcAft>
+                          <a:spcPts val="300"/>
+                        </a:spcAft>
+                      </a:pPr>
+                      <a:endParaRPr lang="es-MX" sz="1100" b="1" dirty="0">
+                        <a:solidFill>
+                          <a:srgbClr val="008040"/>
+                        </a:solidFill>
+                        <a:effectLst/>
+                        <a:latin typeface="Arial Narrow" panose="020B0606020202030204" pitchFamily="34" charset="0"/>
+                        <a:ea typeface="Calibri"/>
+                        <a:cs typeface="Times New Roman"/>
+                      </a:endParaRPr>
+                    </a:p>
+                  </a:txBody>
+                  <a:tcPr marL="68580" marR="68580" marT="0" marB="0" anchor="ctr">
+                    <a:lnL w="3175" cap="flat" cmpd="sng" algn="ctr">
+                      <a:noFill/>
+                      <a:prstDash val="solid"/>
+                      <a:round/>
+                      <a:headEnd type="none" w="med" len="med"/>
+                      <a:tailEnd type="none" w="med" len="med"/>
+                    </a:lnL>
+                    <a:lnR w="6350" cap="flat" cmpd="sng" algn="ctr">
+                      <a:solidFill>
+                        <a:schemeClr val="bg1"/>
+                      </a:solidFill>
+                      <a:prstDash val="solid"/>
+                      <a:round/>
+                      <a:headEnd type="none" w="med" len="med"/>
+                      <a:tailEnd type="none" w="med" len="med"/>
+                    </a:lnR>
+                    <a:solidFill>
+                      <a:srgbClr val="D60093"/>
+                    </a:solidFill>
+                  </a:tcPr>
+                </a:tc>
+                <a:tc>
+                  <a:txBody>
+                    <a:bodyPr/>
+                    <a:lstStyle/>
+                    <a:p>
+                      <a:pPr marL="0" marR="0" indent="0" algn="l" defTabSz="457200" rtl="0" eaLnBrk="1" fontAlgn="auto" latinLnBrk="0" hangingPunct="1">
+                        <a:lnSpc>
+                          <a:spcPts val="1100"/>
+                        </a:lnSpc>
+                        <a:spcBef>
+                          <a:spcPts val="0"/>
+                        </a:spcBef>
+                        <a:spcAft>
+                          <a:spcPts val="0"/>
+                        </a:spcAft>
+                        <a:buClrTx/>
+                        <a:buSzTx/>
+                        <a:buFontTx/>
+                        <a:buNone/>
+                        <a:tabLst/>
+                        <a:defRPr/>
+                      </a:pPr>
+                      <a:r>
+                        <a:rPr lang="es-MX" sz="1400" b="1" dirty="0" smtClean="0">
+                          <a:solidFill>
+                            <a:schemeClr val="tx1">
+                              <a:lumMod val="75000"/>
+                              <a:lumOff val="25000"/>
+                            </a:schemeClr>
+                          </a:solidFill>
+                          <a:effectLst/>
+                          <a:latin typeface="Arial Narrow" panose="020B0606020202030204" pitchFamily="34" charset="0"/>
+                          <a:ea typeface="Calibri"/>
+                          <a:cs typeface="Arial"/>
+                        </a:rPr>
+                        <a:t>Secretaría de</a:t>
+                      </a:r>
+                      <a:r>
+                        <a:rPr lang="es-MX" sz="1400" b="1" baseline="0" dirty="0" smtClean="0">
+                          <a:solidFill>
+                            <a:schemeClr val="tx1">
+                              <a:lumMod val="75000"/>
+                              <a:lumOff val="25000"/>
+                            </a:schemeClr>
+                          </a:solidFill>
+                          <a:effectLst/>
+                          <a:latin typeface="Arial Narrow" panose="020B0606020202030204" pitchFamily="34" charset="0"/>
+                          <a:ea typeface="Calibri"/>
+                          <a:cs typeface="Arial"/>
+                        </a:rPr>
+                        <a:t> Desarrollo Social</a:t>
+                      </a:r>
+                      <a:endParaRPr lang="es-MX" sz="1400" b="1" dirty="0" smtClean="0">
+                        <a:solidFill>
+                          <a:schemeClr val="tx1">
+                            <a:lumMod val="75000"/>
+                            <a:lumOff val="25000"/>
+                          </a:schemeClr>
+                        </a:solidFill>
+                        <a:effectLst/>
+                        <a:latin typeface="Arial Narrow" panose="020B0606020202030204" pitchFamily="34" charset="0"/>
+                        <a:ea typeface="Calibri"/>
+                        <a:cs typeface="Arial"/>
+                      </a:endParaRPr>
+                    </a:p>
+                  </a:txBody>
+                  <a:tcPr marL="68580" marR="68580" marT="0" marB="0" anchor="ctr">
+                    <a:lnL w="6350" cap="flat" cmpd="sng" algn="ctr">
+                      <a:solidFill>
+                        <a:schemeClr val="bg1"/>
+                      </a:solidFill>
+                      <a:prstDash val="solid"/>
+                      <a:round/>
+                      <a:headEnd type="none" w="med" len="med"/>
+                      <a:tailEnd type="none" w="med" len="med"/>
+                    </a:lnL>
+                    <a:lnR w="6350" cap="flat" cmpd="sng" algn="ctr">
+                      <a:solidFill>
+                        <a:schemeClr val="bg1"/>
+                      </a:solidFill>
+                      <a:prstDash val="solid"/>
+                      <a:round/>
+                      <a:headEnd type="none" w="med" len="med"/>
+                      <a:tailEnd type="none" w="med" len="med"/>
+                    </a:lnR>
+                    <a:solidFill>
+                      <a:srgbClr val="E4E4E4"/>
+                    </a:solidFill>
+                  </a:tcPr>
+                </a:tc>
+                <a:tc>
+                  <a:txBody>
+                    <a:bodyPr/>
+                    <a:lstStyle/>
+                    <a:p>
+                      <a:pPr marL="0" marR="0" indent="0" algn="ctr" defTabSz="457200" rtl="0" eaLnBrk="1" fontAlgn="auto" latinLnBrk="0" hangingPunct="1">
+                        <a:lnSpc>
+                          <a:spcPts val="1100"/>
+                        </a:lnSpc>
+                        <a:spcBef>
+                          <a:spcPts val="600"/>
+                        </a:spcBef>
+                        <a:spcAft>
+                          <a:spcPts val="300"/>
+                        </a:spcAft>
+                        <a:buClrTx/>
+                        <a:buSzTx/>
+                        <a:buFontTx/>
+                        <a:buNone/>
+                        <a:tabLst/>
+                        <a:defRPr/>
+                      </a:pPr>
+                      <a:endParaRPr lang="es-MX" sz="1100" b="1" dirty="0" smtClean="0">
+                        <a:solidFill>
+                          <a:srgbClr val="008040"/>
+                        </a:solidFill>
+                        <a:effectLst/>
+                        <a:latin typeface="Arial Narrow" panose="020B0606020202030204" pitchFamily="34" charset="0"/>
+                        <a:ea typeface="Calibri"/>
+                        <a:cs typeface="Times New Roman"/>
+                      </a:endParaRPr>
+                    </a:p>
+                  </a:txBody>
+                  <a:tcPr marL="68580" marR="68580" marT="0" marB="0" anchor="ctr">
+                    <a:lnL w="6350" cap="flat" cmpd="sng" algn="ctr">
+                      <a:solidFill>
+                        <a:schemeClr val="bg1"/>
+                      </a:solidFill>
+                      <a:prstDash val="solid"/>
+                      <a:round/>
+                      <a:headEnd type="none" w="med" len="med"/>
+                      <a:tailEnd type="none" w="med" len="med"/>
+                    </a:lnL>
+                    <a:lnR w="6350" cap="flat" cmpd="sng" algn="ctr">
+                      <a:solidFill>
+                        <a:schemeClr val="bg1"/>
+                      </a:solidFill>
+                      <a:prstDash val="solid"/>
+                      <a:round/>
+                      <a:headEnd type="none" w="med" len="med"/>
+                      <a:tailEnd type="none" w="med" len="med"/>
+                    </a:lnR>
+                    <a:noFill/>
+                  </a:tcPr>
+                </a:tc>
+              </a:tr>
+              <a:tr h="104699">
+                <a:tc gridSpan="2">
+                  <a:txBody>
+                    <a:bodyPr/>
+                    <a:lstStyle/>
+                    <a:p>
+                      <a:pPr algn="l">
+                        <a:lnSpc>
+                          <a:spcPct val="120000"/>
+                        </a:lnSpc>
+                        <a:spcAft>
+                          <a:spcPts val="0"/>
+                        </a:spcAft>
+                      </a:pPr>
+                      <a:endParaRPr lang="es-MX" sz="300" dirty="0">
+                        <a:solidFill>
+                          <a:srgbClr val="404040"/>
+                        </a:solidFill>
+                        <a:effectLst/>
+                        <a:latin typeface="Arial Narrow" panose="020B0606020202030204" pitchFamily="34" charset="0"/>
+                        <a:ea typeface="Calibri"/>
+                        <a:cs typeface="Times New Roman"/>
+                      </a:endParaRPr>
+                    </a:p>
+                  </a:txBody>
+                  <a:tcPr marL="41308" marR="41308" marT="0" marB="0" anchor="ctr">
+                    <a:lnB w="3175" cap="flat" cmpd="sng" algn="ctr">
+                      <a:solidFill>
+                        <a:schemeClr val="bg1">
+                          <a:lumMod val="85000"/>
+                        </a:schemeClr>
+                      </a:solidFill>
+                      <a:prstDash val="solid"/>
+                      <a:round/>
+                      <a:headEnd type="none" w="med" len="med"/>
+                      <a:tailEnd type="none" w="med" len="med"/>
+                    </a:lnB>
+                    <a:solidFill>
+                      <a:schemeClr val="bg1"/>
+                    </a:solidFill>
+                  </a:tcPr>
+                </a:tc>
+                <a:tc hMerge="1">
+                  <a:txBody>
+                    <a:bodyPr/>
+                    <a:lstStyle/>
+                    <a:p>
+                      <a:endParaRPr lang="es-MX"/>
+                    </a:p>
+                  </a:txBody>
+                  <a:tcPr/>
+                </a:tc>
+                <a:tc>
+                  <a:txBody>
+                    <a:bodyPr/>
+                    <a:lstStyle/>
+                    <a:p>
+                      <a:pPr algn="l">
+                        <a:lnSpc>
+                          <a:spcPct val="120000"/>
+                        </a:lnSpc>
+                        <a:spcAft>
+                          <a:spcPts val="0"/>
+                        </a:spcAft>
+                      </a:pPr>
+                      <a:endParaRPr lang="es-MX" sz="300" dirty="0">
+                        <a:solidFill>
+                          <a:srgbClr val="404040"/>
+                        </a:solidFill>
+                        <a:effectLst/>
+                        <a:latin typeface="Arial Narrow" panose="020B0606020202030204" pitchFamily="34" charset="0"/>
+                        <a:ea typeface="Calibri"/>
+                        <a:cs typeface="Times New Roman"/>
+                      </a:endParaRPr>
+                    </a:p>
+                  </a:txBody>
+                  <a:tcPr marL="41308" marR="41308" marT="0" marB="0" anchor="ctr">
+                    <a:lnB w="3175" cap="flat" cmpd="sng" algn="ctr">
+                      <a:solidFill>
+                        <a:schemeClr val="bg1">
+                          <a:lumMod val="85000"/>
+                        </a:schemeClr>
+                      </a:solidFill>
+                      <a:prstDash val="solid"/>
+                      <a:round/>
+                      <a:headEnd type="none" w="med" len="med"/>
+                      <a:tailEnd type="none" w="med" len="med"/>
+                    </a:lnB>
+                    <a:solidFill>
+                      <a:schemeClr val="bg1"/>
+                    </a:solidFill>
+                  </a:tcPr>
+                </a:tc>
+              </a:tr>
+              <a:tr h="4576092">
+                <a:tc gridSpan="3">
+                  <a:txBody>
+                    <a:bodyPr/>
+                    <a:lstStyle/>
+                    <a:p>
+                      <a:pPr marL="0" marR="0" indent="0" algn="l" defTabSz="457200" rtl="0" eaLnBrk="1" fontAlgn="auto" latinLnBrk="0" hangingPunct="1">
+                        <a:lnSpc>
+                          <a:spcPct val="120000"/>
+                        </a:lnSpc>
+                        <a:spcBef>
+                          <a:spcPts val="0"/>
+                        </a:spcBef>
+                        <a:spcAft>
+                          <a:spcPts val="0"/>
+                        </a:spcAft>
+                        <a:buClr>
+                          <a:srgbClr val="008040"/>
+                        </a:buClr>
+                        <a:buSzTx/>
+                        <a:buFont typeface="Wingdings" panose="05000000000000000000" pitchFamily="2" charset="2"/>
+                        <a:buNone/>
+                        <a:tabLst/>
+                        <a:defRPr/>
+                      </a:pPr>
+                      <a:endParaRPr lang="es-MX" sz="1800" dirty="0" smtClean="0">
+                        <a:solidFill>
+                          <a:schemeClr val="tx1">
+                            <a:lumMod val="75000"/>
+                            <a:lumOff val="25000"/>
+                          </a:schemeClr>
+                        </a:solidFill>
+                        <a:effectLst/>
+                        <a:latin typeface="Arial Narrow" panose="020B0606020202030204" pitchFamily="34" charset="0"/>
+                        <a:ea typeface="Calibri"/>
+                        <a:cs typeface="Arial"/>
+                      </a:endParaRPr>
+                    </a:p>
+                  </a:txBody>
+                  <a:tcPr marL="68580" marR="68580" marT="0" marB="0">
+                    <a:lnL w="12700" cmpd="sng">
+                      <a:noFill/>
+                    </a:lnL>
+                    <a:lnR w="76200" cap="flat" cmpd="sng" algn="ctr">
+                      <a:noFill/>
+                      <a:prstDash val="solid"/>
+                      <a:round/>
+                      <a:headEnd type="none" w="med" len="med"/>
+                      <a:tailEnd type="none" w="med" len="med"/>
+                    </a:lnR>
+                    <a:lnT w="3175" cap="flat" cmpd="sng" algn="ctr">
+                      <a:solidFill>
+                        <a:schemeClr val="bg1">
+                          <a:lumMod val="85000"/>
+                        </a:schemeClr>
+                      </a:solidFill>
+                      <a:prstDash val="solid"/>
+                      <a:round/>
+                      <a:headEnd type="none" w="med" len="med"/>
+                      <a:tailEnd type="none" w="med" len="med"/>
+                    </a:lnT>
+                    <a:lnB w="6350" cap="flat" cmpd="sng" algn="ctr">
+                      <a:noFill/>
+                      <a:prstDash val="solid"/>
+                      <a:round/>
+                      <a:headEnd type="none" w="med" len="med"/>
+                      <a:tailEnd type="none" w="med" len="med"/>
+                    </a:lnB>
+                    <a:lnTlToBr w="12700" cmpd="sng">
+                      <a:noFill/>
+                      <a:prstDash val="solid"/>
+                    </a:lnTlToBr>
+                    <a:lnBlToTr w="12700" cmpd="sng">
+                      <a:noFill/>
+                      <a:prstDash val="solid"/>
+                    </a:lnBlToTr>
+                    <a:noFill/>
+                  </a:tcPr>
+                </a:tc>
+                <a:tc hMerge="1">
+                  <a:txBody>
+                    <a:bodyPr/>
+                    <a:lstStyle/>
+                    <a:p>
+                      <a:endParaRPr lang="es-MX"/>
+                    </a:p>
+                  </a:txBody>
+                  <a:tcPr/>
+                </a:tc>
+                <a:tc hMerge="1">
+                  <a:txBody>
+                    <a:bodyPr/>
+                    <a:lstStyle/>
+                    <a:p>
+                      <a:pPr marL="0" indent="0" algn="l">
+                        <a:lnSpc>
+                          <a:spcPct val="120000"/>
+                        </a:lnSpc>
+                        <a:spcAft>
+                          <a:spcPts val="0"/>
+                        </a:spcAft>
+                        <a:buClr>
+                          <a:srgbClr val="008040"/>
+                        </a:buClr>
+                        <a:buFont typeface="Wingdings" panose="05000000000000000000" pitchFamily="2" charset="2"/>
+                        <a:buNone/>
+                      </a:pPr>
+                      <a:endParaRPr lang="es-MX" sz="1100" b="1" dirty="0">
+                        <a:solidFill>
+                          <a:schemeClr val="tx1">
+                            <a:lumMod val="75000"/>
+                            <a:lumOff val="25000"/>
+                          </a:schemeClr>
+                        </a:solidFill>
+                        <a:effectLst/>
+                        <a:latin typeface="Arial Narrow" panose="020B0606020202030204" pitchFamily="34" charset="0"/>
+                        <a:ea typeface="Calibri"/>
+                        <a:cs typeface="Times New Roman"/>
+                      </a:endParaRPr>
+                    </a:p>
+                  </a:txBody>
+                  <a:tcPr marL="68580" marR="68580" marT="0" marB="0">
+                    <a:lnL w="12700" cmpd="sng">
+                      <a:noFill/>
+                    </a:lnL>
+                    <a:lnR w="76200" cap="flat" cmpd="sng" algn="ctr">
+                      <a:noFill/>
+                      <a:prstDash val="solid"/>
+                      <a:round/>
+                      <a:headEnd type="none" w="med" len="med"/>
+                      <a:tailEnd type="none" w="med" len="med"/>
+                    </a:lnR>
+                    <a:lnT w="3175" cap="flat" cmpd="sng" algn="ctr">
+                      <a:solidFill>
+                        <a:srgbClr val="008040"/>
+                      </a:solidFill>
+                      <a:prstDash val="solid"/>
+                      <a:round/>
+                      <a:headEnd type="none" w="med" len="med"/>
+                      <a:tailEnd type="none" w="med" len="med"/>
+                    </a:lnT>
+                    <a:lnB w="6350" cap="flat" cmpd="sng" algn="ctr">
+                      <a:noFill/>
+                      <a:prstDash val="solid"/>
+                      <a:round/>
+                      <a:headEnd type="none" w="med" len="med"/>
+                      <a:tailEnd type="none" w="med" len="med"/>
+                    </a:lnB>
+                    <a:lnTlToBr w="12700" cmpd="sng">
+                      <a:noFill/>
+                      <a:prstDash val="solid"/>
+                    </a:lnTlToBr>
+                    <a:lnBlToTr w="12700" cmpd="sng">
+                      <a:noFill/>
+                      <a:prstDash val="solid"/>
+                    </a:lnBlToTr>
+                    <a:noFill/>
+                  </a:tcPr>
+                </a:tc>
+              </a:tr>
+            </a:tbl>
+          </a:graphicData>
+        </a:graphic>
+      </p:graphicFrame>
+      <p:graphicFrame>
+        <p:nvGraphicFramePr>
+          <p:cNvPr id="9" name="8 Tabla"/>
+          <p:cNvGraphicFramePr>
+            <a:graphicFrameLocks noGrp="1"/>
+          </p:cNvGraphicFramePr>
+          <p:nvPr>
+            <p:extLst>
+              <p:ext uri="{D42A27DB-BD31-4B8C-83A1-F6EECF244321}">
+                <p14:modId xmlns:p14="http://schemas.microsoft.com/office/powerpoint/2010/main" val="425155333"/>
+              </p:ext>
+            </p:extLst>
+          </p:nvPr>
+        </p:nvGraphicFramePr>
+        <p:xfrm>
+          <a:off x="1524000" y="3407535"/>
+          <a:ext cx="6096000" cy="1854200"/>
+        </p:xfrm>
+        <a:graphic>
+          <a:graphicData uri="http://schemas.openxmlformats.org/drawingml/2006/table">
+            <a:tbl>
+              <a:tblPr firstRow="1" bandRow="1">
+                <a:tableStyleId>{2D5ABB26-0587-4C30-8999-92F81FD0307C}</a:tableStyleId>
+              </a:tblPr>
+              <a:tblGrid>
+                <a:gridCol w="2032000"/>
+                <a:gridCol w="2032000"/>
+                <a:gridCol w="2032000"/>
+              </a:tblGrid>
+              <a:tr h="370840">
+                <a:tc>
+                  <a:txBody>
+                    <a:bodyPr/>
+                    <a:lstStyle/>
+                    <a:p>
+                      <a:pPr algn="ctr"/>
+                      <a:endParaRPr lang="es-MX" b="1" dirty="0">
+                        <a:solidFill>
+                          <a:schemeClr val="tx1">
+                            <a:lumMod val="65000"/>
+                            <a:lumOff val="35000"/>
+                          </a:schemeClr>
+                        </a:solidFill>
+                        <a:latin typeface="Arial Narrow" panose="020B0606020202030204" pitchFamily="34" charset="0"/>
+                      </a:endParaRPr>
+                    </a:p>
+                  </a:txBody>
+                  <a:tcPr>
+                    <a:solidFill>
+                      <a:schemeClr val="bg1">
+                        <a:lumMod val="95000"/>
+                      </a:schemeClr>
+                    </a:solidFill>
+                  </a:tcPr>
+                </a:tc>
+                <a:tc>
+                  <a:txBody>
+                    <a:bodyPr/>
+                    <a:lstStyle/>
+                    <a:p>
+                      <a:pPr algn="ctr"/>
+                      <a:r>
+                        <a:rPr lang="es-MX" b="1" dirty="0" smtClean="0">
+                          <a:solidFill>
+                            <a:schemeClr val="tx1">
+                              <a:lumMod val="65000"/>
+                              <a:lumOff val="35000"/>
+                            </a:schemeClr>
+                          </a:solidFill>
+                          <a:latin typeface="Arial Narrow" panose="020B0606020202030204" pitchFamily="34" charset="0"/>
+                        </a:rPr>
+                        <a:t>Número</a:t>
+                      </a:r>
+                      <a:r>
+                        <a:rPr lang="es-MX" b="1" baseline="0" dirty="0" smtClean="0">
+                          <a:solidFill>
+                            <a:schemeClr val="tx1">
+                              <a:lumMod val="65000"/>
+                              <a:lumOff val="35000"/>
+                            </a:schemeClr>
+                          </a:solidFill>
+                          <a:latin typeface="Arial Narrow" panose="020B0606020202030204" pitchFamily="34" charset="0"/>
+                        </a:rPr>
+                        <a:t> de obras</a:t>
+                      </a:r>
+                      <a:endParaRPr lang="es-MX" b="1" dirty="0">
+                        <a:solidFill>
+                          <a:schemeClr val="tx1">
+                            <a:lumMod val="65000"/>
+                            <a:lumOff val="35000"/>
+                          </a:schemeClr>
+                        </a:solidFill>
+                        <a:latin typeface="Arial Narrow" panose="020B0606020202030204" pitchFamily="34" charset="0"/>
+                      </a:endParaRPr>
+                    </a:p>
+                  </a:txBody>
+                  <a:tcPr>
+                    <a:solidFill>
+                      <a:schemeClr val="bg1">
+                        <a:lumMod val="95000"/>
+                      </a:schemeClr>
+                    </a:solidFill>
+                  </a:tcPr>
+                </a:tc>
+                <a:tc>
+                  <a:txBody>
+                    <a:bodyPr/>
+                    <a:lstStyle/>
+                    <a:p>
+                      <a:pPr algn="ctr"/>
+                      <a:r>
+                        <a:rPr lang="es-MX" b="1" dirty="0" smtClean="0">
+                          <a:solidFill>
+                            <a:schemeClr val="tx1">
+                              <a:lumMod val="65000"/>
+                              <a:lumOff val="35000"/>
+                            </a:schemeClr>
+                          </a:solidFill>
+                          <a:latin typeface="Arial Narrow" panose="020B0606020202030204" pitchFamily="34" charset="0"/>
+                        </a:rPr>
+                        <a:t>Inversión mdp</a:t>
+                      </a:r>
+                      <a:endParaRPr lang="es-MX" b="1" dirty="0">
+                        <a:solidFill>
+                          <a:schemeClr val="tx1">
+                            <a:lumMod val="65000"/>
+                            <a:lumOff val="35000"/>
+                          </a:schemeClr>
+                        </a:solidFill>
+                        <a:latin typeface="Arial Narrow" panose="020B0606020202030204" pitchFamily="34" charset="0"/>
+                      </a:endParaRPr>
+                    </a:p>
+                  </a:txBody>
+                  <a:tcPr>
+                    <a:solidFill>
+                      <a:schemeClr val="bg1">
+                        <a:lumMod val="95000"/>
+                      </a:schemeClr>
+                    </a:solidFill>
+                  </a:tcPr>
+                </a:tc>
+              </a:tr>
+              <a:tr h="370840">
+                <a:tc>
+                  <a:txBody>
+                    <a:bodyPr/>
+                    <a:lstStyle/>
+                    <a:p>
+                      <a:r>
+                        <a:rPr lang="es-MX" b="1" dirty="0" smtClean="0">
+                          <a:solidFill>
+                            <a:schemeClr val="tx1">
+                              <a:lumMod val="65000"/>
+                              <a:lumOff val="35000"/>
+                            </a:schemeClr>
+                          </a:solidFill>
+                          <a:latin typeface="Arial Narrow" panose="020B0606020202030204" pitchFamily="34" charset="0"/>
+                        </a:rPr>
+                        <a:t>Concluidas</a:t>
+                      </a:r>
+                      <a:endParaRPr lang="es-MX" b="1" dirty="0">
+                        <a:solidFill>
+                          <a:schemeClr val="tx1">
+                            <a:lumMod val="65000"/>
+                            <a:lumOff val="35000"/>
+                          </a:schemeClr>
+                        </a:solidFill>
+                        <a:latin typeface="Arial Narrow" panose="020B0606020202030204" pitchFamily="34" charset="0"/>
+                      </a:endParaRPr>
+                    </a:p>
+                  </a:txBody>
+                  <a:tcPr>
+                    <a:solidFill>
+                      <a:schemeClr val="bg1">
+                        <a:lumMod val="85000"/>
+                      </a:schemeClr>
+                    </a:solidFill>
+                  </a:tcPr>
+                </a:tc>
+                <a:tc>
+                  <a:txBody>
+                    <a:bodyPr/>
+                    <a:lstStyle/>
+                    <a:p>
+                      <a:pPr algn="ctr"/>
+                      <a:endParaRPr lang="es-MX" dirty="0">
+                        <a:solidFill>
+                          <a:schemeClr val="tx1">
+                            <a:lumMod val="65000"/>
+                            <a:lumOff val="35000"/>
+                          </a:schemeClr>
+                        </a:solidFill>
+                        <a:latin typeface="Arial Narrow" panose="020B0606020202030204" pitchFamily="34" charset="0"/>
+                      </a:endParaRPr>
+                    </a:p>
+                  </a:txBody>
+                  <a:tcPr>
+                    <a:solidFill>
+                      <a:schemeClr val="bg1">
+                        <a:lumMod val="85000"/>
+                      </a:schemeClr>
+                    </a:solidFill>
+                  </a:tcPr>
+                </a:tc>
+                <a:tc>
+                  <a:txBody>
+                    <a:bodyPr/>
+                    <a:lstStyle/>
+                    <a:p>
+                      <a:pPr algn="ctr"/>
+                      <a:endParaRPr lang="es-MX" dirty="0" smtClean="0">
+                        <a:solidFill>
+                          <a:schemeClr val="tx1">
+                            <a:lumMod val="65000"/>
+                            <a:lumOff val="35000"/>
+                          </a:schemeClr>
+                        </a:solidFill>
+                        <a:latin typeface="Arial Narrow" panose="020B0606020202030204" pitchFamily="34" charset="0"/>
+                      </a:endParaRPr>
+                    </a:p>
+                  </a:txBody>
+                  <a:tcPr>
+                    <a:solidFill>
+                      <a:schemeClr val="bg1">
+                        <a:lumMod val="85000"/>
+                      </a:schemeClr>
+                    </a:solidFill>
+                  </a:tcPr>
+                </a:tc>
+              </a:tr>
+              <a:tr h="370840">
+                <a:tc>
+                  <a:txBody>
+                    <a:bodyPr/>
+                    <a:lstStyle/>
+                    <a:p>
+                      <a:r>
+                        <a:rPr lang="es-MX" b="1" dirty="0" smtClean="0">
+                          <a:solidFill>
+                            <a:schemeClr val="tx1">
+                              <a:lumMod val="65000"/>
+                              <a:lumOff val="35000"/>
+                            </a:schemeClr>
+                          </a:solidFill>
+                          <a:latin typeface="Arial Narrow" panose="020B0606020202030204" pitchFamily="34" charset="0"/>
+                        </a:rPr>
+                        <a:t>En proceso</a:t>
+                      </a:r>
+                      <a:endParaRPr lang="es-MX" b="1" dirty="0">
+                        <a:solidFill>
+                          <a:schemeClr val="tx1">
+                            <a:lumMod val="65000"/>
+                            <a:lumOff val="35000"/>
+                          </a:schemeClr>
+                        </a:solidFill>
+                        <a:latin typeface="Arial Narrow" panose="020B0606020202030204" pitchFamily="34" charset="0"/>
+                      </a:endParaRPr>
+                    </a:p>
+                  </a:txBody>
+                  <a:tcPr>
+                    <a:noFill/>
+                  </a:tcPr>
+                </a:tc>
+                <a:tc>
+                  <a:txBody>
+                    <a:bodyPr/>
+                    <a:lstStyle/>
+                    <a:p>
+                      <a:pPr algn="ctr"/>
+                      <a:endParaRPr lang="es-MX" dirty="0">
+                        <a:solidFill>
+                          <a:schemeClr val="tx1">
+                            <a:lumMod val="65000"/>
+                            <a:lumOff val="35000"/>
+                          </a:schemeClr>
+                        </a:solidFill>
+                        <a:latin typeface="Arial Narrow" panose="020B0606020202030204" pitchFamily="34" charset="0"/>
+                      </a:endParaRPr>
+                    </a:p>
+                  </a:txBody>
+                  <a:tcPr>
+                    <a:noFill/>
+                  </a:tcPr>
+                </a:tc>
+                <a:tc>
+                  <a:txBody>
+                    <a:bodyPr/>
+                    <a:lstStyle/>
+                    <a:p>
+                      <a:pPr algn="ctr"/>
+                      <a:endParaRPr lang="es-MX" dirty="0">
+                        <a:solidFill>
+                          <a:schemeClr val="tx1">
+                            <a:lumMod val="65000"/>
+                            <a:lumOff val="35000"/>
+                          </a:schemeClr>
+                        </a:solidFill>
+                        <a:latin typeface="Arial Narrow" panose="020B0606020202030204" pitchFamily="34" charset="0"/>
+                      </a:endParaRPr>
+                    </a:p>
+                  </a:txBody>
+                  <a:tcPr>
+                    <a:noFill/>
+                  </a:tcPr>
+                </a:tc>
+              </a:tr>
+              <a:tr h="370840">
+                <a:tc>
+                  <a:txBody>
+                    <a:bodyPr/>
+                    <a:lstStyle/>
+                    <a:p>
+                      <a:r>
+                        <a:rPr lang="es-MX" b="1" dirty="0" smtClean="0">
+                          <a:solidFill>
+                            <a:schemeClr val="tx1">
+                              <a:lumMod val="65000"/>
+                              <a:lumOff val="35000"/>
+                            </a:schemeClr>
+                          </a:solidFill>
+                          <a:latin typeface="Arial Narrow" panose="020B0606020202030204" pitchFamily="34" charset="0"/>
+                        </a:rPr>
+                        <a:t>Proyectadas</a:t>
+                      </a:r>
+                      <a:endParaRPr lang="es-MX" b="1" dirty="0">
+                        <a:solidFill>
+                          <a:schemeClr val="tx1">
+                            <a:lumMod val="65000"/>
+                            <a:lumOff val="35000"/>
+                          </a:schemeClr>
+                        </a:solidFill>
+                        <a:latin typeface="Arial Narrow" panose="020B0606020202030204" pitchFamily="34" charset="0"/>
+                      </a:endParaRPr>
+                    </a:p>
+                  </a:txBody>
+                  <a:tcPr>
+                    <a:solidFill>
+                      <a:schemeClr val="bg1">
+                        <a:lumMod val="85000"/>
+                      </a:schemeClr>
+                    </a:solidFill>
+                  </a:tcPr>
+                </a:tc>
+                <a:tc>
+                  <a:txBody>
+                    <a:bodyPr/>
+                    <a:lstStyle/>
+                    <a:p>
+                      <a:pPr algn="ctr"/>
+                      <a:endParaRPr lang="es-MX" dirty="0">
+                        <a:solidFill>
+                          <a:schemeClr val="tx1">
+                            <a:lumMod val="65000"/>
+                            <a:lumOff val="35000"/>
+                          </a:schemeClr>
+                        </a:solidFill>
+                        <a:latin typeface="Arial Narrow" panose="020B0606020202030204" pitchFamily="34" charset="0"/>
+                      </a:endParaRPr>
+                    </a:p>
+                  </a:txBody>
+                  <a:tcPr>
+                    <a:solidFill>
+                      <a:schemeClr val="bg1">
+                        <a:lumMod val="85000"/>
+                      </a:schemeClr>
+                    </a:solidFill>
+                  </a:tcPr>
+                </a:tc>
+                <a:tc>
+                  <a:txBody>
+                    <a:bodyPr/>
+                    <a:lstStyle/>
+                    <a:p>
+                      <a:pPr algn="ctr"/>
+                      <a:endParaRPr lang="es-MX" dirty="0">
+                        <a:solidFill>
+                          <a:schemeClr val="tx1">
+                            <a:lumMod val="65000"/>
+                            <a:lumOff val="35000"/>
+                          </a:schemeClr>
+                        </a:solidFill>
+                        <a:latin typeface="Arial Narrow" panose="020B0606020202030204" pitchFamily="34" charset="0"/>
+                      </a:endParaRPr>
+                    </a:p>
+                  </a:txBody>
+                  <a:tcPr>
+                    <a:solidFill>
+                      <a:schemeClr val="bg1">
+                        <a:lumMod val="85000"/>
+                      </a:schemeClr>
+                    </a:solidFill>
+                  </a:tcPr>
+                </a:tc>
+              </a:tr>
+              <a:tr h="370840">
+                <a:tc>
+                  <a:txBody>
+                    <a:bodyPr/>
+                    <a:lstStyle/>
+                    <a:p>
+                      <a:r>
+                        <a:rPr lang="es-MX" b="1" dirty="0" smtClean="0">
+                          <a:solidFill>
+                            <a:schemeClr val="tx1">
+                              <a:lumMod val="65000"/>
+                              <a:lumOff val="35000"/>
+                            </a:schemeClr>
+                          </a:solidFill>
+                          <a:latin typeface="Arial Narrow" panose="020B0606020202030204" pitchFamily="34" charset="0"/>
+                        </a:rPr>
+                        <a:t>TOTAL</a:t>
+                      </a:r>
+                      <a:endParaRPr lang="es-MX" b="1" dirty="0">
+                        <a:solidFill>
+                          <a:schemeClr val="tx1">
+                            <a:lumMod val="65000"/>
+                            <a:lumOff val="35000"/>
+                          </a:schemeClr>
+                        </a:solidFill>
+                        <a:latin typeface="Arial Narrow" panose="020B0606020202030204" pitchFamily="34" charset="0"/>
+                      </a:endParaRPr>
+                    </a:p>
+                  </a:txBody>
+                  <a:tcPr/>
+                </a:tc>
+                <a:tc>
+                  <a:txBody>
+                    <a:bodyPr/>
+                    <a:lstStyle/>
+                    <a:p>
+                      <a:pPr algn="ctr"/>
+                      <a:endParaRPr lang="es-MX" b="1" dirty="0">
+                        <a:solidFill>
+                          <a:schemeClr val="tx1">
+                            <a:lumMod val="65000"/>
+                            <a:lumOff val="35000"/>
+                          </a:schemeClr>
+                        </a:solidFill>
+                        <a:latin typeface="Arial Narrow" panose="020B0606020202030204" pitchFamily="34" charset="0"/>
+                      </a:endParaRPr>
+                    </a:p>
+                  </a:txBody>
+                  <a:tcPr/>
+                </a:tc>
+                <a:tc>
+                  <a:txBody>
+                    <a:bodyPr/>
+                    <a:lstStyle/>
+                    <a:p>
+                      <a:pPr algn="ctr"/>
+                      <a:endParaRPr lang="es-MX" b="1" dirty="0">
+                        <a:solidFill>
+                          <a:schemeClr val="tx1">
+                            <a:lumMod val="65000"/>
+                            <a:lumOff val="35000"/>
+                          </a:schemeClr>
+                        </a:solidFill>
+                        <a:latin typeface="Arial Narrow" panose="020B0606020202030204" pitchFamily="34" charset="0"/>
+                      </a:endParaRPr>
+                    </a:p>
+                  </a:txBody>
+                  <a:tcPr/>
+                </a:tc>
+              </a:tr>
+            </a:tbl>
+          </a:graphicData>
+        </a:graphic>
+      </p:graphicFrame>
+      <p:pic>
+        <p:nvPicPr>
+          <p:cNvPr id="7" name="6 Imagen"/>
+          <p:cNvPicPr>
+            <a:picLocks noChangeAspect="1"/>
+          </p:cNvPicPr>
+          <p:nvPr/>
+        </p:nvPicPr>
+        <p:blipFill>
+          <a:blip r:embed="rId2">
+            <a:extLst>
+              <a:ext uri="{28A0092B-C50C-407E-A947-70E740481C1C}">
+                <a14:useLocalDpi xmlns:a14="http://schemas.microsoft.com/office/drawing/2010/main" val="0"/>
+              </a:ext>
+            </a:extLst>
+          </a:blip>
+          <a:stretch>
+            <a:fillRect/>
+          </a:stretch>
+        </p:blipFill>
+        <p:spPr>
+          <a:xfrm>
+            <a:off x="331774" y="1577223"/>
+            <a:ext cx="360036" cy="360036"/>
+          </a:xfrm>
+          <a:prstGeom prst="rect">
+            <a:avLst/>
+          </a:prstGeom>
+        </p:spPr>
+      </p:pic>
+      <p:pic>
+        <p:nvPicPr>
+          <p:cNvPr id="6" name="5 Imagen">
+            <a:hlinkClick r:id="rId3" action="ppaction://hlinkpres?slideindex=2&amp;slidetitle=Obras Concluidas por Sector"/>
+          </p:cNvPr>
+          <p:cNvPicPr>
+            <a:picLocks noChangeAspect="1"/>
+          </p:cNvPicPr>
+          <p:nvPr/>
+        </p:nvPicPr>
+        <p:blipFill>
+          <a:blip r:embed="rId4">
+            <a:extLst>
+              <a:ext uri="{28A0092B-C50C-407E-A947-70E740481C1C}">
+                <a14:useLocalDpi xmlns:a14="http://schemas.microsoft.com/office/drawing/2010/main" val="0"/>
+              </a:ext>
+            </a:extLst>
+          </a:blip>
+          <a:stretch>
+            <a:fillRect/>
+          </a:stretch>
+        </p:blipFill>
+        <p:spPr>
+          <a:xfrm>
+            <a:off x="8822656" y="6475642"/>
+            <a:ext cx="234000" cy="303946"/>
+          </a:xfrm>
+          <a:prstGeom prst="rect">
+            <a:avLst/>
+          </a:prstGeom>
+        </p:spPr>
+      </p:pic>
+      <p:sp>
+        <p:nvSpPr>
+          <p:cNvPr id="16" name="1 Título"/>
+          <p:cNvSpPr>
+            <a:spLocks noGrp="1"/>
+          </p:cNvSpPr>
+          <p:nvPr>
+            <p:ph type="title"/>
+          </p:nvPr>
+        </p:nvSpPr>
+        <p:spPr>
+          <a:xfrm>
+            <a:off x="457200" y="830886"/>
+            <a:ext cx="8229600" cy="391167"/>
+          </a:xfrm>
+        </p:spPr>
+        <p:txBody>
+          <a:bodyPr>
+            <a:normAutofit fontScale="90000"/>
+          </a:bodyPr>
+          <a:lstStyle/>
+          <a:p>
+            <a:pPr marL="0" lvl="0" indent="723900" algn="r">
+              <a:lnSpc>
+                <a:spcPct val="115000"/>
+              </a:lnSpc>
+              <a:spcAft>
+                <a:spcPts val="0"/>
+              </a:spcAft>
+            </a:pPr>
+            <a:r>
+              <a:rPr lang="es-MX" dirty="0">
+                <a:ea typeface="Calibri"/>
+                <a:cs typeface="Times New Roman"/>
+              </a:rPr>
+              <a:t>| Obras </a:t>
+            </a:r>
+            <a:r>
+              <a:rPr lang="es-MX" dirty="0" smtClean="0">
+                <a:ea typeface="Calibri"/>
+                <a:cs typeface="Times New Roman"/>
+              </a:rPr>
+              <a:t>concluidas, en Proceso y Proyectadas por </a:t>
+            </a:r>
+            <a:r>
+              <a:rPr lang="es-MX" dirty="0" smtClean="0">
+                <a:solidFill>
+                  <a:schemeClr val="tx1"/>
+                </a:solidFill>
+                <a:ea typeface="Calibri"/>
+                <a:cs typeface="Times New Roman"/>
+              </a:rPr>
+              <a:t>SECTOR </a:t>
+            </a:r>
+            <a:r>
+              <a:rPr lang="es-MX" dirty="0" smtClean="0">
+                <a:ea typeface="Calibri"/>
+                <a:cs typeface="Times New Roman"/>
+              </a:rPr>
+              <a:t>|</a:t>
+            </a:r>
+            <a:endParaRPr lang="es-MX" dirty="0">
+              <a:ea typeface="Calibri"/>
+              <a:cs typeface="Times New Roman"/>
+            </a:endParaRPr>
+          </a:p>
+        </p:txBody>
+      </p:sp>
+      <p:sp>
+        <p:nvSpPr>
+          <p:cNvPr id="14" name="13 CuadroTexto"/>
+          <p:cNvSpPr txBox="1"/>
+          <p:nvPr/>
+        </p:nvSpPr>
+        <p:spPr>
+          <a:xfrm>
+            <a:off x="3806456" y="3756322"/>
+            <a:ext cx="1531088" cy="369332"/>
+          </a:xfrm>
+          <a:prstGeom prst="rect">
+            <a:avLst/>
+          </a:prstGeom>
+          <a:noFill/>
+        </p:spPr>
+        <p:txBody>
+          <a:bodyPr wrap="square" rtlCol="0">
+            <a:spAutoFit/>
+          </a:bodyPr>
+          <a:lstStyle/>
+          <a:p>
+            <a:pPr algn="r">
+              <a:defRPr sz="1400"/>
+            </a:pPr>
+            <a:r>
+              <a:t>0</a:t>
+            </a:r>
+            <a:endParaRPr lang="es-MX" dirty="0">
+              <a:latin typeface="Arial Narrow" panose="020B0606020202030204" pitchFamily="34" charset="0"/>
+            </a:endParaRPr>
+          </a:p>
+        </p:txBody>
+      </p:sp>
+      <p:sp>
+        <p:nvSpPr>
+          <p:cNvPr id="15" name="14 CuadroTexto"/>
+          <p:cNvSpPr txBox="1"/>
+          <p:nvPr/>
+        </p:nvSpPr>
+        <p:spPr>
+          <a:xfrm>
+            <a:off x="6007394" y="3743206"/>
+            <a:ext cx="1612606" cy="369332"/>
+          </a:xfrm>
+          <a:prstGeom prst="rect">
+            <a:avLst/>
+          </a:prstGeom>
+          <a:noFill/>
+        </p:spPr>
+        <p:txBody>
+          <a:bodyPr wrap="square" rtlCol="0">
+            <a:spAutoFit/>
+          </a:bodyPr>
+          <a:lstStyle/>
+          <a:p>
+            <a:pPr algn="r">
+              <a:defRPr sz="1400"/>
+            </a:pPr>
+            <a:r>
+              <a:t>$ 0.00</a:t>
+            </a:r>
+            <a:endParaRPr lang="es-MX" dirty="0">
+              <a:latin typeface="Arial Narrow" panose="020B0606020202030204" pitchFamily="34" charset="0"/>
+            </a:endParaRPr>
+          </a:p>
+        </p:txBody>
+      </p:sp>
+      <p:sp>
+        <p:nvSpPr>
+          <p:cNvPr id="17" name="16 CuadroTexto"/>
+          <p:cNvSpPr txBox="1"/>
+          <p:nvPr/>
+        </p:nvSpPr>
+        <p:spPr>
+          <a:xfrm>
+            <a:off x="3806456" y="4136288"/>
+            <a:ext cx="1531088" cy="369332"/>
+          </a:xfrm>
+          <a:prstGeom prst="rect">
+            <a:avLst/>
+          </a:prstGeom>
+          <a:noFill/>
+        </p:spPr>
+        <p:txBody>
+          <a:bodyPr wrap="square" rtlCol="0">
+            <a:spAutoFit/>
+          </a:bodyPr>
+          <a:lstStyle/>
+          <a:p>
+            <a:pPr algn="r">
+              <a:defRPr sz="1400"/>
+            </a:pPr>
+            <a:r>
+              <a:t>0</a:t>
+            </a:r>
+            <a:endParaRPr lang="es-MX" dirty="0">
+              <a:latin typeface="Arial Narrow" panose="020B0606020202030204" pitchFamily="34" charset="0"/>
+            </a:endParaRPr>
+          </a:p>
+        </p:txBody>
+      </p:sp>
+      <p:sp>
+        <p:nvSpPr>
+          <p:cNvPr id="18" name="17 CuadroTexto"/>
+          <p:cNvSpPr txBox="1"/>
+          <p:nvPr/>
+        </p:nvSpPr>
+        <p:spPr>
+          <a:xfrm>
+            <a:off x="6007394" y="4124413"/>
+            <a:ext cx="1612606" cy="369332"/>
+          </a:xfrm>
+          <a:prstGeom prst="rect">
+            <a:avLst/>
+          </a:prstGeom>
+          <a:noFill/>
+        </p:spPr>
+        <p:txBody>
+          <a:bodyPr wrap="square" rtlCol="0">
+            <a:spAutoFit/>
+          </a:bodyPr>
+          <a:lstStyle/>
+          <a:p>
+            <a:pPr algn="r">
+              <a:defRPr sz="1400"/>
+            </a:pPr>
+            <a:r>
+              <a:t>$ 0.00</a:t>
+            </a:r>
+            <a:endParaRPr lang="es-MX" dirty="0">
+              <a:latin typeface="Arial Narrow" panose="020B0606020202030204" pitchFamily="34" charset="0"/>
+            </a:endParaRPr>
+          </a:p>
+        </p:txBody>
+      </p:sp>
+      <p:sp>
+        <p:nvSpPr>
+          <p:cNvPr id="19" name="18 CuadroTexto"/>
+          <p:cNvSpPr txBox="1"/>
+          <p:nvPr/>
+        </p:nvSpPr>
+        <p:spPr>
+          <a:xfrm>
+            <a:off x="3806456" y="4910046"/>
+            <a:ext cx="1531088" cy="369332"/>
+          </a:xfrm>
+          <a:prstGeom prst="rect">
+            <a:avLst/>
+          </a:prstGeom>
+          <a:noFill/>
+        </p:spPr>
+        <p:txBody>
+          <a:bodyPr wrap="square" rtlCol="0">
+            <a:spAutoFit/>
+          </a:bodyPr>
+          <a:lstStyle/>
+          <a:p>
+            <a:pPr algn="r">
+              <a:defRPr sz="1400"/>
+            </a:pPr>
+            <a:r>
+              <a:t>0</a:t>
+            </a:r>
+            <a:endParaRPr lang="es-MX" b="1" dirty="0">
+              <a:latin typeface="Arial Narrow" panose="020B0606020202030204" pitchFamily="34" charset="0"/>
+            </a:endParaRPr>
+          </a:p>
+        </p:txBody>
+      </p:sp>
+      <p:sp>
+        <p:nvSpPr>
+          <p:cNvPr id="20" name="19 CuadroTexto"/>
+          <p:cNvSpPr txBox="1"/>
+          <p:nvPr/>
+        </p:nvSpPr>
+        <p:spPr>
+          <a:xfrm>
+            <a:off x="6019268" y="4910046"/>
+            <a:ext cx="1600731" cy="369332"/>
+          </a:xfrm>
+          <a:prstGeom prst="rect">
+            <a:avLst/>
+          </a:prstGeom>
+          <a:noFill/>
+        </p:spPr>
+        <p:txBody>
+          <a:bodyPr wrap="square" rtlCol="0">
+            <a:spAutoFit/>
+          </a:bodyPr>
+          <a:lstStyle/>
+          <a:p>
+            <a:pPr algn="r">
+              <a:defRPr sz="1400"/>
+            </a:pPr>
+            <a:r>
+              <a:t>$ 0.00</a:t>
+            </a:r>
+            <a:endParaRPr lang="es-MX" b="1" dirty="0">
+              <a:latin typeface="Arial Narrow" panose="020B0606020202030204" pitchFamily="34" charset="0"/>
+            </a:endParaRPr>
+          </a:p>
+        </p:txBody>
+      </p:sp>
+      <p:sp>
+        <p:nvSpPr>
+          <p:cNvPr id="21" name="20 CuadroTexto"/>
+          <p:cNvSpPr txBox="1"/>
+          <p:nvPr/>
+        </p:nvSpPr>
+        <p:spPr>
+          <a:xfrm>
+            <a:off x="3806456" y="4521636"/>
+            <a:ext cx="1531088" cy="369332"/>
+          </a:xfrm>
+          <a:prstGeom prst="rect">
+            <a:avLst/>
+          </a:prstGeom>
+          <a:noFill/>
+        </p:spPr>
+        <p:txBody>
+          <a:bodyPr wrap="square" rtlCol="0">
+            <a:spAutoFit/>
+          </a:bodyPr>
+          <a:lstStyle/>
+          <a:p>
+            <a:pPr algn="r">
+              <a:defRPr sz="1400"/>
+            </a:pPr>
+            <a:r>
+              <a:t>0</a:t>
+            </a:r>
+            <a:endParaRPr lang="es-MX" dirty="0">
+              <a:latin typeface="Arial Narrow" panose="020B0606020202030204" pitchFamily="34" charset="0"/>
+            </a:endParaRPr>
+          </a:p>
+        </p:txBody>
+      </p:sp>
+      <p:sp>
+        <p:nvSpPr>
+          <p:cNvPr id="22" name="21 CuadroTexto"/>
+          <p:cNvSpPr txBox="1"/>
+          <p:nvPr/>
+        </p:nvSpPr>
+        <p:spPr>
+          <a:xfrm>
+            <a:off x="6007394" y="4532270"/>
+            <a:ext cx="1612606" cy="369332"/>
+          </a:xfrm>
+          <a:prstGeom prst="rect">
+            <a:avLst/>
+          </a:prstGeom>
+          <a:noFill/>
+        </p:spPr>
+        <p:txBody>
+          <a:bodyPr wrap="square" rtlCol="0">
+            <a:spAutoFit/>
+          </a:bodyPr>
+          <a:lstStyle/>
+          <a:p>
+            <a:pPr algn="r">
+              <a:defRPr sz="1400"/>
+            </a:pPr>
+            <a:r>
+              <a:t>$ 0.00</a:t>
+            </a:r>
+            <a:endParaRPr lang="es-MX" dirty="0">
+              <a:latin typeface="Arial Narrow" panose="020B0606020202030204" pitchFamily="34" charset="0"/>
+            </a:endParaRPr>
+          </a:p>
+        </p:txBody>
+      </p:sp>
+    </p:spTree>
+    <p:extLst>
+      <p:ext uri="{BB962C8B-B14F-4D97-AF65-F5344CB8AC3E}">
+        <p14:creationId xmlns:p14="http://schemas.microsoft.com/office/powerpoint/2010/main" val="355249271"/>
+      </p:ext>
+    </p:extLst>
+  </p:cSld>
+  <p:clrMapOvr>
+    <a:masterClrMapping/>
+  </p:clrMapOvr>
+  <p:timing>
+    <p:tnLst>
+      <p:par>
+        <p:cTn id="1" dur="indefinite" restart="never" nodeType="tmRoot"/>
+      </p:par>
+    </p:tnLst>
+  </p:timing>
+</p:sld>
+</file>
+
+<file path=ppt/slides/slide30.xml><?xml version="1.0" encoding="utf-8"?>
 <p:sld xmlns:a="http://schemas.openxmlformats.org/drawingml/2006/main" xmlns:r="http://schemas.openxmlformats.org/officeDocument/2006/relationships" xmlns:p="http://schemas.openxmlformats.org/presentationml/2006/main">
   <p:cSld>
     <p:spTree>
@@ -26104,7 +29846,7 @@
 </p:sld>
 </file>
 
-<file path=ppt/slides/slide29.xml><?xml version="1.0" encoding="utf-8"?>
+<file path=ppt/slides/slide31.xml><?xml version="1.0" encoding="utf-8"?>
 <p:sld xmlns:a="http://schemas.openxmlformats.org/drawingml/2006/main" xmlns:r="http://schemas.openxmlformats.org/officeDocument/2006/relationships" xmlns:p="http://schemas.openxmlformats.org/presentationml/2006/main">
   <p:cSld>
     <p:spTree>
@@ -27306,7 +31048,7 @@
               <a:defRPr sz="1400"/>
             </a:pPr>
             <a:r>
-              <a:t>17</a:t>
+              <a:t>3</a:t>
             </a:r>
             <a:endParaRPr lang="es-MX" dirty="0">
               <a:latin typeface="Arial Narrow" panose="020B0606020202030204" pitchFamily="34" charset="0"/>
@@ -27340,7 +31082,7 @@
               <a:defRPr sz="1400"/>
             </a:pPr>
             <a:r>
-              <a:t>$ 195.67</a:t>
+              <a:t>$ 65.67</a:t>
             </a:r>
             <a:endParaRPr lang="es-MX" dirty="0">
               <a:latin typeface="Arial Narrow" panose="020B0606020202030204" pitchFamily="34" charset="0"/>
@@ -27374,7 +31116,7 @@
               <a:defRPr sz="1400"/>
             </a:pPr>
             <a:r>
-              <a:t>959</a:t>
+              <a:t>174</a:t>
             </a:r>
             <a:endParaRPr lang="es-MX" dirty="0">
               <a:latin typeface="Arial Narrow" panose="020B0606020202030204" pitchFamily="34" charset="0"/>
@@ -27408,7 +31150,7 @@
               <a:defRPr sz="1400"/>
             </a:pPr>
             <a:r>
-              <a:t>$ 6,364.52</a:t>
+              <a:t>$ 1,194.48</a:t>
             </a:r>
             <a:endParaRPr lang="es-MX" dirty="0">
               <a:latin typeface="Arial Narrow" panose="020B0606020202030204" pitchFamily="34" charset="0"/>
@@ -27442,7 +31184,7 @@
               <a:defRPr sz="1400"/>
             </a:pPr>
             <a:r>
-              <a:t>571</a:t>
+              <a:t>166</a:t>
             </a:r>
             <a:endParaRPr lang="es-MX" b="1" dirty="0">
               <a:latin typeface="Arial Narrow" panose="020B0606020202030204" pitchFamily="34" charset="0"/>
@@ -27476,7 +31218,7 @@
               <a:defRPr sz="1400"/>
             </a:pPr>
             <a:r>
-              <a:t>$ 4,286.41</a:t>
+              <a:t>$ 1,103.57</a:t>
             </a:r>
             <a:endParaRPr lang="es-MX" b="1" dirty="0">
               <a:latin typeface="Arial Narrow" panose="020B0606020202030204" pitchFamily="34" charset="0"/>
@@ -27510,7 +31252,7 @@
               <a:defRPr sz="1400"/>
             </a:pPr>
             <a:r>
-              <a:t>371</a:t>
+              <a:t>5</a:t>
             </a:r>
             <a:endParaRPr lang="es-MX" dirty="0">
               <a:latin typeface="Arial Narrow" panose="020B0606020202030204" pitchFamily="34" charset="0"/>
@@ -27544,7 +31286,7 @@
               <a:defRPr sz="1400"/>
             </a:pPr>
             <a:r>
-              <a:t>$ 1,882.44</a:t>
+              <a:t>$ 25.24</a:t>
             </a:r>
             <a:endParaRPr lang="es-MX" dirty="0">
               <a:latin typeface="Arial Narrow" panose="020B0606020202030204" pitchFamily="34" charset="0"/>
@@ -27572,1475 +31314,7 @@
 </p:sld>
 </file>
 
-<file path=ppt/slides/slide3.xml><?xml version="1.0" encoding="utf-8"?>
-<p:sld xmlns:a="http://schemas.openxmlformats.org/drawingml/2006/main" xmlns:r="http://schemas.openxmlformats.org/officeDocument/2006/relationships" xmlns:p="http://schemas.openxmlformats.org/presentationml/2006/main">
-  <p:cSld>
-    <p:spTree>
-      <p:nvGrpSpPr>
-        <p:cNvPr id="1" name=""/>
-        <p:cNvGrpSpPr/>
-        <p:nvPr/>
-      </p:nvGrpSpPr>
-      <p:grpSpPr>
-        <a:xfrm>
-          <a:off x="0" y="0"/>
-          <a:ext cx="0" cy="0"/>
-          <a:chOff x="0" y="0"/>
-          <a:chExt cx="0" cy="0"/>
-        </a:xfrm>
-      </p:grpSpPr>
-      <p:graphicFrame>
-        <p:nvGraphicFramePr>
-          <p:cNvPr id="4" name="3 Tabla"/>
-          <p:cNvGraphicFramePr>
-            <a:graphicFrameLocks noGrp="1"/>
-          </p:cNvGraphicFramePr>
-          <p:nvPr>
-            <p:extLst>
-              <p:ext uri="{D42A27DB-BD31-4B8C-83A1-F6EECF244321}">
-                <p14:modId xmlns:p14="http://schemas.microsoft.com/office/powerpoint/2010/main" val="4160823286"/>
-              </p:ext>
-            </p:extLst>
-          </p:nvPr>
-        </p:nvGraphicFramePr>
-        <p:xfrm>
-          <a:off x="272955" y="1394275"/>
-          <a:ext cx="8707272" cy="5279481"/>
-        </p:xfrm>
-        <a:graphic>
-          <a:graphicData uri="http://schemas.openxmlformats.org/drawingml/2006/table">
-            <a:tbl>
-              <a:tblPr firstRow="1" bandRow="1">
-                <a:tableStyleId>{5C22544A-7EE6-4342-B048-85BDC9FD1C3A}</a:tableStyleId>
-              </a:tblPr>
-              <a:tblGrid>
-                <a:gridCol w="498046"/>
-                <a:gridCol w="2399985"/>
-                <a:gridCol w="5809241"/>
-              </a:tblGrid>
-              <a:tr h="139851">
-                <a:tc gridSpan="2">
-                  <a:txBody>
-                    <a:bodyPr/>
-                    <a:lstStyle/>
-                    <a:p>
-                      <a:pPr algn="ctr">
-                        <a:lnSpc>
-                          <a:spcPts val="900"/>
-                        </a:lnSpc>
-                        <a:spcBef>
-                          <a:spcPts val="600"/>
-                        </a:spcBef>
-                        <a:spcAft>
-                          <a:spcPts val="300"/>
-                        </a:spcAft>
-                      </a:pPr>
-                      <a:endParaRPr lang="es-MX" sz="900" dirty="0">
-                        <a:solidFill>
-                          <a:srgbClr val="008040"/>
-                        </a:solidFill>
-                        <a:effectLst/>
-                        <a:latin typeface="Arial Narrow" panose="020B0606020202030204" pitchFamily="34" charset="0"/>
-                        <a:ea typeface="Calibri"/>
-                        <a:cs typeface="Times New Roman"/>
-                      </a:endParaRPr>
-                    </a:p>
-                  </a:txBody>
-                  <a:tcPr marL="63988" marR="63988" marT="0" marB="0" anchor="ctr">
-                    <a:solidFill>
-                      <a:schemeClr val="bg1">
-                        <a:lumMod val="95000"/>
-                      </a:schemeClr>
-                    </a:solidFill>
-                  </a:tcPr>
-                </a:tc>
-                <a:tc hMerge="1">
-                  <a:txBody>
-                    <a:bodyPr/>
-                    <a:lstStyle/>
-                    <a:p>
-                      <a:endParaRPr lang="es-MX"/>
-                    </a:p>
-                  </a:txBody>
-                  <a:tcPr/>
-                </a:tc>
-                <a:tc>
-                  <a:txBody>
-                    <a:bodyPr/>
-                    <a:lstStyle/>
-                    <a:p>
-                      <a:pPr algn="ctr">
-                        <a:lnSpc>
-                          <a:spcPts val="900"/>
-                        </a:lnSpc>
-                        <a:spcBef>
-                          <a:spcPts val="600"/>
-                        </a:spcBef>
-                        <a:spcAft>
-                          <a:spcPts val="300"/>
-                        </a:spcAft>
-                      </a:pPr>
-                      <a:endParaRPr lang="es-MX" sz="900" dirty="0">
-                        <a:solidFill>
-                          <a:srgbClr val="008040"/>
-                        </a:solidFill>
-                        <a:effectLst/>
-                        <a:latin typeface="Arial Narrow" panose="020B0606020202030204" pitchFamily="34" charset="0"/>
-                        <a:ea typeface="Calibri"/>
-                        <a:cs typeface="Times New Roman"/>
-                      </a:endParaRPr>
-                    </a:p>
-                  </a:txBody>
-                  <a:tcPr marL="63988" marR="63988" marT="0" marB="0" anchor="ctr">
-                    <a:noFill/>
-                  </a:tcPr>
-                </a:tc>
-              </a:tr>
-              <a:tr h="458839">
-                <a:tc>
-                  <a:txBody>
-                    <a:bodyPr/>
-                    <a:lstStyle/>
-                    <a:p>
-                      <a:pPr algn="ctr">
-                        <a:lnSpc>
-                          <a:spcPts val="1100"/>
-                        </a:lnSpc>
-                        <a:spcBef>
-                          <a:spcPts val="600"/>
-                        </a:spcBef>
-                        <a:spcAft>
-                          <a:spcPts val="300"/>
-                        </a:spcAft>
-                      </a:pPr>
-                      <a:endParaRPr lang="es-MX" sz="1100" b="1" dirty="0">
-                        <a:solidFill>
-                          <a:srgbClr val="008040"/>
-                        </a:solidFill>
-                        <a:effectLst/>
-                        <a:latin typeface="Arial Narrow" panose="020B0606020202030204" pitchFamily="34" charset="0"/>
-                        <a:ea typeface="Calibri"/>
-                        <a:cs typeface="Times New Roman"/>
-                      </a:endParaRPr>
-                    </a:p>
-                  </a:txBody>
-                  <a:tcPr marL="68580" marR="68580" marT="0" marB="0" anchor="ctr">
-                    <a:lnL w="3175" cap="flat" cmpd="sng" algn="ctr">
-                      <a:noFill/>
-                      <a:prstDash val="solid"/>
-                      <a:round/>
-                      <a:headEnd type="none" w="med" len="med"/>
-                      <a:tailEnd type="none" w="med" len="med"/>
-                    </a:lnL>
-                    <a:lnR w="6350" cap="flat" cmpd="sng" algn="ctr">
-                      <a:solidFill>
-                        <a:schemeClr val="bg1"/>
-                      </a:solidFill>
-                      <a:prstDash val="solid"/>
-                      <a:round/>
-                      <a:headEnd type="none" w="med" len="med"/>
-                      <a:tailEnd type="none" w="med" len="med"/>
-                    </a:lnR>
-                    <a:solidFill>
-                      <a:srgbClr val="D60093"/>
-                    </a:solidFill>
-                  </a:tcPr>
-                </a:tc>
-                <a:tc>
-                  <a:txBody>
-                    <a:bodyPr/>
-                    <a:lstStyle/>
-                    <a:p>
-                      <a:pPr marL="0" marR="0" indent="0" algn="l" defTabSz="457200" rtl="0" eaLnBrk="1" fontAlgn="auto" latinLnBrk="0" hangingPunct="1">
-                        <a:lnSpc>
-                          <a:spcPts val="1100"/>
-                        </a:lnSpc>
-                        <a:spcBef>
-                          <a:spcPts val="0"/>
-                        </a:spcBef>
-                        <a:spcAft>
-                          <a:spcPts val="0"/>
-                        </a:spcAft>
-                        <a:buClrTx/>
-                        <a:buSzTx/>
-                        <a:buFontTx/>
-                        <a:buNone/>
-                        <a:tabLst/>
-                        <a:defRPr/>
-                      </a:pPr>
-                      <a:r>
-                        <a:rPr lang="es-MX" sz="1400" b="1" dirty="0" smtClean="0">
-                          <a:solidFill>
-                            <a:schemeClr val="tx1">
-                              <a:lumMod val="75000"/>
-                              <a:lumOff val="25000"/>
-                            </a:schemeClr>
-                          </a:solidFill>
-                          <a:effectLst/>
-                          <a:latin typeface="Arial Narrow" panose="020B0606020202030204" pitchFamily="34" charset="0"/>
-                          <a:ea typeface="Calibri"/>
-                          <a:cs typeface="Arial"/>
-                        </a:rPr>
-                        <a:t>Secretaría de</a:t>
-                      </a:r>
-                      <a:r>
-                        <a:rPr lang="es-MX" sz="1400" b="1" baseline="0" dirty="0" smtClean="0">
-                          <a:solidFill>
-                            <a:schemeClr val="tx1">
-                              <a:lumMod val="75000"/>
-                              <a:lumOff val="25000"/>
-                            </a:schemeClr>
-                          </a:solidFill>
-                          <a:effectLst/>
-                          <a:latin typeface="Arial Narrow" panose="020B0606020202030204" pitchFamily="34" charset="0"/>
-                          <a:ea typeface="Calibri"/>
-                          <a:cs typeface="Arial"/>
-                        </a:rPr>
-                        <a:t> Desarrollo Social</a:t>
-                      </a:r>
-                      <a:endParaRPr lang="es-MX" sz="1400" b="1" dirty="0" smtClean="0">
-                        <a:solidFill>
-                          <a:schemeClr val="tx1">
-                            <a:lumMod val="75000"/>
-                            <a:lumOff val="25000"/>
-                          </a:schemeClr>
-                        </a:solidFill>
-                        <a:effectLst/>
-                        <a:latin typeface="Arial Narrow" panose="020B0606020202030204" pitchFamily="34" charset="0"/>
-                        <a:ea typeface="Calibri"/>
-                        <a:cs typeface="Arial"/>
-                      </a:endParaRPr>
-                    </a:p>
-                  </a:txBody>
-                  <a:tcPr marL="68580" marR="68580" marT="0" marB="0" anchor="ctr">
-                    <a:lnL w="6350" cap="flat" cmpd="sng" algn="ctr">
-                      <a:solidFill>
-                        <a:schemeClr val="bg1"/>
-                      </a:solidFill>
-                      <a:prstDash val="solid"/>
-                      <a:round/>
-                      <a:headEnd type="none" w="med" len="med"/>
-                      <a:tailEnd type="none" w="med" len="med"/>
-                    </a:lnL>
-                    <a:lnR w="6350" cap="flat" cmpd="sng" algn="ctr">
-                      <a:solidFill>
-                        <a:schemeClr val="bg1"/>
-                      </a:solidFill>
-                      <a:prstDash val="solid"/>
-                      <a:round/>
-                      <a:headEnd type="none" w="med" len="med"/>
-                      <a:tailEnd type="none" w="med" len="med"/>
-                    </a:lnR>
-                    <a:solidFill>
-                      <a:srgbClr val="E4E4E4"/>
-                    </a:solidFill>
-                  </a:tcPr>
-                </a:tc>
-                <a:tc>
-                  <a:txBody>
-                    <a:bodyPr/>
-                    <a:lstStyle/>
-                    <a:p>
-                      <a:pPr marL="0" marR="0" indent="0" algn="ctr" defTabSz="457200" rtl="0" eaLnBrk="1" fontAlgn="auto" latinLnBrk="0" hangingPunct="1">
-                        <a:lnSpc>
-                          <a:spcPts val="1100"/>
-                        </a:lnSpc>
-                        <a:spcBef>
-                          <a:spcPts val="600"/>
-                        </a:spcBef>
-                        <a:spcAft>
-                          <a:spcPts val="300"/>
-                        </a:spcAft>
-                        <a:buClrTx/>
-                        <a:buSzTx/>
-                        <a:buFontTx/>
-                        <a:buNone/>
-                        <a:tabLst/>
-                        <a:defRPr/>
-                      </a:pPr>
-                      <a:endParaRPr lang="es-MX" sz="1100" b="1" dirty="0" smtClean="0">
-                        <a:solidFill>
-                          <a:srgbClr val="008040"/>
-                        </a:solidFill>
-                        <a:effectLst/>
-                        <a:latin typeface="Arial Narrow" panose="020B0606020202030204" pitchFamily="34" charset="0"/>
-                        <a:ea typeface="Calibri"/>
-                        <a:cs typeface="Times New Roman"/>
-                      </a:endParaRPr>
-                    </a:p>
-                  </a:txBody>
-                  <a:tcPr marL="68580" marR="68580" marT="0" marB="0" anchor="ctr">
-                    <a:lnL w="6350" cap="flat" cmpd="sng" algn="ctr">
-                      <a:solidFill>
-                        <a:schemeClr val="bg1"/>
-                      </a:solidFill>
-                      <a:prstDash val="solid"/>
-                      <a:round/>
-                      <a:headEnd type="none" w="med" len="med"/>
-                      <a:tailEnd type="none" w="med" len="med"/>
-                    </a:lnL>
-                    <a:lnR w="6350" cap="flat" cmpd="sng" algn="ctr">
-                      <a:solidFill>
-                        <a:schemeClr val="bg1"/>
-                      </a:solidFill>
-                      <a:prstDash val="solid"/>
-                      <a:round/>
-                      <a:headEnd type="none" w="med" len="med"/>
-                      <a:tailEnd type="none" w="med" len="med"/>
-                    </a:lnR>
-                    <a:noFill/>
-                  </a:tcPr>
-                </a:tc>
-              </a:tr>
-              <a:tr h="104699">
-                <a:tc gridSpan="2">
-                  <a:txBody>
-                    <a:bodyPr/>
-                    <a:lstStyle/>
-                    <a:p>
-                      <a:pPr algn="l">
-                        <a:lnSpc>
-                          <a:spcPct val="120000"/>
-                        </a:lnSpc>
-                        <a:spcAft>
-                          <a:spcPts val="0"/>
-                        </a:spcAft>
-                      </a:pPr>
-                      <a:endParaRPr lang="es-MX" sz="300" dirty="0">
-                        <a:solidFill>
-                          <a:srgbClr val="404040"/>
-                        </a:solidFill>
-                        <a:effectLst/>
-                        <a:latin typeface="Arial Narrow" panose="020B0606020202030204" pitchFamily="34" charset="0"/>
-                        <a:ea typeface="Calibri"/>
-                        <a:cs typeface="Times New Roman"/>
-                      </a:endParaRPr>
-                    </a:p>
-                  </a:txBody>
-                  <a:tcPr marL="41308" marR="41308" marT="0" marB="0" anchor="ctr">
-                    <a:lnB w="3175" cap="flat" cmpd="sng" algn="ctr">
-                      <a:solidFill>
-                        <a:schemeClr val="bg1">
-                          <a:lumMod val="85000"/>
-                        </a:schemeClr>
-                      </a:solidFill>
-                      <a:prstDash val="solid"/>
-                      <a:round/>
-                      <a:headEnd type="none" w="med" len="med"/>
-                      <a:tailEnd type="none" w="med" len="med"/>
-                    </a:lnB>
-                    <a:solidFill>
-                      <a:schemeClr val="bg1"/>
-                    </a:solidFill>
-                  </a:tcPr>
-                </a:tc>
-                <a:tc hMerge="1">
-                  <a:txBody>
-                    <a:bodyPr/>
-                    <a:lstStyle/>
-                    <a:p>
-                      <a:endParaRPr lang="es-MX"/>
-                    </a:p>
-                  </a:txBody>
-                  <a:tcPr/>
-                </a:tc>
-                <a:tc>
-                  <a:txBody>
-                    <a:bodyPr/>
-                    <a:lstStyle/>
-                    <a:p>
-                      <a:pPr algn="l">
-                        <a:lnSpc>
-                          <a:spcPct val="120000"/>
-                        </a:lnSpc>
-                        <a:spcAft>
-                          <a:spcPts val="0"/>
-                        </a:spcAft>
-                      </a:pPr>
-                      <a:endParaRPr lang="es-MX" sz="300" dirty="0">
-                        <a:solidFill>
-                          <a:srgbClr val="404040"/>
-                        </a:solidFill>
-                        <a:effectLst/>
-                        <a:latin typeface="Arial Narrow" panose="020B0606020202030204" pitchFamily="34" charset="0"/>
-                        <a:ea typeface="Calibri"/>
-                        <a:cs typeface="Times New Roman"/>
-                      </a:endParaRPr>
-                    </a:p>
-                  </a:txBody>
-                  <a:tcPr marL="41308" marR="41308" marT="0" marB="0" anchor="ctr">
-                    <a:lnB w="3175" cap="flat" cmpd="sng" algn="ctr">
-                      <a:solidFill>
-                        <a:schemeClr val="bg1">
-                          <a:lumMod val="85000"/>
-                        </a:schemeClr>
-                      </a:solidFill>
-                      <a:prstDash val="solid"/>
-                      <a:round/>
-                      <a:headEnd type="none" w="med" len="med"/>
-                      <a:tailEnd type="none" w="med" len="med"/>
-                    </a:lnB>
-                    <a:solidFill>
-                      <a:schemeClr val="bg1"/>
-                    </a:solidFill>
-                  </a:tcPr>
-                </a:tc>
-              </a:tr>
-              <a:tr h="4576092">
-                <a:tc gridSpan="3">
-                  <a:txBody>
-                    <a:bodyPr/>
-                    <a:lstStyle/>
-                    <a:p>
-                      <a:pPr marL="0" marR="0" indent="0" algn="l" defTabSz="457200" rtl="0" eaLnBrk="1" fontAlgn="auto" latinLnBrk="0" hangingPunct="1">
-                        <a:lnSpc>
-                          <a:spcPct val="120000"/>
-                        </a:lnSpc>
-                        <a:spcBef>
-                          <a:spcPts val="0"/>
-                        </a:spcBef>
-                        <a:spcAft>
-                          <a:spcPts val="0"/>
-                        </a:spcAft>
-                        <a:buClr>
-                          <a:srgbClr val="008040"/>
-                        </a:buClr>
-                        <a:buSzTx/>
-                        <a:buFont typeface="Wingdings" panose="05000000000000000000" pitchFamily="2" charset="2"/>
-                        <a:buNone/>
-                        <a:tabLst/>
-                        <a:defRPr/>
-                      </a:pPr>
-                      <a:endParaRPr lang="es-MX" sz="1800" dirty="0" smtClean="0">
-                        <a:solidFill>
-                          <a:schemeClr val="tx1">
-                            <a:lumMod val="75000"/>
-                            <a:lumOff val="25000"/>
-                          </a:schemeClr>
-                        </a:solidFill>
-                        <a:effectLst/>
-                        <a:latin typeface="Arial Narrow" panose="020B0606020202030204" pitchFamily="34" charset="0"/>
-                        <a:ea typeface="Calibri"/>
-                        <a:cs typeface="Arial"/>
-                      </a:endParaRPr>
-                    </a:p>
-                  </a:txBody>
-                  <a:tcPr marL="68580" marR="68580" marT="0" marB="0">
-                    <a:lnL w="12700" cmpd="sng">
-                      <a:noFill/>
-                    </a:lnL>
-                    <a:lnR w="76200" cap="flat" cmpd="sng" algn="ctr">
-                      <a:noFill/>
-                      <a:prstDash val="solid"/>
-                      <a:round/>
-                      <a:headEnd type="none" w="med" len="med"/>
-                      <a:tailEnd type="none" w="med" len="med"/>
-                    </a:lnR>
-                    <a:lnT w="3175" cap="flat" cmpd="sng" algn="ctr">
-                      <a:solidFill>
-                        <a:schemeClr val="bg1">
-                          <a:lumMod val="85000"/>
-                        </a:schemeClr>
-                      </a:solidFill>
-                      <a:prstDash val="solid"/>
-                      <a:round/>
-                      <a:headEnd type="none" w="med" len="med"/>
-                      <a:tailEnd type="none" w="med" len="med"/>
-                    </a:lnT>
-                    <a:lnB w="6350" cap="flat" cmpd="sng" algn="ctr">
-                      <a:noFill/>
-                      <a:prstDash val="solid"/>
-                      <a:round/>
-                      <a:headEnd type="none" w="med" len="med"/>
-                      <a:tailEnd type="none" w="med" len="med"/>
-                    </a:lnB>
-                    <a:lnTlToBr w="12700" cmpd="sng">
-                      <a:noFill/>
-                      <a:prstDash val="solid"/>
-                    </a:lnTlToBr>
-                    <a:lnBlToTr w="12700" cmpd="sng">
-                      <a:noFill/>
-                      <a:prstDash val="solid"/>
-                    </a:lnBlToTr>
-                    <a:noFill/>
-                  </a:tcPr>
-                </a:tc>
-                <a:tc hMerge="1">
-                  <a:txBody>
-                    <a:bodyPr/>
-                    <a:lstStyle/>
-                    <a:p>
-                      <a:endParaRPr lang="es-MX"/>
-                    </a:p>
-                  </a:txBody>
-                  <a:tcPr/>
-                </a:tc>
-                <a:tc hMerge="1">
-                  <a:txBody>
-                    <a:bodyPr/>
-                    <a:lstStyle/>
-                    <a:p>
-                      <a:pPr marL="0" indent="0" algn="l">
-                        <a:lnSpc>
-                          <a:spcPct val="120000"/>
-                        </a:lnSpc>
-                        <a:spcAft>
-                          <a:spcPts val="0"/>
-                        </a:spcAft>
-                        <a:buClr>
-                          <a:srgbClr val="008040"/>
-                        </a:buClr>
-                        <a:buFont typeface="Wingdings" panose="05000000000000000000" pitchFamily="2" charset="2"/>
-                        <a:buNone/>
-                      </a:pPr>
-                      <a:endParaRPr lang="es-MX" sz="1100" b="1" dirty="0">
-                        <a:solidFill>
-                          <a:schemeClr val="tx1">
-                            <a:lumMod val="75000"/>
-                            <a:lumOff val="25000"/>
-                          </a:schemeClr>
-                        </a:solidFill>
-                        <a:effectLst/>
-                        <a:latin typeface="Arial Narrow" panose="020B0606020202030204" pitchFamily="34" charset="0"/>
-                        <a:ea typeface="Calibri"/>
-                        <a:cs typeface="Times New Roman"/>
-                      </a:endParaRPr>
-                    </a:p>
-                  </a:txBody>
-                  <a:tcPr marL="68580" marR="68580" marT="0" marB="0">
-                    <a:lnL w="12700" cmpd="sng">
-                      <a:noFill/>
-                    </a:lnL>
-                    <a:lnR w="76200" cap="flat" cmpd="sng" algn="ctr">
-                      <a:noFill/>
-                      <a:prstDash val="solid"/>
-                      <a:round/>
-                      <a:headEnd type="none" w="med" len="med"/>
-                      <a:tailEnd type="none" w="med" len="med"/>
-                    </a:lnR>
-                    <a:lnT w="3175" cap="flat" cmpd="sng" algn="ctr">
-                      <a:solidFill>
-                        <a:srgbClr val="008040"/>
-                      </a:solidFill>
-                      <a:prstDash val="solid"/>
-                      <a:round/>
-                      <a:headEnd type="none" w="med" len="med"/>
-                      <a:tailEnd type="none" w="med" len="med"/>
-                    </a:lnT>
-                    <a:lnB w="6350" cap="flat" cmpd="sng" algn="ctr">
-                      <a:noFill/>
-                      <a:prstDash val="solid"/>
-                      <a:round/>
-                      <a:headEnd type="none" w="med" len="med"/>
-                      <a:tailEnd type="none" w="med" len="med"/>
-                    </a:lnB>
-                    <a:lnTlToBr w="12700" cmpd="sng">
-                      <a:noFill/>
-                      <a:prstDash val="solid"/>
-                    </a:lnTlToBr>
-                    <a:lnBlToTr w="12700" cmpd="sng">
-                      <a:noFill/>
-                      <a:prstDash val="solid"/>
-                    </a:lnBlToTr>
-                    <a:noFill/>
-                  </a:tcPr>
-                </a:tc>
-              </a:tr>
-            </a:tbl>
-          </a:graphicData>
-        </a:graphic>
-      </p:graphicFrame>
-      <p:graphicFrame>
-        <p:nvGraphicFramePr>
-          <p:cNvPr id="9" name="8 Tabla"/>
-          <p:cNvGraphicFramePr>
-            <a:graphicFrameLocks noGrp="1"/>
-          </p:cNvGraphicFramePr>
-          <p:nvPr>
-            <p:extLst>
-              <p:ext uri="{D42A27DB-BD31-4B8C-83A1-F6EECF244321}">
-                <p14:modId xmlns:p14="http://schemas.microsoft.com/office/powerpoint/2010/main" val="425155333"/>
-              </p:ext>
-            </p:extLst>
-          </p:nvPr>
-        </p:nvGraphicFramePr>
-        <p:xfrm>
-          <a:off x="1524000" y="3407535"/>
-          <a:ext cx="6096000" cy="1854200"/>
-        </p:xfrm>
-        <a:graphic>
-          <a:graphicData uri="http://schemas.openxmlformats.org/drawingml/2006/table">
-            <a:tbl>
-              <a:tblPr firstRow="1" bandRow="1">
-                <a:tableStyleId>{2D5ABB26-0587-4C30-8999-92F81FD0307C}</a:tableStyleId>
-              </a:tblPr>
-              <a:tblGrid>
-                <a:gridCol w="2032000"/>
-                <a:gridCol w="2032000"/>
-                <a:gridCol w="2032000"/>
-              </a:tblGrid>
-              <a:tr h="370840">
-                <a:tc>
-                  <a:txBody>
-                    <a:bodyPr/>
-                    <a:lstStyle/>
-                    <a:p>
-                      <a:pPr algn="ctr"/>
-                      <a:endParaRPr lang="es-MX" b="1" dirty="0">
-                        <a:solidFill>
-                          <a:schemeClr val="tx1">
-                            <a:lumMod val="65000"/>
-                            <a:lumOff val="35000"/>
-                          </a:schemeClr>
-                        </a:solidFill>
-                        <a:latin typeface="Arial Narrow" panose="020B0606020202030204" pitchFamily="34" charset="0"/>
-                      </a:endParaRPr>
-                    </a:p>
-                  </a:txBody>
-                  <a:tcPr>
-                    <a:solidFill>
-                      <a:schemeClr val="bg1">
-                        <a:lumMod val="95000"/>
-                      </a:schemeClr>
-                    </a:solidFill>
-                  </a:tcPr>
-                </a:tc>
-                <a:tc>
-                  <a:txBody>
-                    <a:bodyPr/>
-                    <a:lstStyle/>
-                    <a:p>
-                      <a:pPr algn="ctr"/>
-                      <a:r>
-                        <a:rPr lang="es-MX" b="1" dirty="0" smtClean="0">
-                          <a:solidFill>
-                            <a:schemeClr val="tx1">
-                              <a:lumMod val="65000"/>
-                              <a:lumOff val="35000"/>
-                            </a:schemeClr>
-                          </a:solidFill>
-                          <a:latin typeface="Arial Narrow" panose="020B0606020202030204" pitchFamily="34" charset="0"/>
-                        </a:rPr>
-                        <a:t>Número</a:t>
-                      </a:r>
-                      <a:r>
-                        <a:rPr lang="es-MX" b="1" baseline="0" dirty="0" smtClean="0">
-                          <a:solidFill>
-                            <a:schemeClr val="tx1">
-                              <a:lumMod val="65000"/>
-                              <a:lumOff val="35000"/>
-                            </a:schemeClr>
-                          </a:solidFill>
-                          <a:latin typeface="Arial Narrow" panose="020B0606020202030204" pitchFamily="34" charset="0"/>
-                        </a:rPr>
-                        <a:t> de obras</a:t>
-                      </a:r>
-                      <a:endParaRPr lang="es-MX" b="1" dirty="0">
-                        <a:solidFill>
-                          <a:schemeClr val="tx1">
-                            <a:lumMod val="65000"/>
-                            <a:lumOff val="35000"/>
-                          </a:schemeClr>
-                        </a:solidFill>
-                        <a:latin typeface="Arial Narrow" panose="020B0606020202030204" pitchFamily="34" charset="0"/>
-                      </a:endParaRPr>
-                    </a:p>
-                  </a:txBody>
-                  <a:tcPr>
-                    <a:solidFill>
-                      <a:schemeClr val="bg1">
-                        <a:lumMod val="95000"/>
-                      </a:schemeClr>
-                    </a:solidFill>
-                  </a:tcPr>
-                </a:tc>
-                <a:tc>
-                  <a:txBody>
-                    <a:bodyPr/>
-                    <a:lstStyle/>
-                    <a:p>
-                      <a:pPr algn="ctr"/>
-                      <a:r>
-                        <a:rPr lang="es-MX" b="1" dirty="0" smtClean="0">
-                          <a:solidFill>
-                            <a:schemeClr val="tx1">
-                              <a:lumMod val="65000"/>
-                              <a:lumOff val="35000"/>
-                            </a:schemeClr>
-                          </a:solidFill>
-                          <a:latin typeface="Arial Narrow" panose="020B0606020202030204" pitchFamily="34" charset="0"/>
-                        </a:rPr>
-                        <a:t>Inversión mdp</a:t>
-                      </a:r>
-                      <a:endParaRPr lang="es-MX" b="1" dirty="0">
-                        <a:solidFill>
-                          <a:schemeClr val="tx1">
-                            <a:lumMod val="65000"/>
-                            <a:lumOff val="35000"/>
-                          </a:schemeClr>
-                        </a:solidFill>
-                        <a:latin typeface="Arial Narrow" panose="020B0606020202030204" pitchFamily="34" charset="0"/>
-                      </a:endParaRPr>
-                    </a:p>
-                  </a:txBody>
-                  <a:tcPr>
-                    <a:solidFill>
-                      <a:schemeClr val="bg1">
-                        <a:lumMod val="95000"/>
-                      </a:schemeClr>
-                    </a:solidFill>
-                  </a:tcPr>
-                </a:tc>
-              </a:tr>
-              <a:tr h="370840">
-                <a:tc>
-                  <a:txBody>
-                    <a:bodyPr/>
-                    <a:lstStyle/>
-                    <a:p>
-                      <a:r>
-                        <a:rPr lang="es-MX" b="1" dirty="0" smtClean="0">
-                          <a:solidFill>
-                            <a:schemeClr val="tx1">
-                              <a:lumMod val="65000"/>
-                              <a:lumOff val="35000"/>
-                            </a:schemeClr>
-                          </a:solidFill>
-                          <a:latin typeface="Arial Narrow" panose="020B0606020202030204" pitchFamily="34" charset="0"/>
-                        </a:rPr>
-                        <a:t>Concluidas</a:t>
-                      </a:r>
-                      <a:endParaRPr lang="es-MX" b="1" dirty="0">
-                        <a:solidFill>
-                          <a:schemeClr val="tx1">
-                            <a:lumMod val="65000"/>
-                            <a:lumOff val="35000"/>
-                          </a:schemeClr>
-                        </a:solidFill>
-                        <a:latin typeface="Arial Narrow" panose="020B0606020202030204" pitchFamily="34" charset="0"/>
-                      </a:endParaRPr>
-                    </a:p>
-                  </a:txBody>
-                  <a:tcPr>
-                    <a:solidFill>
-                      <a:schemeClr val="bg1">
-                        <a:lumMod val="85000"/>
-                      </a:schemeClr>
-                    </a:solidFill>
-                  </a:tcPr>
-                </a:tc>
-                <a:tc>
-                  <a:txBody>
-                    <a:bodyPr/>
-                    <a:lstStyle/>
-                    <a:p>
-                      <a:pPr algn="ctr"/>
-                      <a:endParaRPr lang="es-MX" dirty="0">
-                        <a:solidFill>
-                          <a:schemeClr val="tx1">
-                            <a:lumMod val="65000"/>
-                            <a:lumOff val="35000"/>
-                          </a:schemeClr>
-                        </a:solidFill>
-                        <a:latin typeface="Arial Narrow" panose="020B0606020202030204" pitchFamily="34" charset="0"/>
-                      </a:endParaRPr>
-                    </a:p>
-                  </a:txBody>
-                  <a:tcPr>
-                    <a:solidFill>
-                      <a:schemeClr val="bg1">
-                        <a:lumMod val="85000"/>
-                      </a:schemeClr>
-                    </a:solidFill>
-                  </a:tcPr>
-                </a:tc>
-                <a:tc>
-                  <a:txBody>
-                    <a:bodyPr/>
-                    <a:lstStyle/>
-                    <a:p>
-                      <a:pPr algn="ctr"/>
-                      <a:endParaRPr lang="es-MX" dirty="0" smtClean="0">
-                        <a:solidFill>
-                          <a:schemeClr val="tx1">
-                            <a:lumMod val="65000"/>
-                            <a:lumOff val="35000"/>
-                          </a:schemeClr>
-                        </a:solidFill>
-                        <a:latin typeface="Arial Narrow" panose="020B0606020202030204" pitchFamily="34" charset="0"/>
-                      </a:endParaRPr>
-                    </a:p>
-                  </a:txBody>
-                  <a:tcPr>
-                    <a:solidFill>
-                      <a:schemeClr val="bg1">
-                        <a:lumMod val="85000"/>
-                      </a:schemeClr>
-                    </a:solidFill>
-                  </a:tcPr>
-                </a:tc>
-              </a:tr>
-              <a:tr h="370840">
-                <a:tc>
-                  <a:txBody>
-                    <a:bodyPr/>
-                    <a:lstStyle/>
-                    <a:p>
-                      <a:r>
-                        <a:rPr lang="es-MX" b="1" dirty="0" smtClean="0">
-                          <a:solidFill>
-                            <a:schemeClr val="tx1">
-                              <a:lumMod val="65000"/>
-                              <a:lumOff val="35000"/>
-                            </a:schemeClr>
-                          </a:solidFill>
-                          <a:latin typeface="Arial Narrow" panose="020B0606020202030204" pitchFamily="34" charset="0"/>
-                        </a:rPr>
-                        <a:t>En proceso</a:t>
-                      </a:r>
-                      <a:endParaRPr lang="es-MX" b="1" dirty="0">
-                        <a:solidFill>
-                          <a:schemeClr val="tx1">
-                            <a:lumMod val="65000"/>
-                            <a:lumOff val="35000"/>
-                          </a:schemeClr>
-                        </a:solidFill>
-                        <a:latin typeface="Arial Narrow" panose="020B0606020202030204" pitchFamily="34" charset="0"/>
-                      </a:endParaRPr>
-                    </a:p>
-                  </a:txBody>
-                  <a:tcPr>
-                    <a:noFill/>
-                  </a:tcPr>
-                </a:tc>
-                <a:tc>
-                  <a:txBody>
-                    <a:bodyPr/>
-                    <a:lstStyle/>
-                    <a:p>
-                      <a:pPr algn="ctr"/>
-                      <a:endParaRPr lang="es-MX" dirty="0">
-                        <a:solidFill>
-                          <a:schemeClr val="tx1">
-                            <a:lumMod val="65000"/>
-                            <a:lumOff val="35000"/>
-                          </a:schemeClr>
-                        </a:solidFill>
-                        <a:latin typeface="Arial Narrow" panose="020B0606020202030204" pitchFamily="34" charset="0"/>
-                      </a:endParaRPr>
-                    </a:p>
-                  </a:txBody>
-                  <a:tcPr>
-                    <a:noFill/>
-                  </a:tcPr>
-                </a:tc>
-                <a:tc>
-                  <a:txBody>
-                    <a:bodyPr/>
-                    <a:lstStyle/>
-                    <a:p>
-                      <a:pPr algn="ctr"/>
-                      <a:endParaRPr lang="es-MX" dirty="0">
-                        <a:solidFill>
-                          <a:schemeClr val="tx1">
-                            <a:lumMod val="65000"/>
-                            <a:lumOff val="35000"/>
-                          </a:schemeClr>
-                        </a:solidFill>
-                        <a:latin typeface="Arial Narrow" panose="020B0606020202030204" pitchFamily="34" charset="0"/>
-                      </a:endParaRPr>
-                    </a:p>
-                  </a:txBody>
-                  <a:tcPr>
-                    <a:noFill/>
-                  </a:tcPr>
-                </a:tc>
-              </a:tr>
-              <a:tr h="370840">
-                <a:tc>
-                  <a:txBody>
-                    <a:bodyPr/>
-                    <a:lstStyle/>
-                    <a:p>
-                      <a:r>
-                        <a:rPr lang="es-MX" b="1" dirty="0" smtClean="0">
-                          <a:solidFill>
-                            <a:schemeClr val="tx1">
-                              <a:lumMod val="65000"/>
-                              <a:lumOff val="35000"/>
-                            </a:schemeClr>
-                          </a:solidFill>
-                          <a:latin typeface="Arial Narrow" panose="020B0606020202030204" pitchFamily="34" charset="0"/>
-                        </a:rPr>
-                        <a:t>Proyectadas</a:t>
-                      </a:r>
-                      <a:endParaRPr lang="es-MX" b="1" dirty="0">
-                        <a:solidFill>
-                          <a:schemeClr val="tx1">
-                            <a:lumMod val="65000"/>
-                            <a:lumOff val="35000"/>
-                          </a:schemeClr>
-                        </a:solidFill>
-                        <a:latin typeface="Arial Narrow" panose="020B0606020202030204" pitchFamily="34" charset="0"/>
-                      </a:endParaRPr>
-                    </a:p>
-                  </a:txBody>
-                  <a:tcPr>
-                    <a:solidFill>
-                      <a:schemeClr val="bg1">
-                        <a:lumMod val="85000"/>
-                      </a:schemeClr>
-                    </a:solidFill>
-                  </a:tcPr>
-                </a:tc>
-                <a:tc>
-                  <a:txBody>
-                    <a:bodyPr/>
-                    <a:lstStyle/>
-                    <a:p>
-                      <a:pPr algn="ctr"/>
-                      <a:endParaRPr lang="es-MX" dirty="0">
-                        <a:solidFill>
-                          <a:schemeClr val="tx1">
-                            <a:lumMod val="65000"/>
-                            <a:lumOff val="35000"/>
-                          </a:schemeClr>
-                        </a:solidFill>
-                        <a:latin typeface="Arial Narrow" panose="020B0606020202030204" pitchFamily="34" charset="0"/>
-                      </a:endParaRPr>
-                    </a:p>
-                  </a:txBody>
-                  <a:tcPr>
-                    <a:solidFill>
-                      <a:schemeClr val="bg1">
-                        <a:lumMod val="85000"/>
-                      </a:schemeClr>
-                    </a:solidFill>
-                  </a:tcPr>
-                </a:tc>
-                <a:tc>
-                  <a:txBody>
-                    <a:bodyPr/>
-                    <a:lstStyle/>
-                    <a:p>
-                      <a:pPr algn="ctr"/>
-                      <a:endParaRPr lang="es-MX" dirty="0">
-                        <a:solidFill>
-                          <a:schemeClr val="tx1">
-                            <a:lumMod val="65000"/>
-                            <a:lumOff val="35000"/>
-                          </a:schemeClr>
-                        </a:solidFill>
-                        <a:latin typeface="Arial Narrow" panose="020B0606020202030204" pitchFamily="34" charset="0"/>
-                      </a:endParaRPr>
-                    </a:p>
-                  </a:txBody>
-                  <a:tcPr>
-                    <a:solidFill>
-                      <a:schemeClr val="bg1">
-                        <a:lumMod val="85000"/>
-                      </a:schemeClr>
-                    </a:solidFill>
-                  </a:tcPr>
-                </a:tc>
-              </a:tr>
-              <a:tr h="370840">
-                <a:tc>
-                  <a:txBody>
-                    <a:bodyPr/>
-                    <a:lstStyle/>
-                    <a:p>
-                      <a:r>
-                        <a:rPr lang="es-MX" b="1" dirty="0" smtClean="0">
-                          <a:solidFill>
-                            <a:schemeClr val="tx1">
-                              <a:lumMod val="65000"/>
-                              <a:lumOff val="35000"/>
-                            </a:schemeClr>
-                          </a:solidFill>
-                          <a:latin typeface="Arial Narrow" panose="020B0606020202030204" pitchFamily="34" charset="0"/>
-                        </a:rPr>
-                        <a:t>TOTAL</a:t>
-                      </a:r>
-                      <a:endParaRPr lang="es-MX" b="1" dirty="0">
-                        <a:solidFill>
-                          <a:schemeClr val="tx1">
-                            <a:lumMod val="65000"/>
-                            <a:lumOff val="35000"/>
-                          </a:schemeClr>
-                        </a:solidFill>
-                        <a:latin typeface="Arial Narrow" panose="020B0606020202030204" pitchFamily="34" charset="0"/>
-                      </a:endParaRPr>
-                    </a:p>
-                  </a:txBody>
-                  <a:tcPr/>
-                </a:tc>
-                <a:tc>
-                  <a:txBody>
-                    <a:bodyPr/>
-                    <a:lstStyle/>
-                    <a:p>
-                      <a:pPr algn="ctr"/>
-                      <a:endParaRPr lang="es-MX" b="1" dirty="0">
-                        <a:solidFill>
-                          <a:schemeClr val="tx1">
-                            <a:lumMod val="65000"/>
-                            <a:lumOff val="35000"/>
-                          </a:schemeClr>
-                        </a:solidFill>
-                        <a:latin typeface="Arial Narrow" panose="020B0606020202030204" pitchFamily="34" charset="0"/>
-                      </a:endParaRPr>
-                    </a:p>
-                  </a:txBody>
-                  <a:tcPr/>
-                </a:tc>
-                <a:tc>
-                  <a:txBody>
-                    <a:bodyPr/>
-                    <a:lstStyle/>
-                    <a:p>
-                      <a:pPr algn="ctr"/>
-                      <a:endParaRPr lang="es-MX" b="1" dirty="0">
-                        <a:solidFill>
-                          <a:schemeClr val="tx1">
-                            <a:lumMod val="65000"/>
-                            <a:lumOff val="35000"/>
-                          </a:schemeClr>
-                        </a:solidFill>
-                        <a:latin typeface="Arial Narrow" panose="020B0606020202030204" pitchFamily="34" charset="0"/>
-                      </a:endParaRPr>
-                    </a:p>
-                  </a:txBody>
-                  <a:tcPr/>
-                </a:tc>
-              </a:tr>
-            </a:tbl>
-          </a:graphicData>
-        </a:graphic>
-      </p:graphicFrame>
-      <p:pic>
-        <p:nvPicPr>
-          <p:cNvPr id="7" name="6 Imagen"/>
-          <p:cNvPicPr>
-            <a:picLocks noChangeAspect="1"/>
-          </p:cNvPicPr>
-          <p:nvPr/>
-        </p:nvPicPr>
-        <p:blipFill>
-          <a:blip r:embed="rId2">
-            <a:extLst>
-              <a:ext uri="{28A0092B-C50C-407E-A947-70E740481C1C}">
-                <a14:useLocalDpi xmlns:a14="http://schemas.microsoft.com/office/drawing/2010/main" val="0"/>
-              </a:ext>
-            </a:extLst>
-          </a:blip>
-          <a:stretch>
-            <a:fillRect/>
-          </a:stretch>
-        </p:blipFill>
-        <p:spPr>
-          <a:xfrm>
-            <a:off x="331774" y="1577223"/>
-            <a:ext cx="360036" cy="360036"/>
-          </a:xfrm>
-          <a:prstGeom prst="rect">
-            <a:avLst/>
-          </a:prstGeom>
-        </p:spPr>
-      </p:pic>
-      <p:pic>
-        <p:nvPicPr>
-          <p:cNvPr id="6" name="5 Imagen">
-            <a:hlinkClick r:id="rId3" action="ppaction://hlinkpres?slideindex=2&amp;slidetitle=Obras Concluidas por Sector"/>
-          </p:cNvPr>
-          <p:cNvPicPr>
-            <a:picLocks noChangeAspect="1"/>
-          </p:cNvPicPr>
-          <p:nvPr/>
-        </p:nvPicPr>
-        <p:blipFill>
-          <a:blip r:embed="rId4">
-            <a:extLst>
-              <a:ext uri="{28A0092B-C50C-407E-A947-70E740481C1C}">
-                <a14:useLocalDpi xmlns:a14="http://schemas.microsoft.com/office/drawing/2010/main" val="0"/>
-              </a:ext>
-            </a:extLst>
-          </a:blip>
-          <a:stretch>
-            <a:fillRect/>
-          </a:stretch>
-        </p:blipFill>
-        <p:spPr>
-          <a:xfrm>
-            <a:off x="8822656" y="6475642"/>
-            <a:ext cx="234000" cy="303946"/>
-          </a:xfrm>
-          <a:prstGeom prst="rect">
-            <a:avLst/>
-          </a:prstGeom>
-        </p:spPr>
-      </p:pic>
-      <p:sp>
-        <p:nvSpPr>
-          <p:cNvPr id="16" name="1 Título"/>
-          <p:cNvSpPr>
-            <a:spLocks noGrp="1"/>
-          </p:cNvSpPr>
-          <p:nvPr>
-            <p:ph type="title"/>
-          </p:nvPr>
-        </p:nvSpPr>
-        <p:spPr>
-          <a:xfrm>
-            <a:off x="457200" y="830886"/>
-            <a:ext cx="8229600" cy="391167"/>
-          </a:xfrm>
-        </p:spPr>
-        <p:txBody>
-          <a:bodyPr>
-            <a:normAutofit fontScale="90000"/>
-          </a:bodyPr>
-          <a:lstStyle/>
-          <a:p>
-            <a:pPr marL="0" lvl="0" indent="723900" algn="r">
-              <a:lnSpc>
-                <a:spcPct val="115000"/>
-              </a:lnSpc>
-              <a:spcAft>
-                <a:spcPts val="0"/>
-              </a:spcAft>
-            </a:pPr>
-            <a:r>
-              <a:rPr lang="es-MX" dirty="0">
-                <a:ea typeface="Calibri"/>
-                <a:cs typeface="Times New Roman"/>
-              </a:rPr>
-              <a:t>| Obras </a:t>
-            </a:r>
-            <a:r>
-              <a:rPr lang="es-MX" dirty="0" smtClean="0">
-                <a:ea typeface="Calibri"/>
-                <a:cs typeface="Times New Roman"/>
-              </a:rPr>
-              <a:t>concluidas, en Proceso y Proyectadas por </a:t>
-            </a:r>
-            <a:r>
-              <a:rPr lang="es-MX" dirty="0" smtClean="0">
-                <a:solidFill>
-                  <a:schemeClr val="tx1"/>
-                </a:solidFill>
-                <a:ea typeface="Calibri"/>
-                <a:cs typeface="Times New Roman"/>
-              </a:rPr>
-              <a:t>SECTOR </a:t>
-            </a:r>
-            <a:r>
-              <a:rPr lang="es-MX" dirty="0" smtClean="0">
-                <a:ea typeface="Calibri"/>
-                <a:cs typeface="Times New Roman"/>
-              </a:rPr>
-              <a:t>|</a:t>
-            </a:r>
-            <a:endParaRPr lang="es-MX" dirty="0">
-              <a:ea typeface="Calibri"/>
-              <a:cs typeface="Times New Roman"/>
-            </a:endParaRPr>
-          </a:p>
-        </p:txBody>
-      </p:sp>
-      <p:sp>
-        <p:nvSpPr>
-          <p:cNvPr id="14" name="13 CuadroTexto"/>
-          <p:cNvSpPr txBox="1"/>
-          <p:nvPr/>
-        </p:nvSpPr>
-        <p:spPr>
-          <a:xfrm>
-            <a:off x="3806456" y="3756322"/>
-            <a:ext cx="1531088" cy="369332"/>
-          </a:xfrm>
-          <a:prstGeom prst="rect">
-            <a:avLst/>
-          </a:prstGeom>
-          <a:noFill/>
-        </p:spPr>
-        <p:txBody>
-          <a:bodyPr wrap="square" rtlCol="0">
-            <a:spAutoFit/>
-          </a:bodyPr>
-          <a:lstStyle/>
-          <a:p>
-            <a:pPr algn="r">
-              <a:defRPr sz="1400"/>
-            </a:pPr>
-            <a:r>
-              <a:t>2</a:t>
-            </a:r>
-            <a:endParaRPr lang="es-MX" dirty="0">
-              <a:latin typeface="Arial Narrow" panose="020B0606020202030204" pitchFamily="34" charset="0"/>
-            </a:endParaRPr>
-          </a:p>
-        </p:txBody>
-      </p:sp>
-      <p:sp>
-        <p:nvSpPr>
-          <p:cNvPr id="15" name="14 CuadroTexto"/>
-          <p:cNvSpPr txBox="1"/>
-          <p:nvPr/>
-        </p:nvSpPr>
-        <p:spPr>
-          <a:xfrm>
-            <a:off x="6007394" y="3743206"/>
-            <a:ext cx="1612606" cy="369332"/>
-          </a:xfrm>
-          <a:prstGeom prst="rect">
-            <a:avLst/>
-          </a:prstGeom>
-          <a:noFill/>
-        </p:spPr>
-        <p:txBody>
-          <a:bodyPr wrap="square" rtlCol="0">
-            <a:spAutoFit/>
-          </a:bodyPr>
-          <a:lstStyle/>
-          <a:p>
-            <a:pPr algn="r">
-              <a:defRPr sz="1400"/>
-            </a:pPr>
-            <a:r>
-              <a:t>$ 174.10</a:t>
-            </a:r>
-            <a:endParaRPr lang="es-MX" dirty="0">
-              <a:latin typeface="Arial Narrow" panose="020B0606020202030204" pitchFamily="34" charset="0"/>
-            </a:endParaRPr>
-          </a:p>
-        </p:txBody>
-      </p:sp>
-      <p:sp>
-        <p:nvSpPr>
-          <p:cNvPr id="17" name="16 CuadroTexto"/>
-          <p:cNvSpPr txBox="1"/>
-          <p:nvPr/>
-        </p:nvSpPr>
-        <p:spPr>
-          <a:xfrm>
-            <a:off x="3806456" y="4136288"/>
-            <a:ext cx="1531088" cy="369332"/>
-          </a:xfrm>
-          <a:prstGeom prst="rect">
-            <a:avLst/>
-          </a:prstGeom>
-          <a:noFill/>
-        </p:spPr>
-        <p:txBody>
-          <a:bodyPr wrap="square" rtlCol="0">
-            <a:spAutoFit/>
-          </a:bodyPr>
-          <a:lstStyle/>
-          <a:p>
-            <a:pPr algn="r">
-              <a:defRPr sz="1400"/>
-            </a:pPr>
-            <a:r>
-              <a:t>6</a:t>
-            </a:r>
-            <a:endParaRPr lang="es-MX" dirty="0">
-              <a:latin typeface="Arial Narrow" panose="020B0606020202030204" pitchFamily="34" charset="0"/>
-            </a:endParaRPr>
-          </a:p>
-        </p:txBody>
-      </p:sp>
-      <p:sp>
-        <p:nvSpPr>
-          <p:cNvPr id="18" name="17 CuadroTexto"/>
-          <p:cNvSpPr txBox="1"/>
-          <p:nvPr/>
-        </p:nvSpPr>
-        <p:spPr>
-          <a:xfrm>
-            <a:off x="6007394" y="4124413"/>
-            <a:ext cx="1612606" cy="369332"/>
-          </a:xfrm>
-          <a:prstGeom prst="rect">
-            <a:avLst/>
-          </a:prstGeom>
-          <a:noFill/>
-        </p:spPr>
-        <p:txBody>
-          <a:bodyPr wrap="square" rtlCol="0">
-            <a:spAutoFit/>
-          </a:bodyPr>
-          <a:lstStyle/>
-          <a:p>
-            <a:pPr algn="r">
-              <a:defRPr sz="1400"/>
-            </a:pPr>
-            <a:r>
-              <a:t>$ 324.90</a:t>
-            </a:r>
-            <a:endParaRPr lang="es-MX" dirty="0">
-              <a:latin typeface="Arial Narrow" panose="020B0606020202030204" pitchFamily="34" charset="0"/>
-            </a:endParaRPr>
-          </a:p>
-        </p:txBody>
-      </p:sp>
-      <p:sp>
-        <p:nvSpPr>
-          <p:cNvPr id="19" name="18 CuadroTexto"/>
-          <p:cNvSpPr txBox="1"/>
-          <p:nvPr/>
-        </p:nvSpPr>
-        <p:spPr>
-          <a:xfrm>
-            <a:off x="3806456" y="4910046"/>
-            <a:ext cx="1531088" cy="369332"/>
-          </a:xfrm>
-          <a:prstGeom prst="rect">
-            <a:avLst/>
-          </a:prstGeom>
-          <a:noFill/>
-        </p:spPr>
-        <p:txBody>
-          <a:bodyPr wrap="square" rtlCol="0">
-            <a:spAutoFit/>
-          </a:bodyPr>
-          <a:lstStyle/>
-          <a:p>
-            <a:pPr algn="r">
-              <a:defRPr sz="1400"/>
-            </a:pPr>
-            <a:r>
-              <a:t>1</a:t>
-            </a:r>
-            <a:endParaRPr lang="es-MX" b="1" dirty="0">
-              <a:latin typeface="Arial Narrow" panose="020B0606020202030204" pitchFamily="34" charset="0"/>
-            </a:endParaRPr>
-          </a:p>
-        </p:txBody>
-      </p:sp>
-      <p:sp>
-        <p:nvSpPr>
-          <p:cNvPr id="20" name="19 CuadroTexto"/>
-          <p:cNvSpPr txBox="1"/>
-          <p:nvPr/>
-        </p:nvSpPr>
-        <p:spPr>
-          <a:xfrm>
-            <a:off x="6019268" y="4910046"/>
-            <a:ext cx="1600731" cy="369332"/>
-          </a:xfrm>
-          <a:prstGeom prst="rect">
-            <a:avLst/>
-          </a:prstGeom>
-          <a:noFill/>
-        </p:spPr>
-        <p:txBody>
-          <a:bodyPr wrap="square" rtlCol="0">
-            <a:spAutoFit/>
-          </a:bodyPr>
-          <a:lstStyle/>
-          <a:p>
-            <a:pPr algn="r">
-              <a:defRPr sz="1400"/>
-            </a:pPr>
-            <a:r>
-              <a:t>$ 130.00</a:t>
-            </a:r>
-            <a:endParaRPr lang="es-MX" b="1" dirty="0">
-              <a:latin typeface="Arial Narrow" panose="020B0606020202030204" pitchFamily="34" charset="0"/>
-            </a:endParaRPr>
-          </a:p>
-        </p:txBody>
-      </p:sp>
-      <p:sp>
-        <p:nvSpPr>
-          <p:cNvPr id="21" name="20 CuadroTexto"/>
-          <p:cNvSpPr txBox="1"/>
-          <p:nvPr/>
-        </p:nvSpPr>
-        <p:spPr>
-          <a:xfrm>
-            <a:off x="3806456" y="4521636"/>
-            <a:ext cx="1531088" cy="369332"/>
-          </a:xfrm>
-          <a:prstGeom prst="rect">
-            <a:avLst/>
-          </a:prstGeom>
-          <a:noFill/>
-        </p:spPr>
-        <p:txBody>
-          <a:bodyPr wrap="square" rtlCol="0">
-            <a:spAutoFit/>
-          </a:bodyPr>
-          <a:lstStyle/>
-          <a:p>
-            <a:pPr algn="r">
-              <a:defRPr sz="1400"/>
-            </a:pPr>
-            <a:r>
-              <a:t>3</a:t>
-            </a:r>
-            <a:endParaRPr lang="es-MX" dirty="0">
-              <a:latin typeface="Arial Narrow" panose="020B0606020202030204" pitchFamily="34" charset="0"/>
-            </a:endParaRPr>
-          </a:p>
-        </p:txBody>
-      </p:sp>
-      <p:sp>
-        <p:nvSpPr>
-          <p:cNvPr id="22" name="21 CuadroTexto"/>
-          <p:cNvSpPr txBox="1"/>
-          <p:nvPr/>
-        </p:nvSpPr>
-        <p:spPr>
-          <a:xfrm>
-            <a:off x="6007394" y="4532270"/>
-            <a:ext cx="1612606" cy="369332"/>
-          </a:xfrm>
-          <a:prstGeom prst="rect">
-            <a:avLst/>
-          </a:prstGeom>
-          <a:noFill/>
-        </p:spPr>
-        <p:txBody>
-          <a:bodyPr wrap="square" rtlCol="0">
-            <a:spAutoFit/>
-          </a:bodyPr>
-          <a:lstStyle/>
-          <a:p>
-            <a:pPr algn="r">
-              <a:defRPr sz="1400"/>
-            </a:pPr>
-            <a:r>
-              <a:t>$ 20.80</a:t>
-            </a:r>
-            <a:endParaRPr lang="es-MX" dirty="0">
-              <a:latin typeface="Arial Narrow" panose="020B0606020202030204" pitchFamily="34" charset="0"/>
-            </a:endParaRPr>
-          </a:p>
-        </p:txBody>
-      </p:sp>
-    </p:spTree>
-    <p:extLst>
-      <p:ext uri="{BB962C8B-B14F-4D97-AF65-F5344CB8AC3E}">
-        <p14:creationId xmlns:p14="http://schemas.microsoft.com/office/powerpoint/2010/main" val="355249271"/>
-      </p:ext>
-    </p:extLst>
-  </p:cSld>
-  <p:clrMapOvr>
-    <a:masterClrMapping/>
-  </p:clrMapOvr>
-  <p:timing>
-    <p:tnLst>
-      <p:par>
-        <p:cTn id="1" dur="indefinite" restart="never" nodeType="tmRoot"/>
-      </p:par>
-    </p:tnLst>
-  </p:timing>
-</p:sld>
-</file>
-
-<file path=ppt/slides/slide30.xml><?xml version="1.0" encoding="utf-8"?>
+<file path=ppt/slides/slide32.xml><?xml version="1.0" encoding="utf-8"?>
 <p:sld xmlns:a="http://schemas.openxmlformats.org/drawingml/2006/main" xmlns:r="http://schemas.openxmlformats.org/officeDocument/2006/relationships" xmlns:p="http://schemas.openxmlformats.org/presentationml/2006/main">
   <p:cSld>
     <p:spTree>
@@ -31575,7 +33849,7 @@
               <a:defRPr sz="1400"/>
             </a:pPr>
             <a:r>
-              <a:t>4</a:t>
+              <a:t>1</a:t>
             </a:r>
             <a:endParaRPr lang="es-MX" dirty="0">
               <a:latin typeface="Arial Narrow" panose="020B0606020202030204" pitchFamily="34" charset="0"/>
@@ -31609,7 +33883,7 @@
               <a:defRPr sz="1400"/>
             </a:pPr>
             <a:r>
-              <a:t>$ 38.17</a:t>
+              <a:t>$ 11.60</a:t>
             </a:r>
             <a:endParaRPr lang="es-MX" dirty="0">
               <a:latin typeface="Arial Narrow" panose="020B0606020202030204" pitchFamily="34" charset="0"/>
@@ -31643,7 +33917,7 @@
               <a:defRPr sz="1400"/>
             </a:pPr>
             <a:r>
-              <a:t>29</a:t>
+              <a:t>7</a:t>
             </a:r>
             <a:endParaRPr lang="es-MX" dirty="0">
               <a:latin typeface="Arial Narrow" panose="020B0606020202030204" pitchFamily="34" charset="0"/>
@@ -31677,7 +33951,7 @@
               <a:defRPr sz="1400"/>
             </a:pPr>
             <a:r>
-              <a:t>$ 790.17</a:t>
+              <a:t>$ 737.00</a:t>
             </a:r>
             <a:endParaRPr lang="es-MX" dirty="0">
               <a:latin typeface="Arial Narrow" panose="020B0606020202030204" pitchFamily="34" charset="0"/>
@@ -31711,7 +33985,7 @@
               <a:defRPr sz="1400"/>
             </a:pPr>
             <a:r>
-              <a:t>25</a:t>
+              <a:t>6</a:t>
             </a:r>
             <a:endParaRPr lang="es-MX" b="1" dirty="0">
               <a:latin typeface="Arial Narrow" panose="020B0606020202030204" pitchFamily="34" charset="0"/>
@@ -31745,7 +34019,7 @@
               <a:defRPr sz="1400"/>
             </a:pPr>
             <a:r>
-              <a:t>$ 752.00</a:t>
+              <a:t>$ 725.40</a:t>
             </a:r>
             <a:endParaRPr lang="es-MX" b="1" dirty="0">
               <a:latin typeface="Arial Narrow" panose="020B0606020202030204" pitchFamily="34" charset="0"/>
@@ -33735,7 +36009,7 @@
               <a:defRPr sz="1400"/>
             </a:pPr>
             <a:r>
-              <a:t>392</a:t>
+              <a:t>179</a:t>
             </a:r>
             <a:endParaRPr lang="es-MX" dirty="0">
               <a:latin typeface="Arial Narrow" panose="020B0606020202030204" pitchFamily="34" charset="0"/>
@@ -33769,7 +36043,7 @@
               <a:defRPr sz="1400"/>
             </a:pPr>
             <a:r>
-              <a:t>$ 270.21</a:t>
+              <a:t>$ 143.09</a:t>
             </a:r>
             <a:endParaRPr lang="es-MX" dirty="0">
               <a:latin typeface="Arial Narrow" panose="020B0606020202030204" pitchFamily="34" charset="0"/>
@@ -33803,7 +36077,7 @@
               <a:defRPr sz="1400"/>
             </a:pPr>
             <a:r>
-              <a:t>716</a:t>
+              <a:t>450</a:t>
             </a:r>
             <a:endParaRPr lang="es-MX" dirty="0">
               <a:latin typeface="Arial Narrow" panose="020B0606020202030204" pitchFamily="34" charset="0"/>
@@ -33837,7 +36111,7 @@
               <a:defRPr sz="1400"/>
             </a:pPr>
             <a:r>
-              <a:t>$ 1,053.89</a:t>
+              <a:t>$ 886.10</a:t>
             </a:r>
             <a:endParaRPr lang="es-MX" dirty="0">
               <a:latin typeface="Arial Narrow" panose="020B0606020202030204" pitchFamily="34" charset="0"/>
@@ -33871,7 +36145,7 @@
               <a:defRPr sz="1400"/>
             </a:pPr>
             <a:r>
-              <a:t>324</a:t>
+              <a:t>264</a:t>
             </a:r>
             <a:endParaRPr lang="es-MX" b="1" dirty="0">
               <a:latin typeface="Arial Narrow" panose="020B0606020202030204" pitchFamily="34" charset="0"/>
@@ -33905,7 +36179,7 @@
               <a:defRPr sz="1400"/>
             </a:pPr>
             <a:r>
-              <a:t>$ 783.68</a:t>
+              <a:t>$ 300.71</a:t>
             </a:r>
             <a:endParaRPr lang="es-MX" b="1" dirty="0">
               <a:latin typeface="Arial Narrow" panose="020B0606020202030204" pitchFamily="34" charset="0"/>
@@ -33939,7 +36213,7 @@
               <a:defRPr sz="1400"/>
             </a:pPr>
             <a:r>
-              <a:t>0</a:t>
+              <a:t>7</a:t>
             </a:r>
             <a:endParaRPr lang="es-MX" dirty="0">
               <a:latin typeface="Arial Narrow" panose="020B0606020202030204" pitchFamily="34" charset="0"/>
@@ -33973,7 +36247,7 @@
               <a:defRPr sz="1400"/>
             </a:pPr>
             <a:r>
-              <a:t>$ 0.00</a:t>
+              <a:t>$ 442.30</a:t>
             </a:r>
             <a:endParaRPr lang="es-MX" dirty="0">
               <a:latin typeface="Arial Narrow" panose="020B0606020202030204" pitchFamily="34" charset="0"/>
@@ -36000,7 +38274,7 @@
               <a:defRPr sz="1400"/>
             </a:pPr>
             <a:r>
-              <a:t>126</a:t>
+              <a:t>64</a:t>
             </a:r>
             <a:endParaRPr lang="es-MX" dirty="0">
               <a:latin typeface="Arial Narrow" panose="020B0606020202030204" pitchFamily="34" charset="0"/>
@@ -36034,7 +38308,7 @@
               <a:defRPr sz="1400"/>
             </a:pPr>
             <a:r>
-              <a:t>$ 38,320.12</a:t>
+              <a:t>$ 38,043.28</a:t>
             </a:r>
             <a:endParaRPr lang="es-MX" dirty="0">
               <a:latin typeface="Arial Narrow" panose="020B0606020202030204" pitchFamily="34" charset="0"/>
@@ -36068,7 +38342,7 @@
               <a:defRPr sz="1400"/>
             </a:pPr>
             <a:r>
-              <a:t>615</a:t>
+              <a:t>760</a:t>
             </a:r>
             <a:endParaRPr lang="es-MX" dirty="0">
               <a:latin typeface="Arial Narrow" panose="020B0606020202030204" pitchFamily="34" charset="0"/>
@@ -36102,7 +38376,7 @@
               <a:defRPr sz="1400"/>
             </a:pPr>
             <a:r>
-              <a:t>$ 155,571.11</a:t>
+              <a:t>$ 175,035.22</a:t>
             </a:r>
             <a:endParaRPr lang="es-MX" dirty="0">
               <a:latin typeface="Arial Narrow" panose="020B0606020202030204" pitchFamily="34" charset="0"/>
@@ -36136,7 +38410,7 @@
               <a:defRPr sz="1400"/>
             </a:pPr>
             <a:r>
-              <a:t>284</a:t>
+              <a:t>546</a:t>
             </a:r>
             <a:endParaRPr lang="es-MX" b="1" dirty="0">
               <a:latin typeface="Arial Narrow" panose="020B0606020202030204" pitchFamily="34" charset="0"/>
@@ -36170,7 +38444,7 @@
               <a:defRPr sz="1400"/>
             </a:pPr>
             <a:r>
-              <a:t>$ 97,856.92</a:t>
+              <a:t>$ 128,460.58</a:t>
             </a:r>
             <a:endParaRPr lang="es-MX" b="1" dirty="0">
               <a:latin typeface="Arial Narrow" panose="020B0606020202030204" pitchFamily="34" charset="0"/>
@@ -36204,7 +38478,7 @@
               <a:defRPr sz="1400"/>
             </a:pPr>
             <a:r>
-              <a:t>205</a:t>
+              <a:t>150</a:t>
             </a:r>
             <a:endParaRPr lang="es-MX" dirty="0">
               <a:latin typeface="Arial Narrow" panose="020B0606020202030204" pitchFamily="34" charset="0"/>
@@ -36238,7 +38512,7 @@
               <a:defRPr sz="1400"/>
             </a:pPr>
             <a:r>
-              <a:t>$ 19,394.07</a:t>
+              <a:t>$ 8,531.36</a:t>
             </a:r>
             <a:endParaRPr lang="es-MX" dirty="0">
               <a:latin typeface="Arial Narrow" panose="020B0606020202030204" pitchFamily="34" charset="0"/>
